--- a/Session 1/Tutorial 1 blau.pptx
+++ b/Session 1/Tutorial 1 blau.pptx
@@ -7841,8 +7841,12 @@
           <a:lstStyle/>
           <a:p>
             <a:r>
+              <a:rPr lang="de-DE" dirty="0" err="1"/>
+              <a:t>Econometrics</a:t>
+            </a:r>
+            <a:r>
               <a:rPr lang="de-DE" dirty="0"/>
-              <a:t>2</a:t>
+              <a:t> in General</a:t>
             </a:r>
           </a:p>
         </p:txBody>
@@ -7859,19 +7863,726 @@
         </p:nvSpPr>
         <p:spPr>
           <a:xfrm>
-            <a:off x="323850" y="1988840"/>
-            <a:ext cx="7200478" cy="4103985"/>
+            <a:off x="323850" y="1916832"/>
+            <a:ext cx="7200478" cy="4241307"/>
           </a:xfrm>
         </p:spPr>
         <p:txBody>
           <a:bodyPr/>
           <a:lstStyle/>
           <a:p>
-            <a:pPr marL="342900" indent="-342900">
-              <a:buFont typeface="+mj-lt"/>
-              <a:buAutoNum type="arabicPeriod"/>
+            <a:r>
+              <a:rPr lang="de-DE" sz="1800" dirty="0" err="1"/>
+              <a:t>Important</a:t>
+            </a:r>
+            <a:r>
+              <a:rPr lang="de-DE" sz="1800" dirty="0"/>
+              <a:t> </a:t>
+            </a:r>
+            <a:r>
+              <a:rPr lang="de-DE" sz="1800" dirty="0" err="1"/>
+              <a:t>data</a:t>
+            </a:r>
+            <a:r>
+              <a:rPr lang="de-DE" sz="1800" dirty="0"/>
+              <a:t> </a:t>
+            </a:r>
+            <a:r>
+              <a:rPr lang="de-DE" sz="1800" dirty="0" err="1"/>
+              <a:t>structures</a:t>
+            </a:r>
+            <a:r>
+              <a:rPr lang="de-DE" sz="1800" dirty="0"/>
+              <a:t> and </a:t>
+            </a:r>
+            <a:r>
+              <a:rPr lang="de-DE" sz="1800" dirty="0" err="1"/>
+              <a:t>their</a:t>
+            </a:r>
+            <a:r>
+              <a:rPr lang="de-DE" sz="1800" dirty="0"/>
+              <a:t> </a:t>
+            </a:r>
+            <a:r>
+              <a:rPr lang="de-DE" sz="1800" dirty="0" err="1"/>
+              <a:t>characteristics</a:t>
+            </a:r>
+            <a:endParaRPr lang="de-DE" sz="1800" dirty="0"/>
+          </a:p>
+          <a:p>
+            <a:pPr marL="298450" indent="-285750">
+              <a:lnSpc>
+                <a:spcPct val="100000"/>
+              </a:lnSpc>
+              <a:spcBef>
+                <a:spcPts val="285"/>
+              </a:spcBef>
+              <a:buFont typeface="Arial" panose="020B0604020202020204" pitchFamily="34" charset="0"/>
+              <a:buChar char="•"/>
             </a:pPr>
-            <a:endParaRPr lang="de-DE" dirty="0"/>
+            <a:r>
+              <a:rPr lang="en-US" sz="1800" spc="-10" dirty="0">
+                <a:solidFill>
+                  <a:schemeClr val="tx1"/>
+                </a:solidFill>
+                <a:cs typeface="LM Sans 10"/>
+              </a:rPr>
+              <a:t>Cross </a:t>
+            </a:r>
+            <a:r>
+              <a:rPr lang="en-US" sz="1800" spc="-5" dirty="0">
+                <a:solidFill>
+                  <a:schemeClr val="tx1"/>
+                </a:solidFill>
+                <a:cs typeface="LM Sans 10"/>
+              </a:rPr>
+              <a:t>sectional data</a:t>
+            </a:r>
+            <a:endParaRPr lang="en-US" sz="1800" dirty="0">
+              <a:solidFill>
+                <a:schemeClr val="tx1"/>
+              </a:solidFill>
+              <a:cs typeface="LM Sans 10"/>
+            </a:endParaRPr>
+          </a:p>
+          <a:p>
+            <a:pPr marL="622450" lvl="2" indent="-285750">
+              <a:lnSpc>
+                <a:spcPct val="100000"/>
+              </a:lnSpc>
+              <a:spcBef>
+                <a:spcPts val="285"/>
+              </a:spcBef>
+              <a:buFont typeface="Arial" panose="020B0604020202020204" pitchFamily="34" charset="0"/>
+              <a:buChar char="•"/>
+            </a:pPr>
+            <a:r>
+              <a:rPr lang="en-US" sz="1800" b="0" spc="-5" dirty="0">
+                <a:solidFill>
+                  <a:schemeClr val="tx1"/>
+                </a:solidFill>
+                <a:cs typeface="LM Sans 10"/>
+              </a:rPr>
+              <a:t>Sample of units at one </a:t>
+            </a:r>
+            <a:r>
+              <a:rPr lang="en-US" sz="1800" b="0" dirty="0">
+                <a:solidFill>
+                  <a:schemeClr val="tx1"/>
+                </a:solidFill>
+                <a:cs typeface="LM Sans 10"/>
+              </a:rPr>
+              <a:t>point </a:t>
+            </a:r>
+            <a:r>
+              <a:rPr lang="en-US" sz="1800" b="0" spc="-5" dirty="0">
+                <a:solidFill>
+                  <a:schemeClr val="tx1"/>
+                </a:solidFill>
+                <a:cs typeface="LM Sans 10"/>
+              </a:rPr>
+              <a:t>in time </a:t>
+            </a:r>
+            <a:r>
+              <a:rPr lang="en-US" sz="1800" b="0" spc="-10" dirty="0">
+                <a:solidFill>
+                  <a:schemeClr val="tx1"/>
+                </a:solidFill>
+                <a:cs typeface="LM Sans 10"/>
+              </a:rPr>
+              <a:t>(ignore </a:t>
+            </a:r>
+            <a:r>
+              <a:rPr lang="en-US" sz="1800" b="0" spc="-5" dirty="0">
+                <a:solidFill>
+                  <a:schemeClr val="tx1"/>
+                </a:solidFill>
+                <a:cs typeface="LM Sans 10"/>
+              </a:rPr>
+              <a:t>small time</a:t>
+            </a:r>
+            <a:r>
+              <a:rPr lang="en-US" sz="1800" b="0" spc="35" dirty="0">
+                <a:solidFill>
+                  <a:schemeClr val="tx1"/>
+                </a:solidFill>
+                <a:cs typeface="LM Sans 10"/>
+              </a:rPr>
+              <a:t> </a:t>
+            </a:r>
+            <a:r>
+              <a:rPr lang="en-US" sz="1800" b="0" spc="-10" dirty="0">
+                <a:solidFill>
+                  <a:schemeClr val="tx1"/>
+                </a:solidFill>
+                <a:cs typeface="LM Sans 10"/>
+              </a:rPr>
+              <a:t>diff.)</a:t>
+            </a:r>
+            <a:endParaRPr lang="en-US" sz="1800" b="0" dirty="0">
+              <a:solidFill>
+                <a:schemeClr val="tx1"/>
+              </a:solidFill>
+              <a:cs typeface="LM Sans 10"/>
+            </a:endParaRPr>
+          </a:p>
+          <a:p>
+            <a:pPr marL="298450" indent="-285750">
+              <a:lnSpc>
+                <a:spcPct val="100000"/>
+              </a:lnSpc>
+              <a:spcBef>
+                <a:spcPts val="195"/>
+              </a:spcBef>
+              <a:buFont typeface="Arial" panose="020B0604020202020204" pitchFamily="34" charset="0"/>
+              <a:buChar char="•"/>
+            </a:pPr>
+            <a:r>
+              <a:rPr lang="en-US" sz="1800" spc="-10" dirty="0">
+                <a:solidFill>
+                  <a:schemeClr val="tx1"/>
+                </a:solidFill>
+                <a:cs typeface="LM Sans 10"/>
+              </a:rPr>
+              <a:t>Time </a:t>
+            </a:r>
+            <a:r>
+              <a:rPr lang="en-US" sz="1800" spc="-5" dirty="0">
+                <a:solidFill>
+                  <a:schemeClr val="tx1"/>
+                </a:solidFill>
+                <a:cs typeface="LM Sans 10"/>
+              </a:rPr>
+              <a:t>Series </a:t>
+            </a:r>
+            <a:r>
+              <a:rPr lang="en-US" sz="1800" spc="-10" dirty="0">
+                <a:solidFill>
+                  <a:schemeClr val="tx1"/>
+                </a:solidFill>
+                <a:cs typeface="LM Sans 10"/>
+              </a:rPr>
+              <a:t>Data</a:t>
+            </a:r>
+            <a:endParaRPr lang="en-US" sz="1800" dirty="0">
+              <a:solidFill>
+                <a:schemeClr val="tx1"/>
+              </a:solidFill>
+              <a:cs typeface="LM Sans 10"/>
+            </a:endParaRPr>
+          </a:p>
+          <a:p>
+            <a:pPr marL="622450" lvl="2" indent="-285750">
+              <a:lnSpc>
+                <a:spcPct val="100000"/>
+              </a:lnSpc>
+              <a:spcBef>
+                <a:spcPts val="195"/>
+              </a:spcBef>
+              <a:buFont typeface="Arial" panose="020B0604020202020204" pitchFamily="34" charset="0"/>
+              <a:buChar char="•"/>
+            </a:pPr>
+            <a:r>
+              <a:rPr lang="en-US" sz="1800" b="0" spc="-5" dirty="0">
+                <a:solidFill>
+                  <a:schemeClr val="tx1"/>
+                </a:solidFill>
+                <a:cs typeface="LM Sans 10"/>
+              </a:rPr>
+              <a:t>Observations on a </a:t>
+            </a:r>
+            <a:r>
+              <a:rPr lang="en-US" sz="1800" b="0" spc="-10" dirty="0">
+                <a:solidFill>
+                  <a:schemeClr val="tx1"/>
+                </a:solidFill>
+                <a:cs typeface="LM Sans 10"/>
+              </a:rPr>
+              <a:t>variable </a:t>
+            </a:r>
+            <a:r>
+              <a:rPr lang="en-US" sz="1800" b="0" spc="-5" dirty="0">
+                <a:solidFill>
+                  <a:schemeClr val="tx1"/>
+                </a:solidFill>
+                <a:cs typeface="LM Sans 10"/>
+              </a:rPr>
+              <a:t>over time </a:t>
+            </a:r>
+            <a:r>
+              <a:rPr lang="en-US" sz="1800" b="0" spc="-15" dirty="0">
+                <a:solidFill>
+                  <a:schemeClr val="tx1"/>
+                </a:solidFill>
+                <a:cs typeface="LM Sans 10"/>
+              </a:rPr>
+              <a:t>(annually, </a:t>
+            </a:r>
+            <a:r>
+              <a:rPr lang="en-US" sz="1800" b="0" spc="-10" dirty="0">
+                <a:solidFill>
+                  <a:schemeClr val="tx1"/>
+                </a:solidFill>
+                <a:cs typeface="LM Sans 10"/>
+              </a:rPr>
+              <a:t>monthly,...) </a:t>
+            </a:r>
+          </a:p>
+          <a:p>
+            <a:pPr marL="622450" lvl="2" indent="-285750">
+              <a:lnSpc>
+                <a:spcPct val="100000"/>
+              </a:lnSpc>
+              <a:spcBef>
+                <a:spcPts val="195"/>
+              </a:spcBef>
+              <a:buFont typeface="Arial" panose="020B0604020202020204" pitchFamily="34" charset="0"/>
+              <a:buChar char="•"/>
+            </a:pPr>
+            <a:r>
+              <a:rPr lang="en-US" sz="1800" b="0" spc="-5" dirty="0">
+                <a:solidFill>
+                  <a:schemeClr val="tx1"/>
+                </a:solidFill>
+                <a:cs typeface="LM Sans 10"/>
+              </a:rPr>
+              <a:t>Often, </a:t>
+            </a:r>
+            <a:r>
+              <a:rPr lang="en-US" sz="1800" b="0" spc="-20" dirty="0">
+                <a:solidFill>
+                  <a:schemeClr val="tx1"/>
+                </a:solidFill>
+                <a:cs typeface="LM Sans 10"/>
+              </a:rPr>
+              <a:t>we </a:t>
+            </a:r>
+            <a:r>
+              <a:rPr lang="en-US" sz="1800" b="0" spc="-5" dirty="0">
+                <a:solidFill>
+                  <a:schemeClr val="tx1"/>
+                </a:solidFill>
+                <a:cs typeface="LM Sans 10"/>
+              </a:rPr>
+              <a:t>need to account </a:t>
+            </a:r>
+            <a:r>
+              <a:rPr lang="en-US" sz="1800" b="0" spc="-15" dirty="0">
+                <a:solidFill>
+                  <a:schemeClr val="tx1"/>
+                </a:solidFill>
+                <a:cs typeface="LM Sans 10"/>
+              </a:rPr>
+              <a:t>for </a:t>
+            </a:r>
+            <a:r>
+              <a:rPr lang="en-US" sz="1800" b="0" spc="-5" dirty="0">
+                <a:solidFill>
+                  <a:schemeClr val="tx1"/>
+                </a:solidFill>
+                <a:cs typeface="LM Sans 10"/>
+              </a:rPr>
+              <a:t>time </a:t>
+            </a:r>
+            <a:r>
+              <a:rPr lang="en-US" sz="1800" b="0" dirty="0">
+                <a:solidFill>
+                  <a:schemeClr val="tx1"/>
+                </a:solidFill>
+                <a:cs typeface="LM Sans 10"/>
+              </a:rPr>
+              <a:t>dependency </a:t>
+            </a:r>
+            <a:r>
+              <a:rPr lang="en-US" sz="1800" b="0" spc="-5" dirty="0">
+                <a:solidFill>
+                  <a:schemeClr val="tx1"/>
+                </a:solidFill>
+                <a:cs typeface="LM Sans 10"/>
+              </a:rPr>
+              <a:t>of</a:t>
+            </a:r>
+            <a:r>
+              <a:rPr lang="en-US" sz="1800" b="0" spc="10" dirty="0">
+                <a:solidFill>
+                  <a:schemeClr val="tx1"/>
+                </a:solidFill>
+                <a:cs typeface="LM Sans 10"/>
+              </a:rPr>
+              <a:t> </a:t>
+            </a:r>
+            <a:r>
+              <a:rPr lang="en-US" sz="1800" b="0" spc="-5" dirty="0">
+                <a:solidFill>
+                  <a:schemeClr val="tx1"/>
+                </a:solidFill>
+                <a:cs typeface="LM Sans 10"/>
+              </a:rPr>
+              <a:t>data</a:t>
+            </a:r>
+            <a:endParaRPr lang="en-US" sz="1800" dirty="0">
+              <a:cs typeface="LM Sans 10"/>
+            </a:endParaRPr>
+          </a:p>
+          <a:p>
+            <a:pPr marL="298450" lvl="1" indent="-285750">
+              <a:lnSpc>
+                <a:spcPct val="100000"/>
+              </a:lnSpc>
+              <a:spcBef>
+                <a:spcPts val="195"/>
+              </a:spcBef>
+              <a:buFont typeface="Arial" panose="020B0604020202020204" pitchFamily="34" charset="0"/>
+              <a:buChar char="•"/>
+            </a:pPr>
+            <a:r>
+              <a:rPr lang="en-US" sz="1800" b="1" spc="-5" dirty="0">
+                <a:solidFill>
+                  <a:schemeClr val="tx1"/>
+                </a:solidFill>
+                <a:cs typeface="LM Sans 10"/>
+              </a:rPr>
+              <a:t>Pooled </a:t>
+            </a:r>
+            <a:r>
+              <a:rPr lang="en-US" sz="1800" b="1" spc="-10" dirty="0">
+                <a:solidFill>
+                  <a:schemeClr val="tx1"/>
+                </a:solidFill>
+                <a:cs typeface="LM Sans 10"/>
+              </a:rPr>
+              <a:t>Cross </a:t>
+            </a:r>
+            <a:r>
+              <a:rPr lang="en-US" sz="1800" b="1" spc="-5" dirty="0">
+                <a:solidFill>
+                  <a:schemeClr val="tx1"/>
+                </a:solidFill>
+                <a:cs typeface="LM Sans 10"/>
+              </a:rPr>
+              <a:t>Sections</a:t>
+            </a:r>
+            <a:endParaRPr lang="en-US" sz="1800" b="1" dirty="0">
+              <a:cs typeface="LM Sans 10"/>
+            </a:endParaRPr>
+          </a:p>
+          <a:p>
+            <a:pPr marL="622450" lvl="2" indent="-285750">
+              <a:lnSpc>
+                <a:spcPct val="100000"/>
+              </a:lnSpc>
+              <a:spcBef>
+                <a:spcPts val="195"/>
+              </a:spcBef>
+              <a:buFont typeface="Arial" panose="020B0604020202020204" pitchFamily="34" charset="0"/>
+              <a:buChar char="•"/>
+            </a:pPr>
+            <a:r>
+              <a:rPr lang="en-US" sz="1800" b="0" spc="-10" dirty="0">
+                <a:solidFill>
+                  <a:schemeClr val="tx1"/>
+                </a:solidFill>
+                <a:cs typeface="LM Sans 10"/>
+              </a:rPr>
+              <a:t>Combination </a:t>
+            </a:r>
+            <a:r>
+              <a:rPr lang="en-US" sz="1800" b="0" spc="-5" dirty="0">
+                <a:solidFill>
+                  <a:schemeClr val="tx1"/>
+                </a:solidFill>
+                <a:cs typeface="LM Sans 10"/>
+              </a:rPr>
+              <a:t>of cross sections to increase sample size</a:t>
+            </a:r>
+          </a:p>
+          <a:p>
+            <a:pPr marL="622450" lvl="2" indent="-285750">
+              <a:lnSpc>
+                <a:spcPct val="100000"/>
+              </a:lnSpc>
+              <a:spcBef>
+                <a:spcPts val="195"/>
+              </a:spcBef>
+              <a:buFont typeface="Arial" panose="020B0604020202020204" pitchFamily="34" charset="0"/>
+              <a:buChar char="•"/>
+            </a:pPr>
+            <a:r>
+              <a:rPr lang="en-US" sz="1800" b="0" spc="-5" dirty="0">
+                <a:solidFill>
+                  <a:schemeClr val="tx1"/>
+                </a:solidFill>
+                <a:cs typeface="LM Sans 10"/>
+              </a:rPr>
+              <a:t>Random samples </a:t>
+            </a:r>
+            <a:r>
+              <a:rPr lang="en-US" sz="1800" b="0" i="1" spc="240" dirty="0">
+                <a:solidFill>
+                  <a:schemeClr val="tx1"/>
+                </a:solidFill>
+                <a:cs typeface="DejaVu Sans Condensed"/>
+              </a:rPr>
+              <a:t>→ </a:t>
+            </a:r>
+            <a:r>
+              <a:rPr lang="en-US" sz="1800" b="0" dirty="0">
+                <a:solidFill>
+                  <a:schemeClr val="tx1"/>
+                </a:solidFill>
+                <a:cs typeface="LM Sans 10"/>
+              </a:rPr>
+              <a:t>”same</a:t>
+            </a:r>
+            <a:r>
+              <a:rPr lang="en-US" sz="1800" b="0" spc="-204" dirty="0">
+                <a:solidFill>
+                  <a:schemeClr val="tx1"/>
+                </a:solidFill>
+                <a:cs typeface="LM Sans 10"/>
+              </a:rPr>
+              <a:t> </a:t>
+            </a:r>
+            <a:r>
+              <a:rPr lang="en-US" sz="1800" b="0" dirty="0">
+                <a:solidFill>
+                  <a:schemeClr val="tx1"/>
+                </a:solidFill>
+                <a:cs typeface="LM Sans 10"/>
+              </a:rPr>
+              <a:t>population”</a:t>
+            </a:r>
+          </a:p>
+          <a:p>
+            <a:pPr marL="298450" lvl="1" indent="-285750">
+              <a:lnSpc>
+                <a:spcPct val="100000"/>
+              </a:lnSpc>
+              <a:spcBef>
+                <a:spcPts val="195"/>
+              </a:spcBef>
+              <a:buFont typeface="Arial" panose="020B0604020202020204" pitchFamily="34" charset="0"/>
+              <a:buChar char="•"/>
+            </a:pPr>
+            <a:r>
+              <a:rPr lang="en-US" sz="1800" b="1" spc="-15" dirty="0">
+                <a:solidFill>
+                  <a:schemeClr val="tx1"/>
+                </a:solidFill>
+                <a:cs typeface="LM Sans 10"/>
+              </a:rPr>
+              <a:t>Panel </a:t>
+            </a:r>
+            <a:r>
+              <a:rPr lang="en-US" sz="1800" b="1" spc="-25" dirty="0">
+                <a:solidFill>
+                  <a:schemeClr val="tx1"/>
+                </a:solidFill>
+                <a:cs typeface="LM Sans 10"/>
+              </a:rPr>
+              <a:t>or </a:t>
+            </a:r>
+            <a:r>
+              <a:rPr lang="en-US" sz="1800" b="1" spc="-5" dirty="0">
+                <a:solidFill>
+                  <a:schemeClr val="tx1"/>
+                </a:solidFill>
+                <a:cs typeface="LM Sans 10"/>
+              </a:rPr>
+              <a:t>Longitudinal</a:t>
+            </a:r>
+            <a:r>
+              <a:rPr lang="en-US" sz="1800" b="1" spc="20" dirty="0">
+                <a:solidFill>
+                  <a:schemeClr val="tx1"/>
+                </a:solidFill>
+                <a:cs typeface="LM Sans 10"/>
+              </a:rPr>
+              <a:t> </a:t>
+            </a:r>
+            <a:r>
+              <a:rPr lang="en-US" sz="1800" b="1" spc="-10" dirty="0">
+                <a:solidFill>
+                  <a:schemeClr val="tx1"/>
+                </a:solidFill>
+                <a:cs typeface="LM Sans 10"/>
+              </a:rPr>
+              <a:t>Data</a:t>
+            </a:r>
+            <a:endParaRPr lang="en-US" sz="1800" b="1" dirty="0">
+              <a:cs typeface="LM Sans 10"/>
+            </a:endParaRPr>
+          </a:p>
+          <a:p>
+            <a:pPr marL="622450" lvl="2" indent="-285750">
+              <a:lnSpc>
+                <a:spcPct val="100000"/>
+              </a:lnSpc>
+              <a:spcBef>
+                <a:spcPts val="195"/>
+              </a:spcBef>
+              <a:buFont typeface="Arial" panose="020B0604020202020204" pitchFamily="34" charset="0"/>
+              <a:buChar char="•"/>
+            </a:pPr>
+            <a:r>
+              <a:rPr lang="en-US" sz="1800" b="0" spc="-5" dirty="0">
+                <a:solidFill>
+                  <a:schemeClr val="tx1"/>
+                </a:solidFill>
+                <a:cs typeface="LM Sans 10"/>
+              </a:rPr>
+              <a:t>Time series </a:t>
+            </a:r>
+            <a:r>
+              <a:rPr lang="en-US" sz="1800" b="0" spc="-15" dirty="0">
+                <a:solidFill>
+                  <a:schemeClr val="tx1"/>
+                </a:solidFill>
+                <a:cs typeface="LM Sans 10"/>
+              </a:rPr>
+              <a:t>for </a:t>
+            </a:r>
+            <a:r>
+              <a:rPr lang="en-US" sz="1800" b="0" spc="-5" dirty="0">
+                <a:solidFill>
+                  <a:schemeClr val="tx1"/>
+                </a:solidFill>
+                <a:cs typeface="LM Sans 10"/>
+              </a:rPr>
+              <a:t>each </a:t>
+            </a:r>
+            <a:r>
+              <a:rPr lang="en-US" sz="1800" b="0" dirty="0">
+                <a:solidFill>
+                  <a:schemeClr val="tx1"/>
+                </a:solidFill>
+                <a:cs typeface="LM Sans 10"/>
+              </a:rPr>
+              <a:t>member </a:t>
+            </a:r>
+            <a:r>
+              <a:rPr lang="en-US" sz="1800" b="0" spc="-5" dirty="0">
+                <a:solidFill>
+                  <a:schemeClr val="tx1"/>
+                </a:solidFill>
+                <a:cs typeface="LM Sans 10"/>
+              </a:rPr>
+              <a:t>in cross-sectional data set</a:t>
+            </a:r>
+          </a:p>
+          <a:p>
+            <a:pPr marL="622450" lvl="2" indent="-285750">
+              <a:lnSpc>
+                <a:spcPct val="100000"/>
+              </a:lnSpc>
+              <a:spcBef>
+                <a:spcPts val="195"/>
+              </a:spcBef>
+              <a:buFont typeface="Arial" panose="020B0604020202020204" pitchFamily="34" charset="0"/>
+              <a:buChar char="•"/>
+            </a:pPr>
+            <a:r>
+              <a:rPr lang="en-US" sz="1800" b="0" spc="-5" dirty="0">
+                <a:solidFill>
+                  <a:schemeClr val="tx1"/>
+                </a:solidFill>
+                <a:cs typeface="LM Sans 10"/>
+              </a:rPr>
+              <a:t>Data on the same units across time</a:t>
+            </a:r>
+            <a:endParaRPr lang="en-US" sz="1800" dirty="0">
+              <a:cs typeface="LM Sans 10"/>
+            </a:endParaRPr>
+          </a:p>
+          <a:p>
+            <a:pPr marL="622450" lvl="2" indent="-285750">
+              <a:lnSpc>
+                <a:spcPct val="100000"/>
+              </a:lnSpc>
+              <a:spcBef>
+                <a:spcPts val="195"/>
+              </a:spcBef>
+              <a:buFont typeface="Arial" panose="020B0604020202020204" pitchFamily="34" charset="0"/>
+              <a:buChar char="•"/>
+            </a:pPr>
+            <a:r>
+              <a:rPr lang="en-US" sz="1800" b="0" spc="-10" dirty="0">
+                <a:solidFill>
+                  <a:schemeClr val="tx1"/>
+                </a:solidFill>
+                <a:cs typeface="LM Sans 10"/>
+              </a:rPr>
+              <a:t>Allows </a:t>
+            </a:r>
+            <a:r>
+              <a:rPr lang="en-US" sz="1800" b="0" spc="-5" dirty="0">
+                <a:solidFill>
+                  <a:schemeClr val="tx1"/>
+                </a:solidFill>
+                <a:cs typeface="LM Sans 10"/>
+              </a:rPr>
+              <a:t>estimation of </a:t>
+            </a:r>
+            <a:r>
+              <a:rPr lang="en-US" sz="1800" b="0" spc="-10" dirty="0">
+                <a:solidFill>
+                  <a:schemeClr val="tx1"/>
+                </a:solidFill>
+                <a:cs typeface="LM Sans 10"/>
+              </a:rPr>
+              <a:t>effect </a:t>
+            </a:r>
+            <a:r>
+              <a:rPr lang="en-US" sz="1800" b="0" spc="-5" dirty="0">
+                <a:solidFill>
+                  <a:schemeClr val="tx1"/>
+                </a:solidFill>
+                <a:cs typeface="LM Sans 10"/>
+              </a:rPr>
+              <a:t>over time + new </a:t>
+            </a:r>
+            <a:r>
+              <a:rPr lang="en-US" sz="1800" b="0" dirty="0">
+                <a:solidFill>
+                  <a:schemeClr val="tx1"/>
+                </a:solidFill>
+                <a:cs typeface="LM Sans 10"/>
+              </a:rPr>
+              <a:t>methods </a:t>
+            </a:r>
+            <a:r>
+              <a:rPr lang="en-US" sz="1800" b="0" spc="-5" dirty="0">
+                <a:solidFill>
+                  <a:schemeClr val="tx1"/>
+                </a:solidFill>
+                <a:cs typeface="LM Sans 10"/>
+              </a:rPr>
+              <a:t>(e.g.</a:t>
+            </a:r>
+            <a:r>
+              <a:rPr lang="en-US" sz="1800" b="0" spc="160" dirty="0">
+                <a:solidFill>
+                  <a:schemeClr val="tx1"/>
+                </a:solidFill>
+                <a:cs typeface="LM Sans 10"/>
+              </a:rPr>
+              <a:t> </a:t>
+            </a:r>
+            <a:r>
+              <a:rPr lang="en-US" sz="1800" b="0" spc="-5" dirty="0">
+                <a:solidFill>
+                  <a:schemeClr val="tx1"/>
+                </a:solidFill>
+                <a:cs typeface="LM Sans 10"/>
+              </a:rPr>
+              <a:t>FE)</a:t>
+            </a:r>
+            <a:endParaRPr lang="en-US" sz="1800" b="0" dirty="0">
+              <a:solidFill>
+                <a:schemeClr val="tx1"/>
+              </a:solidFill>
+              <a:cs typeface="LM Sans 10"/>
+            </a:endParaRPr>
           </a:p>
           <a:p>
             <a:endParaRPr lang="de-DE" dirty="0"/>

--- a/Session 1/Tutorial 1 blau.pptx
+++ b/Session 1/Tutorial 1 blau.pptx
@@ -289,6 +289,35 @@
 </p:presentation>
 </file>
 
+<file path=ppt/changesInfos/changesInfo1.xml><?xml version="1.0" encoding="utf-8"?>
+<pc:chgInfo xmlns:a="http://schemas.openxmlformats.org/drawingml/2006/main" xmlns:r="http://schemas.openxmlformats.org/officeDocument/2006/relationships" xmlns:ac="http://schemas.microsoft.com/office/drawing/2013/main/command" xmlns:pc="http://schemas.microsoft.com/office/powerpoint/2013/main/command">
+  <pc:docChgLst>
+    <pc:chgData name="Jonas Schrade" userId="13ebdbf75601f199" providerId="LiveId" clId="{F33D0B60-EE4F-4025-A14E-4C6594B439BE}"/>
+    <pc:docChg chg="custSel modSld">
+      <pc:chgData name="Jonas Schrade" userId="13ebdbf75601f199" providerId="LiveId" clId="{F33D0B60-EE4F-4025-A14E-4C6594B439BE}" dt="2022-03-29T12:48:55.785" v="0" actId="21"/>
+      <pc:docMkLst>
+        <pc:docMk/>
+      </pc:docMkLst>
+      <pc:sldChg chg="delSp mod">
+        <pc:chgData name="Jonas Schrade" userId="13ebdbf75601f199" providerId="LiveId" clId="{F33D0B60-EE4F-4025-A14E-4C6594B439BE}" dt="2022-03-29T12:48:55.785" v="0" actId="21"/>
+        <pc:sldMkLst>
+          <pc:docMk/>
+          <pc:sldMk cId="0" sldId="256"/>
+        </pc:sldMkLst>
+        <pc:spChg chg="del">
+          <ac:chgData name="Jonas Schrade" userId="13ebdbf75601f199" providerId="LiveId" clId="{F33D0B60-EE4F-4025-A14E-4C6594B439BE}" dt="2022-03-29T12:48:55.785" v="0" actId="21"/>
+          <ac:spMkLst>
+            <pc:docMk/>
+            <pc:sldMk cId="0" sldId="256"/>
+            <ac:spMk id="11" creationId="{00000000-0000-0000-0000-000000000000}"/>
+          </ac:spMkLst>
+        </pc:spChg>
+      </pc:sldChg>
+    </pc:docChg>
+  </pc:docChgLst>
+</pc:chgInfo>
+</file>
+
 <file path=ppt/handoutMasters/handoutMaster1.xml><?xml version="1.0" encoding="utf-8"?>
 <p:handoutMaster xmlns:a="http://schemas.openxmlformats.org/drawingml/2006/main" xmlns:r="http://schemas.openxmlformats.org/officeDocument/2006/relationships" xmlns:p="http://schemas.openxmlformats.org/presentationml/2006/main">
   <p:cSld>
@@ -371,7 +400,7 @@
           <a:p>
             <a:fld id="{4C3797C4-ED8E-4EA4-959C-2AEEE7E3AD08}" type="datetimeFigureOut">
               <a:rPr lang="de-DE" smtClean="0"/>
-              <a:t>23.03.2022</a:t>
+              <a:t>29.03.2022</a:t>
             </a:fld>
             <a:endParaRPr lang="de-DE"/>
           </a:p>
@@ -536,7 +565,7 @@
           <a:p>
             <a:fld id="{44B5C22D-DB44-4084-9471-0EB64DB204F9}" type="datetimeFigureOut">
               <a:rPr lang="de-DE" smtClean="0"/>
-              <a:t>23.03.2022</a:t>
+              <a:t>29.03.2022</a:t>
             </a:fld>
             <a:endParaRPr lang="de-DE"/>
           </a:p>
@@ -5279,52 +5308,6 @@
           </a:prstGeom>
           <a:solidFill>
             <a:schemeClr val="accent3"/>
-          </a:solidFill>
-          <a:ln>
-            <a:noFill/>
-          </a:ln>
-        </p:spPr>
-        <p:style>
-          <a:lnRef idx="2">
-            <a:schemeClr val="accent1">
-              <a:shade val="50000"/>
-            </a:schemeClr>
-          </a:lnRef>
-          <a:fillRef idx="1">
-            <a:schemeClr val="accent1"/>
-          </a:fillRef>
-          <a:effectRef idx="0">
-            <a:schemeClr val="accent1"/>
-          </a:effectRef>
-          <a:fontRef idx="minor">
-            <a:schemeClr val="lt1"/>
-          </a:fontRef>
-        </p:style>
-        <p:txBody>
-          <a:bodyPr rtlCol="0" anchor="ctr"/>
-          <a:lstStyle/>
-          <a:p>
-            <a:pPr algn="ctr"/>
-            <a:endParaRPr lang="de-DE"/>
-          </a:p>
-        </p:txBody>
-      </p:sp>
-      <p:sp>
-        <p:nvSpPr>
-          <p:cNvPr id="11" name="Rechteck 10"/>
-          <p:cNvSpPr/>
-          <p:nvPr/>
-        </p:nvSpPr>
-        <p:spPr>
-          <a:xfrm>
-            <a:off x="289616" y="2557761"/>
-            <a:ext cx="4642602" cy="561600"/>
-          </a:xfrm>
-          <a:prstGeom prst="rect">
-            <a:avLst/>
-          </a:prstGeom>
-          <a:solidFill>
-            <a:schemeClr val="accent4"/>
           </a:solidFill>
           <a:ln>
             <a:noFill/>

--- a/Session 1/Tutorial 1 blau.pptx
+++ b/Session 1/Tutorial 1 blau.pptx
@@ -5,10 +5,10 @@
     <p:sldMasterId id="2147483653" r:id="rId1"/>
   </p:sldMasterIdLst>
   <p:notesMasterIdLst>
-    <p:notesMasterId r:id="rId9"/>
+    <p:notesMasterId r:id="rId13"/>
   </p:notesMasterIdLst>
   <p:handoutMasterIdLst>
-    <p:handoutMasterId r:id="rId10"/>
+    <p:handoutMasterId r:id="rId14"/>
   </p:handoutMasterIdLst>
   <p:sldIdLst>
     <p:sldId id="256" r:id="rId2"/>
@@ -17,7 +17,11 @@
     <p:sldId id="264" r:id="rId5"/>
     <p:sldId id="266" r:id="rId6"/>
     <p:sldId id="267" r:id="rId7"/>
-    <p:sldId id="263" r:id="rId8"/>
+    <p:sldId id="268" r:id="rId8"/>
+    <p:sldId id="269" r:id="rId9"/>
+    <p:sldId id="270" r:id="rId10"/>
+    <p:sldId id="271" r:id="rId11"/>
+    <p:sldId id="263" r:id="rId12"/>
   </p:sldIdLst>
   <p:sldSz cx="9144000" cy="6858000" type="screen4x3"/>
   <p:notesSz cx="6858000" cy="9144000"/>
@@ -400,7 +404,7 @@
           <a:p>
             <a:fld id="{4C3797C4-ED8E-4EA4-959C-2AEEE7E3AD08}" type="datetimeFigureOut">
               <a:rPr lang="de-DE" smtClean="0"/>
-              <a:t>29.03.2022</a:t>
+              <a:t>02.04.2022</a:t>
             </a:fld>
             <a:endParaRPr lang="de-DE"/>
           </a:p>
@@ -565,7 +569,7 @@
           <a:p>
             <a:fld id="{44B5C22D-DB44-4084-9471-0EB64DB204F9}" type="datetimeFigureOut">
               <a:rPr lang="de-DE" smtClean="0"/>
-              <a:t>29.03.2022</a:t>
+              <a:t>02.04.2022</a:t>
             </a:fld>
             <a:endParaRPr lang="de-DE"/>
           </a:p>
@@ -5430,7 +5434,7 @@
 </p:sld>
 </file>
 
-<file path=ppt/slides/slide2.xml><?xml version="1.0" encoding="utf-8"?>
+<file path=ppt/slides/slide10.xml><?xml version="1.0" encoding="utf-8"?>
 <p:sld xmlns:a="http://schemas.openxmlformats.org/drawingml/2006/main" xmlns:r="http://schemas.openxmlformats.org/officeDocument/2006/relationships" xmlns:p="http://schemas.openxmlformats.org/presentationml/2006/main">
   <p:cSld>
     <p:spTree>
@@ -5457,411 +5461,37 @@
             <p:ph type="title"/>
           </p:nvPr>
         </p:nvSpPr>
+        <p:spPr/>
+        <p:txBody>
+          <a:bodyPr/>
+          <a:lstStyle/>
+          <a:p>
+            <a:r>
+              <a:rPr lang="de-DE" dirty="0"/>
+              <a:t>Random Variables</a:t>
+            </a:r>
+          </a:p>
+        </p:txBody>
+      </p:sp>
+      <p:sp>
+        <p:nvSpPr>
+          <p:cNvPr id="3" name="Inhaltsplatzhalter 2"/>
+          <p:cNvSpPr>
+            <a:spLocks noGrp="1"/>
+          </p:cNvSpPr>
+          <p:nvPr>
+            <p:ph idx="1"/>
+          </p:nvPr>
+        </p:nvSpPr>
         <p:spPr>
           <a:xfrm>
-            <a:off x="323850" y="339349"/>
-            <a:ext cx="6335713" cy="792088"/>
+            <a:off x="323850" y="1772816"/>
+            <a:ext cx="7200478" cy="4320009"/>
           </a:xfrm>
         </p:spPr>
         <p:txBody>
           <a:bodyPr/>
           <a:lstStyle/>
-          <a:p>
-            <a:r>
-              <a:rPr lang="de-DE" dirty="0"/>
-              <a:t>Disclaimer!!</a:t>
-            </a:r>
-          </a:p>
-        </p:txBody>
-      </p:sp>
-      <p:sp>
-        <p:nvSpPr>
-          <p:cNvPr id="3" name="Inhaltsplatzhalter 2"/>
-          <p:cNvSpPr>
-            <a:spLocks noGrp="1"/>
-          </p:cNvSpPr>
-          <p:nvPr>
-            <p:ph idx="1"/>
-          </p:nvPr>
-        </p:nvSpPr>
-        <p:spPr>
-          <a:xfrm>
-            <a:off x="323850" y="1988840"/>
-            <a:ext cx="7488510" cy="4103985"/>
-          </a:xfrm>
-        </p:spPr>
-        <p:txBody>
-          <a:bodyPr/>
-          <a:lstStyle/>
-          <a:p>
-            <a:pPr marL="298450" marR="5080" indent="-285750">
-              <a:lnSpc>
-                <a:spcPct val="102600"/>
-              </a:lnSpc>
-              <a:spcBef>
-                <a:spcPts val="55"/>
-              </a:spcBef>
-              <a:buFont typeface="Arial" panose="020B0604020202020204" pitchFamily="34" charset="0"/>
-              <a:buChar char="•"/>
-            </a:pPr>
-            <a:r>
-              <a:rPr lang="en-US" sz="1800" b="0" spc="-10" dirty="0">
-                <a:solidFill>
-                  <a:schemeClr val="tx1"/>
-                </a:solidFill>
-                <a:cs typeface="LM Sans 10"/>
-              </a:rPr>
-              <a:t>The </a:t>
-            </a:r>
-            <a:r>
-              <a:rPr lang="en-US" sz="1800" b="0" spc="-5" dirty="0">
-                <a:solidFill>
-                  <a:schemeClr val="tx1"/>
-                </a:solidFill>
-                <a:cs typeface="LM Sans 10"/>
-              </a:rPr>
-              <a:t>content of the slides </a:t>
-            </a:r>
-            <a:r>
-              <a:rPr lang="en-US" sz="1800" b="0" spc="-10" dirty="0">
-                <a:solidFill>
-                  <a:schemeClr val="tx1"/>
-                </a:solidFill>
-                <a:cs typeface="LM Sans 10"/>
-              </a:rPr>
-              <a:t>partly </a:t>
-            </a:r>
-            <a:r>
-              <a:rPr lang="en-US" sz="1800" b="0" spc="-5" dirty="0">
-                <a:solidFill>
-                  <a:schemeClr val="tx1"/>
-                </a:solidFill>
-                <a:cs typeface="LM Sans 10"/>
-              </a:rPr>
-              <a:t>relies on material of Philipp  Prinz, Philipp Scherer and Jens </a:t>
-            </a:r>
-            <a:r>
-              <a:rPr lang="en-US" sz="1800" b="0" spc="-5" dirty="0" err="1">
-                <a:solidFill>
-                  <a:schemeClr val="tx1"/>
-                </a:solidFill>
-                <a:cs typeface="LM Sans 10"/>
-              </a:rPr>
-              <a:t>Wiederspohn</a:t>
-            </a:r>
-            <a:r>
-              <a:rPr lang="en-US" sz="1800" b="0" spc="-5" dirty="0">
-                <a:solidFill>
-                  <a:schemeClr val="tx1"/>
-                </a:solidFill>
-                <a:cs typeface="LM Sans 10"/>
-              </a:rPr>
-              <a:t>, </a:t>
-            </a:r>
-            <a:r>
-              <a:rPr lang="en-US" sz="1800" b="0" spc="-15" dirty="0">
-                <a:solidFill>
-                  <a:schemeClr val="tx1"/>
-                </a:solidFill>
-                <a:cs typeface="LM Sans 10"/>
-              </a:rPr>
-              <a:t>former </a:t>
-            </a:r>
-            <a:r>
-              <a:rPr lang="en-US" sz="1800" b="0" spc="-5" dirty="0">
-                <a:solidFill>
-                  <a:schemeClr val="tx1"/>
-                </a:solidFill>
-                <a:cs typeface="LM Sans 10"/>
-              </a:rPr>
-              <a:t>Statistics </a:t>
-            </a:r>
-            <a:r>
-              <a:rPr lang="en-US" sz="1800" b="0" spc="-10" dirty="0">
-                <a:solidFill>
-                  <a:schemeClr val="tx1"/>
-                </a:solidFill>
-                <a:cs typeface="LM Sans 10"/>
-              </a:rPr>
-              <a:t>tutors. </a:t>
-            </a:r>
-            <a:r>
-              <a:rPr lang="en-US" sz="1800" b="0" spc="-15" dirty="0">
-                <a:solidFill>
-                  <a:schemeClr val="tx1"/>
-                </a:solidFill>
-                <a:cs typeface="LM Sans 10"/>
-              </a:rPr>
-              <a:t>Like </a:t>
-            </a:r>
-            <a:r>
-              <a:rPr lang="en-US" sz="1800" b="0" spc="-5" dirty="0">
-                <a:solidFill>
-                  <a:schemeClr val="tx1"/>
-                </a:solidFill>
-                <a:cs typeface="LM Sans 10"/>
-              </a:rPr>
-              <a:t>us, they are students. </a:t>
-            </a:r>
-            <a:r>
-              <a:rPr lang="en-US" sz="1800" b="0" spc="-10" dirty="0">
-                <a:solidFill>
-                  <a:schemeClr val="tx1"/>
-                </a:solidFill>
-                <a:cs typeface="LM Sans 10"/>
-              </a:rPr>
-              <a:t>Therefore, </a:t>
-            </a:r>
-            <a:r>
-              <a:rPr lang="en-US" sz="1800" b="0" spc="-25" dirty="0">
-                <a:solidFill>
-                  <a:schemeClr val="tx1"/>
-                </a:solidFill>
-                <a:cs typeface="LM Sans 10"/>
-              </a:rPr>
-              <a:t>we </a:t>
-            </a:r>
-            <a:r>
-              <a:rPr lang="en-US" sz="1800" b="0" spc="-10" dirty="0">
-                <a:solidFill>
-                  <a:schemeClr val="tx1"/>
-                </a:solidFill>
-                <a:cs typeface="LM Sans 10"/>
-              </a:rPr>
-              <a:t>provide </a:t>
-            </a:r>
-            <a:r>
-              <a:rPr lang="en-US" sz="1800" b="0" spc="-5" dirty="0">
-                <a:solidFill>
-                  <a:schemeClr val="tx1"/>
-                </a:solidFill>
-                <a:cs typeface="LM Sans 10"/>
-              </a:rPr>
-              <a:t>no </a:t>
-            </a:r>
-            <a:r>
-              <a:rPr lang="en-US" sz="1800" b="0" spc="-10" dirty="0">
-                <a:solidFill>
-                  <a:schemeClr val="tx1"/>
-                </a:solidFill>
-                <a:cs typeface="LM Sans 10"/>
-              </a:rPr>
-              <a:t>guarantee </a:t>
-            </a:r>
-            <a:r>
-              <a:rPr lang="en-US" sz="1800" b="0" spc="-20" dirty="0">
-                <a:solidFill>
-                  <a:schemeClr val="tx1"/>
-                </a:solidFill>
-                <a:cs typeface="LM Sans 10"/>
-              </a:rPr>
-              <a:t>for </a:t>
-            </a:r>
-            <a:r>
-              <a:rPr lang="en-US" sz="1800" b="0" spc="-5" dirty="0">
-                <a:solidFill>
-                  <a:schemeClr val="tx1"/>
-                </a:solidFill>
-                <a:cs typeface="LM Sans 10"/>
-              </a:rPr>
-              <a:t>the content of the slides  </a:t>
-            </a:r>
-            <a:r>
-              <a:rPr lang="en-US" sz="1800" b="0" spc="-25" dirty="0">
-                <a:solidFill>
-                  <a:schemeClr val="tx1"/>
-                </a:solidFill>
-                <a:cs typeface="LM Sans 10"/>
-              </a:rPr>
-              <a:t>or </a:t>
-            </a:r>
-            <a:r>
-              <a:rPr lang="en-US" sz="1800" b="0" spc="-5" dirty="0">
-                <a:solidFill>
-                  <a:schemeClr val="tx1"/>
-                </a:solidFill>
-                <a:cs typeface="LM Sans 10"/>
-              </a:rPr>
-              <a:t>other </a:t>
-            </a:r>
-            <a:r>
-              <a:rPr lang="en-US" sz="1800" b="0" spc="-10" dirty="0">
-                <a:solidFill>
-                  <a:schemeClr val="tx1"/>
-                </a:solidFill>
-                <a:cs typeface="LM Sans 10"/>
-              </a:rPr>
-              <a:t>data/information </a:t>
-            </a:r>
-            <a:r>
-              <a:rPr lang="en-US" sz="1800" b="0" spc="-5" dirty="0">
-                <a:solidFill>
-                  <a:schemeClr val="tx1"/>
-                </a:solidFill>
-                <a:cs typeface="LM Sans 10"/>
-              </a:rPr>
-              <a:t>of the</a:t>
-            </a:r>
-            <a:r>
-              <a:rPr lang="en-US" sz="1800" b="0" spc="15" dirty="0">
-                <a:solidFill>
-                  <a:schemeClr val="tx1"/>
-                </a:solidFill>
-                <a:cs typeface="LM Sans 10"/>
-              </a:rPr>
-              <a:t> </a:t>
-            </a:r>
-            <a:r>
-              <a:rPr lang="en-US" sz="1800" b="0" spc="-10" dirty="0">
-                <a:solidFill>
-                  <a:schemeClr val="tx1"/>
-                </a:solidFill>
-                <a:cs typeface="LM Sans 10"/>
-              </a:rPr>
-              <a:t>tutorial.</a:t>
-            </a:r>
-            <a:endParaRPr lang="en-US" sz="1800" b="0" dirty="0">
-              <a:solidFill>
-                <a:schemeClr val="tx1"/>
-              </a:solidFill>
-              <a:cs typeface="LM Sans 10"/>
-            </a:endParaRPr>
-          </a:p>
-          <a:p>
-            <a:pPr marL="298450" marR="225425" indent="-285750">
-              <a:lnSpc>
-                <a:spcPct val="102600"/>
-              </a:lnSpc>
-              <a:spcBef>
-                <a:spcPts val="800"/>
-              </a:spcBef>
-              <a:buFont typeface="Arial" panose="020B0604020202020204" pitchFamily="34" charset="0"/>
-              <a:buChar char="•"/>
-            </a:pPr>
-            <a:r>
-              <a:rPr lang="en-US" sz="1800" b="0" spc="-5" dirty="0">
-                <a:solidFill>
-                  <a:schemeClr val="tx1"/>
-                </a:solidFill>
-                <a:cs typeface="LM Sans 10"/>
-              </a:rPr>
-              <a:t>Please note that the </a:t>
-            </a:r>
-            <a:r>
-              <a:rPr lang="en-US" sz="1800" b="0" spc="-10" dirty="0">
-                <a:solidFill>
-                  <a:schemeClr val="tx1"/>
-                </a:solidFill>
-                <a:cs typeface="LM Sans 10"/>
-              </a:rPr>
-              <a:t>slides </a:t>
-            </a:r>
-            <a:r>
-              <a:rPr lang="en-US" sz="1800" b="0" spc="-5" dirty="0">
-                <a:solidFill>
-                  <a:schemeClr val="tx1"/>
-                </a:solidFill>
-                <a:cs typeface="LM Sans 10"/>
-              </a:rPr>
-              <a:t>will not cover the entire lecture  content. </a:t>
-            </a:r>
-            <a:r>
-              <a:rPr lang="en-US" sz="1800" b="0" spc="-60" dirty="0">
-                <a:solidFill>
-                  <a:schemeClr val="tx1"/>
-                </a:solidFill>
-                <a:cs typeface="LM Sans 10"/>
-              </a:rPr>
-              <a:t>To </a:t>
-            </a:r>
-            <a:r>
-              <a:rPr lang="en-US" sz="1800" b="0" spc="-5" dirty="0">
-                <a:solidFill>
-                  <a:schemeClr val="tx1"/>
-                </a:solidFill>
-                <a:cs typeface="LM Sans 10"/>
-              </a:rPr>
-              <a:t>pass </a:t>
-            </a:r>
-            <a:r>
-              <a:rPr lang="en-US" sz="1800" b="0" spc="-10" dirty="0">
-                <a:solidFill>
-                  <a:schemeClr val="tx1"/>
-                </a:solidFill>
-                <a:cs typeface="LM Sans 10"/>
-              </a:rPr>
-              <a:t>the exam, </a:t>
-            </a:r>
-            <a:r>
-              <a:rPr lang="en-US" sz="1800" b="0" spc="-5" dirty="0">
-                <a:solidFill>
-                  <a:schemeClr val="tx1"/>
-                </a:solidFill>
-                <a:cs typeface="LM Sans 10"/>
-              </a:rPr>
-              <a:t>it is still absolutely </a:t>
-            </a:r>
-            <a:r>
-              <a:rPr lang="en-US" sz="1800" b="0" spc="-10" dirty="0">
-                <a:solidFill>
-                  <a:schemeClr val="tx1"/>
-                </a:solidFill>
-                <a:cs typeface="LM Sans 10"/>
-              </a:rPr>
-              <a:t>necessary </a:t>
-            </a:r>
-            <a:r>
-              <a:rPr lang="en-US" sz="1800" b="0" spc="-5" dirty="0">
-                <a:solidFill>
-                  <a:schemeClr val="tx1"/>
-                </a:solidFill>
-                <a:cs typeface="LM Sans 10"/>
-              </a:rPr>
-              <a:t>to  deal with the </a:t>
-            </a:r>
-            <a:r>
-              <a:rPr lang="en-US" sz="1800" b="0" spc="-10" dirty="0">
-                <a:solidFill>
-                  <a:schemeClr val="tx1"/>
-                </a:solidFill>
-                <a:cs typeface="LM Sans 10"/>
-              </a:rPr>
-              <a:t>Wooldridge </a:t>
-            </a:r>
-            <a:r>
-              <a:rPr lang="en-US" sz="1800" b="0" spc="-5" dirty="0">
-                <a:solidFill>
-                  <a:schemeClr val="tx1"/>
-                </a:solidFill>
-                <a:cs typeface="LM Sans 10"/>
-              </a:rPr>
-              <a:t>in</a:t>
-            </a:r>
-            <a:r>
-              <a:rPr lang="en-US" sz="1800" b="0" spc="-10" dirty="0">
-                <a:solidFill>
-                  <a:schemeClr val="tx1"/>
-                </a:solidFill>
-                <a:cs typeface="LM Sans 10"/>
-              </a:rPr>
-              <a:t> </a:t>
-            </a:r>
-            <a:r>
-              <a:rPr lang="en-US" sz="1800" b="0" spc="-5" dirty="0">
-                <a:solidFill>
-                  <a:schemeClr val="tx1"/>
-                </a:solidFill>
-                <a:cs typeface="LM Sans 10"/>
-              </a:rPr>
-              <a:t>detail!</a:t>
-            </a:r>
-            <a:endParaRPr lang="en-US" sz="1800" b="0" dirty="0">
-              <a:solidFill>
-                <a:schemeClr val="tx1"/>
-              </a:solidFill>
-              <a:cs typeface="LM Sans 10"/>
-            </a:endParaRPr>
-          </a:p>
           <a:p>
             <a:pPr marL="342900" indent="-342900">
               <a:buFont typeface="+mj-lt"/>
@@ -5913,7 +5543,7 @@
           <a:p>
             <a:r>
               <a:rPr lang="de-DE" dirty="0"/>
-              <a:t>Tutorial: </a:t>
+              <a:t>Tutorial </a:t>
             </a:r>
             <a:r>
               <a:rPr lang="de-DE" dirty="0" err="1"/>
@@ -5941,7 +5571,7 @@
             <a:fld id="{C05EE493-AD2E-4872-B2F6-8F12A747F0A5}" type="slidenum">
               <a:rPr lang="de-DE" smtClean="0"/>
               <a:pPr/>
-              <a:t>2</a:t>
+              <a:t>10</a:t>
             </a:fld>
             <a:endParaRPr lang="de-DE" dirty="0"/>
           </a:p>
@@ -5950,7 +5580,7 @@
     </p:spTree>
     <p:extLst>
       <p:ext uri="{BB962C8B-B14F-4D97-AF65-F5344CB8AC3E}">
-        <p14:creationId xmlns:p14="http://schemas.microsoft.com/office/powerpoint/2010/main" val="3026823599"/>
+        <p14:creationId xmlns:p14="http://schemas.microsoft.com/office/powerpoint/2010/main" val="2999555697"/>
       </p:ext>
     </p:extLst>
   </p:cSld>
@@ -5960,2861 +5590,7 @@
 </p:sld>
 </file>
 
-<file path=ppt/slides/slide3.xml><?xml version="1.0" encoding="utf-8"?>
-<p:sld xmlns:a="http://schemas.openxmlformats.org/drawingml/2006/main" xmlns:r="http://schemas.openxmlformats.org/officeDocument/2006/relationships" xmlns:p="http://schemas.openxmlformats.org/presentationml/2006/main">
-  <p:cSld>
-    <p:spTree>
-      <p:nvGrpSpPr>
-        <p:cNvPr id="1" name=""/>
-        <p:cNvGrpSpPr/>
-        <p:nvPr/>
-      </p:nvGrpSpPr>
-      <p:grpSpPr>
-        <a:xfrm>
-          <a:off x="0" y="0"/>
-          <a:ext cx="0" cy="0"/>
-          <a:chOff x="0" y="0"/>
-          <a:chExt cx="0" cy="0"/>
-        </a:xfrm>
-      </p:grpSpPr>
-      <p:sp>
-        <p:nvSpPr>
-          <p:cNvPr id="2" name="Titel 1"/>
-          <p:cNvSpPr>
-            <a:spLocks noGrp="1"/>
-          </p:cNvSpPr>
-          <p:nvPr>
-            <p:ph type="title"/>
-          </p:nvPr>
-        </p:nvSpPr>
-        <p:spPr/>
-        <p:txBody>
-          <a:bodyPr/>
-          <a:lstStyle/>
-          <a:p>
-            <a:r>
-              <a:rPr lang="de-DE" dirty="0" err="1"/>
-              <a:t>Econometrics</a:t>
-            </a:r>
-            <a:r>
-              <a:rPr lang="de-DE" dirty="0"/>
-              <a:t> in General</a:t>
-            </a:r>
-          </a:p>
-        </p:txBody>
-      </p:sp>
-      <p:sp>
-        <p:nvSpPr>
-          <p:cNvPr id="3" name="Inhaltsplatzhalter 2"/>
-          <p:cNvSpPr>
-            <a:spLocks noGrp="1"/>
-          </p:cNvSpPr>
-          <p:nvPr>
-            <p:ph idx="1"/>
-          </p:nvPr>
-        </p:nvSpPr>
-        <p:spPr>
-          <a:xfrm>
-            <a:off x="323850" y="1988840"/>
-            <a:ext cx="7488510" cy="4103985"/>
-          </a:xfrm>
-        </p:spPr>
-        <p:txBody>
-          <a:bodyPr/>
-          <a:lstStyle/>
-          <a:p>
-            <a:pPr marL="12700">
-              <a:lnSpc>
-                <a:spcPct val="100000"/>
-              </a:lnSpc>
-              <a:spcBef>
-                <a:spcPts val="90"/>
-              </a:spcBef>
-            </a:pPr>
-            <a:r>
-              <a:rPr lang="en-US" sz="1800" spc="-10" dirty="0">
-                <a:cs typeface="LM Sans 10"/>
-              </a:rPr>
-              <a:t>What </a:t>
-            </a:r>
-            <a:r>
-              <a:rPr lang="en-US" sz="1800" spc="-5" dirty="0">
-                <a:cs typeface="LM Sans 10"/>
-              </a:rPr>
-              <a:t>is econometrics all</a:t>
-            </a:r>
-            <a:r>
-              <a:rPr lang="en-US" sz="1800" spc="-10" dirty="0">
-                <a:cs typeface="LM Sans 10"/>
-              </a:rPr>
-              <a:t> </a:t>
-            </a:r>
-            <a:r>
-              <a:rPr lang="en-US" sz="1800" dirty="0">
-                <a:cs typeface="LM Sans 10"/>
-              </a:rPr>
-              <a:t>about?</a:t>
-            </a:r>
-          </a:p>
-          <a:p>
-            <a:pPr marL="575310" marR="5080" indent="-285750">
-              <a:lnSpc>
-                <a:spcPct val="113199"/>
-              </a:lnSpc>
-              <a:spcBef>
-                <a:spcPts val="655"/>
-              </a:spcBef>
-              <a:buFont typeface="Arial" panose="020B0604020202020204" pitchFamily="34" charset="0"/>
-              <a:buChar char="•"/>
-            </a:pPr>
-            <a:r>
-              <a:rPr lang="en-US" sz="1800" b="0" spc="-5" dirty="0">
-                <a:solidFill>
-                  <a:schemeClr val="tx1"/>
-                </a:solidFill>
-                <a:cs typeface="LM Sans 10"/>
-              </a:rPr>
-              <a:t>Econometrics </a:t>
-            </a:r>
-            <a:r>
-              <a:rPr lang="en-US" sz="1800" b="0" spc="-10" dirty="0">
-                <a:solidFill>
-                  <a:schemeClr val="tx1"/>
-                </a:solidFill>
-                <a:cs typeface="LM Sans 10"/>
-              </a:rPr>
-              <a:t>= </a:t>
-            </a:r>
-            <a:r>
-              <a:rPr lang="en-US" sz="1800" b="0" spc="-5" dirty="0">
-                <a:solidFill>
-                  <a:schemeClr val="tx1"/>
-                </a:solidFill>
-                <a:cs typeface="LM Sans 10"/>
-              </a:rPr>
-              <a:t>statistics </a:t>
-            </a:r>
-            <a:r>
-              <a:rPr lang="en-US" sz="1800" b="0" spc="-15" dirty="0">
-                <a:solidFill>
-                  <a:schemeClr val="tx1"/>
-                </a:solidFill>
-                <a:cs typeface="LM Sans 10"/>
-              </a:rPr>
-              <a:t>for </a:t>
-            </a:r>
-            <a:r>
-              <a:rPr lang="en-US" sz="1800" b="0" spc="-5" dirty="0">
-                <a:solidFill>
-                  <a:schemeClr val="tx1"/>
-                </a:solidFill>
-                <a:cs typeface="LM Sans 10"/>
-              </a:rPr>
-              <a:t>economists </a:t>
-            </a:r>
-            <a:r>
-              <a:rPr lang="en-US" sz="1800" b="0" spc="-10" dirty="0">
-                <a:solidFill>
-                  <a:schemeClr val="tx1"/>
-                </a:solidFill>
-                <a:cs typeface="LM Sans 10"/>
-              </a:rPr>
-              <a:t>(and </a:t>
-            </a:r>
-            <a:r>
-              <a:rPr lang="en-US" sz="1800" b="0" spc="-5" dirty="0">
-                <a:solidFill>
-                  <a:schemeClr val="tx1"/>
-                </a:solidFill>
-                <a:cs typeface="LM Sans 10"/>
-              </a:rPr>
-              <a:t>politicians)</a:t>
-            </a:r>
-          </a:p>
-          <a:p>
-            <a:pPr marL="575310" marR="5080" indent="-285750">
-              <a:lnSpc>
-                <a:spcPct val="113199"/>
-              </a:lnSpc>
-              <a:spcBef>
-                <a:spcPts val="655"/>
-              </a:spcBef>
-              <a:buFont typeface="Arial" panose="020B0604020202020204" pitchFamily="34" charset="0"/>
-              <a:buChar char="•"/>
-            </a:pPr>
-            <a:r>
-              <a:rPr lang="en-US" sz="1800" b="0" spc="-5" dirty="0">
-                <a:solidFill>
-                  <a:schemeClr val="tx1"/>
-                </a:solidFill>
-                <a:cs typeface="LM Sans 10"/>
-              </a:rPr>
-              <a:t>Mathematical </a:t>
-            </a:r>
-            <a:r>
-              <a:rPr lang="en-US" sz="1800" b="0" dirty="0">
-                <a:solidFill>
-                  <a:schemeClr val="tx1"/>
-                </a:solidFill>
-                <a:cs typeface="LM Sans 10"/>
-              </a:rPr>
-              <a:t>tools </a:t>
-            </a:r>
-            <a:r>
-              <a:rPr lang="en-US" sz="1800" b="0" spc="-10" dirty="0">
-                <a:solidFill>
-                  <a:schemeClr val="tx1"/>
-                </a:solidFill>
-                <a:cs typeface="LM Sans 10"/>
-              </a:rPr>
-              <a:t>(e.g. </a:t>
-            </a:r>
-            <a:r>
-              <a:rPr lang="en-US" sz="1800" b="0" spc="-5" dirty="0">
-                <a:solidFill>
-                  <a:schemeClr val="tx1"/>
-                </a:solidFill>
-                <a:cs typeface="LM Sans 10"/>
-              </a:rPr>
-              <a:t>regression) </a:t>
-            </a:r>
-            <a:r>
-              <a:rPr lang="en-US" sz="1800" b="0" spc="-15" dirty="0">
-                <a:solidFill>
-                  <a:schemeClr val="tx1"/>
-                </a:solidFill>
-                <a:cs typeface="LM Sans 10"/>
-              </a:rPr>
-              <a:t>for </a:t>
-            </a:r>
-            <a:r>
-              <a:rPr lang="en-US" sz="1800" b="0" spc="-5" dirty="0">
-                <a:solidFill>
-                  <a:schemeClr val="tx1"/>
-                </a:solidFill>
-                <a:cs typeface="LM Sans 10"/>
-              </a:rPr>
-              <a:t>economic</a:t>
-            </a:r>
-            <a:r>
-              <a:rPr lang="en-US" sz="1800" b="0" spc="85" dirty="0">
-                <a:solidFill>
-                  <a:schemeClr val="tx1"/>
-                </a:solidFill>
-                <a:cs typeface="LM Sans 10"/>
-              </a:rPr>
-              <a:t> </a:t>
-            </a:r>
-            <a:r>
-              <a:rPr lang="en-US" sz="1800" b="0" spc="-10" dirty="0">
-                <a:solidFill>
-                  <a:schemeClr val="tx1"/>
-                </a:solidFill>
-                <a:cs typeface="LM Sans 10"/>
-              </a:rPr>
-              <a:t>problems</a:t>
-            </a:r>
-            <a:endParaRPr lang="en-US" sz="1800" b="0" dirty="0">
-              <a:solidFill>
-                <a:schemeClr val="tx1"/>
-              </a:solidFill>
-              <a:cs typeface="LM Sans 10"/>
-            </a:endParaRPr>
-          </a:p>
-          <a:p>
-            <a:pPr marL="899310" marR="5080" lvl="2" indent="-285750">
-              <a:lnSpc>
-                <a:spcPct val="113199"/>
-              </a:lnSpc>
-              <a:spcBef>
-                <a:spcPts val="655"/>
-              </a:spcBef>
-              <a:buFont typeface="Arial" panose="020B0604020202020204" pitchFamily="34" charset="0"/>
-              <a:buChar char="•"/>
-            </a:pPr>
-            <a:r>
-              <a:rPr lang="en-US" sz="1800" b="0" spc="-10" dirty="0">
-                <a:solidFill>
-                  <a:schemeClr val="tx1"/>
-                </a:solidFill>
-                <a:cs typeface="LM Sans 10"/>
-              </a:rPr>
-              <a:t>Different </a:t>
-            </a:r>
-            <a:r>
-              <a:rPr lang="en-US" sz="1800" b="0" dirty="0">
-                <a:solidFill>
-                  <a:schemeClr val="tx1"/>
-                </a:solidFill>
-                <a:cs typeface="LM Sans 10"/>
-              </a:rPr>
-              <a:t>focus </a:t>
-            </a:r>
-            <a:r>
-              <a:rPr lang="en-US" sz="1800" b="0" spc="-5" dirty="0">
-                <a:solidFill>
-                  <a:schemeClr val="tx1"/>
-                </a:solidFill>
-                <a:cs typeface="LM Sans 10"/>
-              </a:rPr>
-              <a:t>and</a:t>
-            </a:r>
-            <a:r>
-              <a:rPr lang="en-US" sz="1800" b="0" dirty="0">
-                <a:solidFill>
-                  <a:schemeClr val="tx1"/>
-                </a:solidFill>
-                <a:cs typeface="LM Sans 10"/>
-              </a:rPr>
-              <a:t> </a:t>
-            </a:r>
-            <a:r>
-              <a:rPr lang="en-US" sz="1800" b="0" spc="-5" dirty="0">
-                <a:solidFill>
-                  <a:schemeClr val="tx1"/>
-                </a:solidFill>
-                <a:cs typeface="LM Sans 10"/>
-              </a:rPr>
-              <a:t>interpretation</a:t>
-            </a:r>
-            <a:endParaRPr lang="en-US" sz="1800" b="0" dirty="0">
-              <a:solidFill>
-                <a:schemeClr val="tx1"/>
-              </a:solidFill>
-              <a:cs typeface="LM Sans 10"/>
-            </a:endParaRPr>
-          </a:p>
-          <a:p>
-            <a:pPr marL="575310" indent="-285750">
-              <a:lnSpc>
-                <a:spcPct val="100000"/>
-              </a:lnSpc>
-              <a:spcBef>
-                <a:spcPts val="195"/>
-              </a:spcBef>
-              <a:buFont typeface="Arial" panose="020B0604020202020204" pitchFamily="34" charset="0"/>
-              <a:buChar char="•"/>
-            </a:pPr>
-            <a:r>
-              <a:rPr lang="en-US" sz="1800" b="0" spc="-5" dirty="0">
-                <a:solidFill>
-                  <a:schemeClr val="tx1"/>
-                </a:solidFill>
-                <a:cs typeface="LM Sans 10"/>
-              </a:rPr>
-              <a:t>Use of statistical methods </a:t>
-            </a:r>
-            <a:r>
-              <a:rPr lang="en-US" sz="1800" b="0" spc="-10" dirty="0">
-                <a:solidFill>
-                  <a:schemeClr val="tx1"/>
-                </a:solidFill>
-                <a:cs typeface="LM Sans 10"/>
-              </a:rPr>
-              <a:t>and </a:t>
-            </a:r>
-            <a:r>
-              <a:rPr lang="en-US" sz="1800" b="0" spc="-5" dirty="0">
-                <a:solidFill>
-                  <a:schemeClr val="tx1"/>
-                </a:solidFill>
-                <a:cs typeface="LM Sans 10"/>
-              </a:rPr>
-              <a:t>empirical data</a:t>
-            </a:r>
-            <a:r>
-              <a:rPr lang="en-US" sz="1800" b="0" spc="-15" dirty="0">
-                <a:solidFill>
-                  <a:schemeClr val="tx1"/>
-                </a:solidFill>
-                <a:cs typeface="LM Sans 10"/>
-              </a:rPr>
-              <a:t> </a:t>
-            </a:r>
-            <a:r>
-              <a:rPr lang="en-US" sz="1800" b="0" spc="-5" dirty="0">
-                <a:solidFill>
-                  <a:schemeClr val="tx1"/>
-                </a:solidFill>
-                <a:cs typeface="LM Sans 10"/>
-              </a:rPr>
-              <a:t>to...</a:t>
-            </a:r>
-            <a:endParaRPr lang="en-US" sz="1800" b="0" dirty="0">
-              <a:solidFill>
-                <a:schemeClr val="tx1"/>
-              </a:solidFill>
-              <a:cs typeface="LM Sans 10"/>
-            </a:endParaRPr>
-          </a:p>
-          <a:p>
-            <a:pPr marL="899310" lvl="2" indent="-285750">
-              <a:lnSpc>
-                <a:spcPct val="100000"/>
-              </a:lnSpc>
-              <a:spcBef>
-                <a:spcPts val="195"/>
-              </a:spcBef>
-              <a:buFont typeface="Arial" panose="020B0604020202020204" pitchFamily="34" charset="0"/>
-              <a:buChar char="•"/>
-            </a:pPr>
-            <a:r>
-              <a:rPr lang="en-US" sz="1800" b="0" spc="-5" dirty="0">
-                <a:solidFill>
-                  <a:schemeClr val="tx1"/>
-                </a:solidFill>
-                <a:cs typeface="LM Sans 10"/>
-              </a:rPr>
-              <a:t>estimate (economic) relationships</a:t>
-            </a:r>
-          </a:p>
-          <a:p>
-            <a:pPr marL="899310" lvl="2" indent="-285750">
-              <a:lnSpc>
-                <a:spcPct val="100000"/>
-              </a:lnSpc>
-              <a:spcBef>
-                <a:spcPts val="195"/>
-              </a:spcBef>
-              <a:buFont typeface="Arial" panose="020B0604020202020204" pitchFamily="34" charset="0"/>
-              <a:buChar char="•"/>
-            </a:pPr>
-            <a:r>
-              <a:rPr lang="en-US" sz="1800" b="0" spc="-5" dirty="0">
-                <a:solidFill>
-                  <a:schemeClr val="tx1"/>
-                </a:solidFill>
-                <a:cs typeface="LM Sans 10"/>
-              </a:rPr>
-              <a:t>test</a:t>
-            </a:r>
-            <a:r>
-              <a:rPr lang="en-US" sz="1800" b="0" spc="-10" dirty="0">
-                <a:solidFill>
-                  <a:schemeClr val="tx1"/>
-                </a:solidFill>
-                <a:cs typeface="LM Sans 10"/>
-              </a:rPr>
-              <a:t> theories</a:t>
-            </a:r>
-            <a:endParaRPr lang="en-US" sz="1800" dirty="0">
-              <a:cs typeface="LM Sans 10"/>
-            </a:endParaRPr>
-          </a:p>
-          <a:p>
-            <a:pPr marL="899310" lvl="2" indent="-285750">
-              <a:lnSpc>
-                <a:spcPct val="100000"/>
-              </a:lnSpc>
-              <a:spcBef>
-                <a:spcPts val="195"/>
-              </a:spcBef>
-              <a:buFont typeface="Arial" panose="020B0604020202020204" pitchFamily="34" charset="0"/>
-              <a:buChar char="•"/>
-            </a:pPr>
-            <a:r>
-              <a:rPr lang="en-US" sz="1800" b="0" spc="-5" dirty="0">
-                <a:solidFill>
-                  <a:schemeClr val="tx1"/>
-                </a:solidFill>
-                <a:cs typeface="LM Sans 10"/>
-              </a:rPr>
-              <a:t>evaluate </a:t>
-            </a:r>
-            <a:r>
-              <a:rPr lang="en-US" sz="1800" b="0" dirty="0">
-                <a:solidFill>
-                  <a:schemeClr val="tx1"/>
-                </a:solidFill>
-                <a:cs typeface="LM Sans 10"/>
-              </a:rPr>
-              <a:t>policies</a:t>
-            </a:r>
-          </a:p>
-          <a:p>
-            <a:pPr marL="899310" lvl="2" indent="-285750">
-              <a:lnSpc>
-                <a:spcPct val="100000"/>
-              </a:lnSpc>
-              <a:spcBef>
-                <a:spcPts val="195"/>
-              </a:spcBef>
-              <a:buFont typeface="Arial" panose="020B0604020202020204" pitchFamily="34" charset="0"/>
-              <a:buChar char="•"/>
-            </a:pPr>
-            <a:r>
-              <a:rPr lang="en-US" sz="1800" b="0" spc="-10" dirty="0">
-                <a:solidFill>
-                  <a:schemeClr val="tx1"/>
-                </a:solidFill>
-                <a:cs typeface="LM Sans 10"/>
-              </a:rPr>
-              <a:t>forecast</a:t>
-            </a:r>
-            <a:r>
-              <a:rPr lang="en-US" sz="1800" b="0" spc="-25" dirty="0">
-                <a:solidFill>
-                  <a:schemeClr val="tx1"/>
-                </a:solidFill>
-                <a:cs typeface="LM Sans 10"/>
-              </a:rPr>
-              <a:t> </a:t>
-            </a:r>
-            <a:r>
-              <a:rPr lang="en-US" sz="1800" b="0" spc="-10" dirty="0">
-                <a:solidFill>
-                  <a:schemeClr val="tx1"/>
-                </a:solidFill>
-                <a:cs typeface="LM Sans 10"/>
-              </a:rPr>
-              <a:t>variables</a:t>
-            </a:r>
-            <a:endParaRPr lang="en-US" sz="1800" b="0" dirty="0">
-              <a:solidFill>
-                <a:schemeClr val="tx1"/>
-              </a:solidFill>
-              <a:cs typeface="LM Sans 10"/>
-            </a:endParaRPr>
-          </a:p>
-          <a:p>
-            <a:pPr marL="342900" indent="-342900">
-              <a:buFont typeface="+mj-lt"/>
-              <a:buAutoNum type="arabicPeriod"/>
-            </a:pPr>
-            <a:endParaRPr lang="de-DE" dirty="0"/>
-          </a:p>
-          <a:p>
-            <a:endParaRPr lang="de-DE" dirty="0"/>
-          </a:p>
-        </p:txBody>
-      </p:sp>
-      <p:sp>
-        <p:nvSpPr>
-          <p:cNvPr id="4" name="Datumsplatzhalter 3"/>
-          <p:cNvSpPr>
-            <a:spLocks noGrp="1"/>
-          </p:cNvSpPr>
-          <p:nvPr>
-            <p:ph type="dt" sz="half" idx="2"/>
-          </p:nvPr>
-        </p:nvSpPr>
-        <p:spPr/>
-        <p:txBody>
-          <a:bodyPr/>
-          <a:lstStyle/>
-          <a:p>
-            <a:r>
-              <a:rPr lang="de-DE" dirty="0"/>
-              <a:t>121.04.2021</a:t>
-            </a:r>
-          </a:p>
-        </p:txBody>
-      </p:sp>
-      <p:sp>
-        <p:nvSpPr>
-          <p:cNvPr id="5" name="Fußzeilenplatzhalter 4"/>
-          <p:cNvSpPr>
-            <a:spLocks noGrp="1"/>
-          </p:cNvSpPr>
-          <p:nvPr>
-            <p:ph type="ftr" sz="quarter" idx="3"/>
-          </p:nvPr>
-        </p:nvSpPr>
-        <p:spPr/>
-        <p:txBody>
-          <a:bodyPr/>
-          <a:lstStyle/>
-          <a:p>
-            <a:r>
-              <a:rPr lang="de-DE" dirty="0"/>
-              <a:t>Tutorial: </a:t>
-            </a:r>
-            <a:r>
-              <a:rPr lang="de-DE" dirty="0" err="1"/>
-              <a:t>Statistics</a:t>
-            </a:r>
-            <a:endParaRPr lang="de-DE" dirty="0"/>
-          </a:p>
-        </p:txBody>
-      </p:sp>
-      <p:sp>
-        <p:nvSpPr>
-          <p:cNvPr id="6" name="Foliennummernplatzhalter 5"/>
-          <p:cNvSpPr>
-            <a:spLocks noGrp="1"/>
-          </p:cNvSpPr>
-          <p:nvPr>
-            <p:ph type="sldNum" sz="quarter" idx="4"/>
-          </p:nvPr>
-        </p:nvSpPr>
-        <p:spPr/>
-        <p:txBody>
-          <a:bodyPr/>
-          <a:lstStyle/>
-          <a:p>
-            <a:fld id="{C05EE493-AD2E-4872-B2F6-8F12A747F0A5}" type="slidenum">
-              <a:rPr lang="de-DE" smtClean="0"/>
-              <a:pPr/>
-              <a:t>3</a:t>
-            </a:fld>
-            <a:endParaRPr lang="de-DE" dirty="0"/>
-          </a:p>
-        </p:txBody>
-      </p:sp>
-    </p:spTree>
-    <p:extLst>
-      <p:ext uri="{BB962C8B-B14F-4D97-AF65-F5344CB8AC3E}">
-        <p14:creationId xmlns:p14="http://schemas.microsoft.com/office/powerpoint/2010/main" val="2223094994"/>
-      </p:ext>
-    </p:extLst>
-  </p:cSld>
-  <p:clrMapOvr>
-    <a:masterClrMapping/>
-  </p:clrMapOvr>
-</p:sld>
-</file>
-
-<file path=ppt/slides/slide4.xml><?xml version="1.0" encoding="utf-8"?>
-<p:sld xmlns:a="http://schemas.openxmlformats.org/drawingml/2006/main" xmlns:r="http://schemas.openxmlformats.org/officeDocument/2006/relationships" xmlns:p="http://schemas.openxmlformats.org/presentationml/2006/main">
-  <p:cSld>
-    <p:spTree>
-      <p:nvGrpSpPr>
-        <p:cNvPr id="1" name=""/>
-        <p:cNvGrpSpPr/>
-        <p:nvPr/>
-      </p:nvGrpSpPr>
-      <p:grpSpPr>
-        <a:xfrm>
-          <a:off x="0" y="0"/>
-          <a:ext cx="0" cy="0"/>
-          <a:chOff x="0" y="0"/>
-          <a:chExt cx="0" cy="0"/>
-        </a:xfrm>
-      </p:grpSpPr>
-      <p:sp>
-        <p:nvSpPr>
-          <p:cNvPr id="2" name="Titel 1"/>
-          <p:cNvSpPr>
-            <a:spLocks noGrp="1"/>
-          </p:cNvSpPr>
-          <p:nvPr>
-            <p:ph type="title"/>
-          </p:nvPr>
-        </p:nvSpPr>
-        <p:spPr/>
-        <p:txBody>
-          <a:bodyPr/>
-          <a:lstStyle/>
-          <a:p>
-            <a:r>
-              <a:rPr lang="de-DE" dirty="0" err="1"/>
-              <a:t>Econometrics</a:t>
-            </a:r>
-            <a:r>
-              <a:rPr lang="de-DE" dirty="0"/>
-              <a:t> in General</a:t>
-            </a:r>
-          </a:p>
-        </p:txBody>
-      </p:sp>
-      <p:sp>
-        <p:nvSpPr>
-          <p:cNvPr id="3" name="Inhaltsplatzhalter 2"/>
-          <p:cNvSpPr>
-            <a:spLocks noGrp="1"/>
-          </p:cNvSpPr>
-          <p:nvPr>
-            <p:ph idx="1"/>
-          </p:nvPr>
-        </p:nvSpPr>
-        <p:spPr>
-          <a:xfrm>
-            <a:off x="323850" y="1988840"/>
-            <a:ext cx="7200478" cy="4103985"/>
-          </a:xfrm>
-        </p:spPr>
-        <p:txBody>
-          <a:bodyPr/>
-          <a:lstStyle/>
-          <a:p>
-            <a:pPr marL="50800">
-              <a:lnSpc>
-                <a:spcPct val="100000"/>
-              </a:lnSpc>
-              <a:spcBef>
-                <a:spcPts val="775"/>
-              </a:spcBef>
-            </a:pPr>
-            <a:r>
-              <a:rPr lang="en-US" sz="1800" spc="-10" dirty="0">
-                <a:cs typeface="LM Sans 10"/>
-              </a:rPr>
-              <a:t>What </a:t>
-            </a:r>
-            <a:r>
-              <a:rPr lang="en-US" sz="1800" spc="-5" dirty="0">
-                <a:cs typeface="LM Sans 10"/>
-              </a:rPr>
-              <a:t>is an econometric </a:t>
-            </a:r>
-            <a:r>
-              <a:rPr lang="en-US" sz="1800" dirty="0">
-                <a:cs typeface="LM Sans 10"/>
-              </a:rPr>
-              <a:t>model </a:t>
-            </a:r>
-            <a:r>
-              <a:rPr lang="en-US" sz="1800" spc="-5" dirty="0">
-                <a:cs typeface="LM Sans 10"/>
-              </a:rPr>
-              <a:t>in</a:t>
-            </a:r>
-            <a:r>
-              <a:rPr lang="en-US" sz="1800" spc="-20" dirty="0">
-                <a:cs typeface="LM Sans 10"/>
-              </a:rPr>
-              <a:t> </a:t>
-            </a:r>
-            <a:r>
-              <a:rPr lang="en-US" sz="1800" spc="-5" dirty="0">
-                <a:cs typeface="LM Sans 10"/>
-              </a:rPr>
-              <a:t>general?</a:t>
-            </a:r>
-            <a:endParaRPr lang="en-US" sz="1800" dirty="0">
-              <a:cs typeface="LM Sans 10"/>
-            </a:endParaRPr>
-          </a:p>
-          <a:p>
-            <a:pPr marL="612775" marR="561975" indent="-285750">
-              <a:lnSpc>
-                <a:spcPct val="106400"/>
-              </a:lnSpc>
-              <a:spcBef>
-                <a:spcPts val="585"/>
-              </a:spcBef>
-              <a:buFont typeface="Arial" panose="020B0604020202020204" pitchFamily="34" charset="0"/>
-              <a:buChar char="•"/>
-            </a:pPr>
-            <a:r>
-              <a:rPr lang="en-US" sz="1800" b="0" spc="-5" dirty="0">
-                <a:solidFill>
-                  <a:schemeClr val="tx1"/>
-                </a:solidFill>
-                <a:cs typeface="LM Sans 10"/>
-              </a:rPr>
-              <a:t>Econometric models </a:t>
-            </a:r>
-            <a:r>
-              <a:rPr lang="en-US" sz="1800" b="0" spc="-15" dirty="0">
-                <a:solidFill>
-                  <a:schemeClr val="tx1"/>
-                </a:solidFill>
-                <a:cs typeface="LM Sans 10"/>
-              </a:rPr>
-              <a:t>are </a:t>
-            </a:r>
-            <a:r>
-              <a:rPr lang="en-US" sz="1800" b="0" spc="-10" dirty="0">
-                <a:solidFill>
-                  <a:schemeClr val="tx1"/>
-                </a:solidFill>
-                <a:cs typeface="LM Sans 10"/>
-              </a:rPr>
-              <a:t>formalized </a:t>
-            </a:r>
-            <a:r>
-              <a:rPr lang="en-US" sz="1800" b="0" spc="-5" dirty="0">
-                <a:solidFill>
-                  <a:schemeClr val="tx1"/>
-                </a:solidFill>
-                <a:cs typeface="LM Sans 10"/>
-              </a:rPr>
-              <a:t>economic </a:t>
-            </a:r>
-            <a:r>
-              <a:rPr lang="en-US" sz="1800" b="0" dirty="0">
-                <a:solidFill>
-                  <a:schemeClr val="tx1"/>
-                </a:solidFill>
-                <a:cs typeface="LM Sans 10"/>
-              </a:rPr>
-              <a:t>models</a:t>
-            </a:r>
-          </a:p>
-          <a:p>
-            <a:pPr marL="936775" marR="561975" lvl="2" indent="-285750">
-              <a:lnSpc>
-                <a:spcPct val="106400"/>
-              </a:lnSpc>
-              <a:spcBef>
-                <a:spcPts val="585"/>
-              </a:spcBef>
-              <a:buFont typeface="Arial" panose="020B0604020202020204" pitchFamily="34" charset="0"/>
-              <a:buChar char="•"/>
-            </a:pPr>
-            <a:r>
-              <a:rPr lang="en-US" sz="1800" b="0" spc="-15" dirty="0">
-                <a:solidFill>
-                  <a:schemeClr val="tx1"/>
-                </a:solidFill>
-                <a:cs typeface="LM Sans 10"/>
-              </a:rPr>
-              <a:t>How </a:t>
-            </a:r>
-            <a:r>
-              <a:rPr lang="en-US" sz="1800" b="0" dirty="0">
-                <a:solidFill>
-                  <a:schemeClr val="tx1"/>
-                </a:solidFill>
-                <a:cs typeface="LM Sans 10"/>
-              </a:rPr>
-              <a:t>does </a:t>
-            </a:r>
-            <a:r>
-              <a:rPr lang="en-US" sz="1800" b="0" spc="-5" dirty="0">
-                <a:solidFill>
-                  <a:schemeClr val="tx1"/>
-                </a:solidFill>
-                <a:cs typeface="LM Sans 10"/>
-              </a:rPr>
-              <a:t>demand change if the </a:t>
-            </a:r>
-            <a:r>
-              <a:rPr lang="en-US" sz="1800" b="0" spc="-10" dirty="0">
-                <a:solidFill>
-                  <a:schemeClr val="tx1"/>
-                </a:solidFill>
-                <a:cs typeface="LM Sans 10"/>
-              </a:rPr>
-              <a:t>prices </a:t>
-            </a:r>
-            <a:r>
-              <a:rPr lang="en-US" sz="1800" b="0" spc="-15" dirty="0">
-                <a:solidFill>
-                  <a:schemeClr val="tx1"/>
-                </a:solidFill>
-                <a:cs typeface="LM Sans 10"/>
-              </a:rPr>
-              <a:t>are </a:t>
-            </a:r>
-            <a:r>
-              <a:rPr lang="en-US" sz="1800" b="0" spc="-5" dirty="0">
-                <a:solidFill>
-                  <a:schemeClr val="tx1"/>
-                </a:solidFill>
-                <a:cs typeface="LM Sans 10"/>
-              </a:rPr>
-              <a:t>increased?  </a:t>
-            </a:r>
-            <a:r>
-              <a:rPr lang="en-US" sz="1800" b="0" i="1" spc="-5" dirty="0" err="1">
-                <a:solidFill>
-                  <a:schemeClr val="tx1"/>
-                </a:solidFill>
-                <a:cs typeface="LM Sans 10"/>
-              </a:rPr>
-              <a:t>demand</a:t>
-            </a:r>
-            <a:r>
-              <a:rPr lang="en-US" sz="1800" b="0" i="1" spc="-7" baseline="-11904" dirty="0" err="1">
-                <a:solidFill>
-                  <a:schemeClr val="tx1"/>
-                </a:solidFill>
-                <a:cs typeface="LM Sans 8"/>
-              </a:rPr>
-              <a:t>i</a:t>
-            </a:r>
-            <a:r>
-              <a:rPr lang="en-US" sz="1800" b="0" i="1" spc="-7" baseline="-11904" dirty="0">
-                <a:solidFill>
-                  <a:schemeClr val="tx1"/>
-                </a:solidFill>
-                <a:cs typeface="LM Sans 8"/>
-              </a:rPr>
-              <a:t> </a:t>
-            </a:r>
-            <a:r>
-              <a:rPr lang="en-US" sz="1800" b="0" i="1" spc="-5" dirty="0">
-                <a:solidFill>
-                  <a:schemeClr val="tx1"/>
-                </a:solidFill>
-                <a:cs typeface="LM Sans 10"/>
-              </a:rPr>
-              <a:t>= </a:t>
-            </a:r>
-            <a:r>
-              <a:rPr lang="en-US" sz="1800" b="0" i="1" spc="-30" dirty="0">
-                <a:solidFill>
-                  <a:schemeClr val="tx1"/>
-                </a:solidFill>
-                <a:cs typeface="Verdana"/>
-              </a:rPr>
-              <a:t>β</a:t>
-            </a:r>
-            <a:r>
-              <a:rPr lang="en-US" sz="1800" b="0" i="1" spc="-44" baseline="-11904" dirty="0">
-                <a:solidFill>
-                  <a:schemeClr val="tx1"/>
-                </a:solidFill>
-                <a:cs typeface="LM Sans 8"/>
-              </a:rPr>
-              <a:t>0 </a:t>
-            </a:r>
-            <a:r>
-              <a:rPr lang="en-US" sz="1800" b="0" i="1" spc="-5" dirty="0">
-                <a:solidFill>
-                  <a:schemeClr val="tx1"/>
-                </a:solidFill>
-                <a:cs typeface="LM Sans 10"/>
-              </a:rPr>
-              <a:t>+ </a:t>
-            </a:r>
-            <a:r>
-              <a:rPr lang="en-US" sz="1800" b="0" i="1" spc="-30" dirty="0">
-                <a:solidFill>
-                  <a:schemeClr val="tx1"/>
-                </a:solidFill>
-                <a:cs typeface="Verdana"/>
-              </a:rPr>
-              <a:t>β</a:t>
-            </a:r>
-            <a:r>
-              <a:rPr lang="en-US" sz="1800" b="0" i="1" spc="-44" baseline="-11904" dirty="0">
-                <a:solidFill>
-                  <a:schemeClr val="tx1"/>
-                </a:solidFill>
-                <a:cs typeface="LM Sans 8"/>
-              </a:rPr>
-              <a:t>1 </a:t>
-            </a:r>
-            <a:r>
-              <a:rPr lang="en-US" sz="1800" b="0" i="1" spc="-260" dirty="0">
-                <a:solidFill>
-                  <a:schemeClr val="tx1"/>
-                </a:solidFill>
-                <a:cs typeface="DejaVu Sans Condensed"/>
-              </a:rPr>
-              <a:t>∗    </a:t>
-            </a:r>
-            <a:r>
-              <a:rPr lang="en-US" sz="1800" b="0" i="1" spc="-10" dirty="0" err="1">
-                <a:solidFill>
-                  <a:schemeClr val="tx1"/>
-                </a:solidFill>
-                <a:cs typeface="LM Sans 10"/>
-              </a:rPr>
-              <a:t>price</a:t>
-            </a:r>
-            <a:r>
-              <a:rPr lang="en-US" sz="1800" b="0" i="1" spc="-15" baseline="-11904" dirty="0" err="1">
-                <a:solidFill>
-                  <a:schemeClr val="tx1"/>
-                </a:solidFill>
-                <a:cs typeface="LM Sans 8"/>
-              </a:rPr>
-              <a:t>i</a:t>
-            </a:r>
-            <a:r>
-              <a:rPr lang="en-US" sz="1800" b="0" i="1" spc="-15" baseline="-11904" dirty="0">
-                <a:solidFill>
-                  <a:schemeClr val="tx1"/>
-                </a:solidFill>
-                <a:cs typeface="LM Sans 8"/>
-              </a:rPr>
-              <a:t> </a:t>
-            </a:r>
-            <a:r>
-              <a:rPr lang="en-US" sz="1800" b="0" i="1" spc="-5" dirty="0">
-                <a:solidFill>
-                  <a:schemeClr val="tx1"/>
-                </a:solidFill>
-                <a:cs typeface="LM Sans 10"/>
-              </a:rPr>
-              <a:t>+</a:t>
-            </a:r>
-            <a:r>
-              <a:rPr lang="en-US" sz="1800" b="0" i="1" spc="-195" dirty="0">
-                <a:solidFill>
-                  <a:schemeClr val="tx1"/>
-                </a:solidFill>
-                <a:cs typeface="LM Sans 10"/>
-              </a:rPr>
-              <a:t> </a:t>
-            </a:r>
-            <a:r>
-              <a:rPr lang="en-US" sz="1800" b="0" i="1" spc="-5" dirty="0" err="1">
-                <a:solidFill>
-                  <a:schemeClr val="tx1"/>
-                </a:solidFill>
-                <a:cs typeface="LM Sans 10"/>
-              </a:rPr>
-              <a:t>u</a:t>
-            </a:r>
-            <a:r>
-              <a:rPr lang="en-US" sz="1800" b="0" i="1" spc="-7" baseline="-11904" dirty="0" err="1">
-                <a:solidFill>
-                  <a:schemeClr val="tx1"/>
-                </a:solidFill>
-                <a:cs typeface="LM Sans 8"/>
-              </a:rPr>
-              <a:t>i</a:t>
-            </a:r>
-            <a:endParaRPr lang="en-US" sz="1800" i="1" baseline="-11904" dirty="0">
-              <a:cs typeface="LM Sans 8"/>
-            </a:endParaRPr>
-          </a:p>
-          <a:p>
-            <a:pPr marL="936775" marR="561975" lvl="2" indent="-285750">
-              <a:lnSpc>
-                <a:spcPct val="106400"/>
-              </a:lnSpc>
-              <a:spcBef>
-                <a:spcPts val="585"/>
-              </a:spcBef>
-              <a:buFont typeface="Arial" panose="020B0604020202020204" pitchFamily="34" charset="0"/>
-              <a:buChar char="•"/>
-            </a:pPr>
-            <a:r>
-              <a:rPr lang="en-US" sz="1800" b="0" spc="-5" dirty="0">
-                <a:solidFill>
-                  <a:schemeClr val="tx1"/>
-                </a:solidFill>
-                <a:cs typeface="LM Sans 10"/>
-              </a:rPr>
-              <a:t>What is the </a:t>
-            </a:r>
-            <a:r>
-              <a:rPr lang="en-US" sz="1800" b="0" spc="-10" dirty="0">
-                <a:solidFill>
-                  <a:schemeClr val="tx1"/>
-                </a:solidFill>
-                <a:cs typeface="LM Sans 10"/>
-              </a:rPr>
-              <a:t>effect </a:t>
-            </a:r>
-            <a:r>
-              <a:rPr lang="en-US" sz="1800" b="0" spc="-5" dirty="0">
-                <a:solidFill>
-                  <a:schemeClr val="tx1"/>
-                </a:solidFill>
-                <a:cs typeface="LM Sans 10"/>
-              </a:rPr>
-              <a:t>of election fraud on re-election</a:t>
-            </a:r>
-            <a:r>
-              <a:rPr lang="en-US" sz="1800" b="0" spc="55" dirty="0">
-                <a:solidFill>
-                  <a:schemeClr val="tx1"/>
-                </a:solidFill>
-                <a:cs typeface="LM Sans 10"/>
-              </a:rPr>
-              <a:t> </a:t>
-            </a:r>
-            <a:r>
-              <a:rPr lang="en-US" sz="1800" b="0" dirty="0">
-                <a:solidFill>
-                  <a:schemeClr val="tx1"/>
-                </a:solidFill>
-                <a:cs typeface="LM Sans 10"/>
-              </a:rPr>
-              <a:t>perspectives                                                              </a:t>
-            </a:r>
-            <a:r>
-              <a:rPr lang="en-US" sz="1800" b="0" i="1" spc="-5" dirty="0" err="1">
-                <a:solidFill>
-                  <a:schemeClr val="tx1"/>
-                </a:solidFill>
-                <a:cs typeface="LM Sans 10"/>
-              </a:rPr>
-              <a:t>votes</a:t>
-            </a:r>
-            <a:r>
-              <a:rPr lang="en-US" sz="1800" b="0" i="1" spc="-7" baseline="-11904" dirty="0" err="1">
-                <a:solidFill>
-                  <a:schemeClr val="tx1"/>
-                </a:solidFill>
-                <a:cs typeface="LM Sans 8"/>
-              </a:rPr>
-              <a:t>i</a:t>
-            </a:r>
-            <a:r>
-              <a:rPr lang="en-US" sz="1800" b="0" i="1" spc="-7" baseline="-11904" dirty="0">
-                <a:solidFill>
-                  <a:schemeClr val="tx1"/>
-                </a:solidFill>
-                <a:cs typeface="LM Sans 8"/>
-              </a:rPr>
-              <a:t> </a:t>
-            </a:r>
-            <a:r>
-              <a:rPr lang="en-US" sz="1800" b="0" spc="-5" dirty="0">
-                <a:solidFill>
-                  <a:schemeClr val="tx1"/>
-                </a:solidFill>
-                <a:cs typeface="LM Sans 10"/>
-              </a:rPr>
-              <a:t>= </a:t>
-            </a:r>
-            <a:r>
-              <a:rPr lang="en-US" sz="1800" b="0" i="1" spc="-30" dirty="0">
-                <a:solidFill>
-                  <a:schemeClr val="tx1"/>
-                </a:solidFill>
-                <a:cs typeface="Verdana"/>
-              </a:rPr>
-              <a:t>β</a:t>
-            </a:r>
-            <a:r>
-              <a:rPr lang="en-US" sz="1800" b="0" spc="-44" baseline="-11904" dirty="0">
-                <a:solidFill>
-                  <a:schemeClr val="tx1"/>
-                </a:solidFill>
-                <a:cs typeface="LM Sans 8"/>
-              </a:rPr>
-              <a:t>0 </a:t>
-            </a:r>
-            <a:r>
-              <a:rPr lang="en-US" sz="1800" b="0" spc="-5" dirty="0">
-                <a:solidFill>
-                  <a:schemeClr val="tx1"/>
-                </a:solidFill>
-                <a:cs typeface="LM Sans 10"/>
-              </a:rPr>
-              <a:t>+ </a:t>
-            </a:r>
-            <a:r>
-              <a:rPr lang="en-US" sz="1800" b="0" i="1" spc="-30" dirty="0">
-                <a:solidFill>
-                  <a:schemeClr val="tx1"/>
-                </a:solidFill>
-                <a:cs typeface="Verdana"/>
-              </a:rPr>
-              <a:t>β</a:t>
-            </a:r>
-            <a:r>
-              <a:rPr lang="en-US" sz="1800" b="0" spc="-44" baseline="-11904" dirty="0">
-                <a:solidFill>
-                  <a:schemeClr val="tx1"/>
-                </a:solidFill>
-                <a:cs typeface="LM Sans 8"/>
-              </a:rPr>
-              <a:t>1 </a:t>
-            </a:r>
-            <a:r>
-              <a:rPr lang="en-US" sz="1800" b="0" i="1" spc="-260" dirty="0">
-                <a:solidFill>
-                  <a:schemeClr val="tx1"/>
-                </a:solidFill>
-                <a:cs typeface="DejaVu Sans Condensed"/>
-              </a:rPr>
-              <a:t>∗    </a:t>
-            </a:r>
-            <a:r>
-              <a:rPr lang="en-US" sz="1800" b="0" i="1" spc="-10" dirty="0" err="1">
-                <a:solidFill>
-                  <a:schemeClr val="tx1"/>
-                </a:solidFill>
-                <a:cs typeface="LM Sans 10"/>
-              </a:rPr>
-              <a:t>ability</a:t>
-            </a:r>
-            <a:r>
-              <a:rPr lang="en-US" sz="1800" b="0" i="1" spc="-15" baseline="-11904" dirty="0" err="1">
-                <a:solidFill>
-                  <a:schemeClr val="tx1"/>
-                </a:solidFill>
-                <a:cs typeface="LM Sans 8"/>
-              </a:rPr>
-              <a:t>i</a:t>
-            </a:r>
-            <a:r>
-              <a:rPr lang="en-US" sz="1800" b="0" i="1" spc="-15" baseline="-11904" dirty="0">
-                <a:solidFill>
-                  <a:schemeClr val="tx1"/>
-                </a:solidFill>
-                <a:cs typeface="LM Sans 8"/>
-              </a:rPr>
-              <a:t> </a:t>
-            </a:r>
-            <a:r>
-              <a:rPr lang="en-US" sz="1800" b="0" spc="-5" dirty="0">
-                <a:solidFill>
-                  <a:schemeClr val="tx1"/>
-                </a:solidFill>
-                <a:cs typeface="LM Sans 10"/>
-              </a:rPr>
-              <a:t>+ </a:t>
-            </a:r>
-            <a:r>
-              <a:rPr lang="en-US" sz="1800" b="0" i="1" spc="-30" dirty="0">
-                <a:solidFill>
-                  <a:schemeClr val="tx1"/>
-                </a:solidFill>
-                <a:cs typeface="Verdana"/>
-              </a:rPr>
-              <a:t>β</a:t>
-            </a:r>
-            <a:r>
-              <a:rPr lang="en-US" sz="1800" b="0" spc="-44" baseline="-11904" dirty="0">
-                <a:solidFill>
-                  <a:schemeClr val="tx1"/>
-                </a:solidFill>
-                <a:cs typeface="LM Sans 8"/>
-              </a:rPr>
-              <a:t>2 </a:t>
-            </a:r>
-            <a:r>
-              <a:rPr lang="en-US" sz="1800" b="0" i="1" spc="-260" dirty="0">
-                <a:solidFill>
-                  <a:schemeClr val="tx1"/>
-                </a:solidFill>
-                <a:cs typeface="DejaVu Sans Condensed"/>
-              </a:rPr>
-              <a:t>∗    </a:t>
-            </a:r>
-            <a:r>
-              <a:rPr lang="en-US" sz="1800" b="0" i="1" spc="-10" dirty="0" err="1">
-                <a:solidFill>
-                  <a:schemeClr val="tx1"/>
-                </a:solidFill>
-                <a:cs typeface="LM Sans 10"/>
-              </a:rPr>
-              <a:t>integrity</a:t>
-            </a:r>
-            <a:r>
-              <a:rPr lang="en-US" sz="1800" b="0" i="1" spc="-15" baseline="-11904" dirty="0" err="1">
-                <a:solidFill>
-                  <a:schemeClr val="tx1"/>
-                </a:solidFill>
-                <a:cs typeface="LM Sans 8"/>
-              </a:rPr>
-              <a:t>i</a:t>
-            </a:r>
-            <a:r>
-              <a:rPr lang="en-US" sz="1800" b="0" i="1" spc="-15" baseline="-11904" dirty="0">
-                <a:solidFill>
-                  <a:schemeClr val="tx1"/>
-                </a:solidFill>
-                <a:cs typeface="LM Sans 8"/>
-              </a:rPr>
-              <a:t> </a:t>
-            </a:r>
-            <a:r>
-              <a:rPr lang="en-US" sz="1800" b="0" spc="-5" dirty="0">
-                <a:solidFill>
-                  <a:schemeClr val="tx1"/>
-                </a:solidFill>
-                <a:cs typeface="LM Sans 10"/>
-              </a:rPr>
-              <a:t>+ </a:t>
-            </a:r>
-            <a:r>
-              <a:rPr lang="en-US" sz="1800" b="0" i="1" spc="-30" dirty="0">
-                <a:solidFill>
-                  <a:schemeClr val="tx1"/>
-                </a:solidFill>
-                <a:cs typeface="Verdana"/>
-              </a:rPr>
-              <a:t>β</a:t>
-            </a:r>
-            <a:r>
-              <a:rPr lang="en-US" sz="1800" b="0" spc="-44" baseline="-11904" dirty="0">
-                <a:solidFill>
-                  <a:schemeClr val="tx1"/>
-                </a:solidFill>
-                <a:cs typeface="LM Sans 8"/>
-              </a:rPr>
-              <a:t>3 </a:t>
-            </a:r>
-            <a:r>
-              <a:rPr lang="en-US" sz="1800" b="0" i="1" spc="-260" dirty="0">
-                <a:solidFill>
-                  <a:schemeClr val="tx1"/>
-                </a:solidFill>
-                <a:cs typeface="DejaVu Sans Condensed"/>
-              </a:rPr>
-              <a:t>∗    </a:t>
-            </a:r>
-            <a:r>
-              <a:rPr lang="en-US" sz="1800" b="0" i="1" spc="-5" dirty="0" err="1">
-                <a:solidFill>
-                  <a:schemeClr val="tx1"/>
-                </a:solidFill>
-                <a:cs typeface="LM Sans 10"/>
-              </a:rPr>
-              <a:t>fraud</a:t>
-            </a:r>
-            <a:r>
-              <a:rPr lang="en-US" sz="1800" b="0" i="1" spc="-7" baseline="-11904" dirty="0" err="1">
-                <a:solidFill>
-                  <a:schemeClr val="tx1"/>
-                </a:solidFill>
-                <a:cs typeface="LM Sans 8"/>
-              </a:rPr>
-              <a:t>i</a:t>
-            </a:r>
-            <a:r>
-              <a:rPr lang="en-US" sz="1800" b="0" i="1" spc="-7" baseline="-11904" dirty="0">
-                <a:solidFill>
-                  <a:schemeClr val="tx1"/>
-                </a:solidFill>
-                <a:cs typeface="LM Sans 8"/>
-              </a:rPr>
-              <a:t> </a:t>
-            </a:r>
-            <a:r>
-              <a:rPr lang="en-US" sz="1800" b="0" spc="-5" dirty="0">
-                <a:solidFill>
-                  <a:schemeClr val="tx1"/>
-                </a:solidFill>
-                <a:cs typeface="LM Sans 10"/>
-              </a:rPr>
-              <a:t>+</a:t>
-            </a:r>
-            <a:r>
-              <a:rPr lang="en-US" sz="1800" b="0" spc="-90" dirty="0">
-                <a:solidFill>
-                  <a:schemeClr val="tx1"/>
-                </a:solidFill>
-                <a:cs typeface="LM Sans 10"/>
-              </a:rPr>
-              <a:t> </a:t>
-            </a:r>
-            <a:r>
-              <a:rPr lang="en-US" sz="1800" b="0" i="1" spc="-5" dirty="0" err="1">
-                <a:solidFill>
-                  <a:schemeClr val="tx1"/>
-                </a:solidFill>
-                <a:cs typeface="LM Sans 10"/>
-              </a:rPr>
-              <a:t>u</a:t>
-            </a:r>
-            <a:r>
-              <a:rPr lang="en-US" sz="1800" b="0" i="1" spc="-7" baseline="-11904" dirty="0" err="1">
-                <a:solidFill>
-                  <a:schemeClr val="tx1"/>
-                </a:solidFill>
-                <a:cs typeface="LM Sans 8"/>
-              </a:rPr>
-              <a:t>i</a:t>
-            </a:r>
-            <a:endParaRPr lang="en-US" sz="1800" b="0" baseline="-11904" dirty="0">
-              <a:solidFill>
-                <a:schemeClr val="tx1"/>
-              </a:solidFill>
-              <a:cs typeface="LM Sans 8"/>
-            </a:endParaRPr>
-          </a:p>
-          <a:p>
-            <a:pPr marL="613410" marR="214629" indent="-285750">
-              <a:lnSpc>
-                <a:spcPct val="121300"/>
-              </a:lnSpc>
-              <a:spcBef>
-                <a:spcPts val="75"/>
-              </a:spcBef>
-              <a:buFont typeface="Arial" panose="020B0604020202020204" pitchFamily="34" charset="0"/>
-              <a:buChar char="•"/>
-            </a:pPr>
-            <a:r>
-              <a:rPr lang="en-US" sz="1800" b="0" spc="-5" dirty="0">
-                <a:solidFill>
-                  <a:schemeClr val="tx1"/>
-                </a:solidFill>
-                <a:cs typeface="LM Sans 10"/>
-              </a:rPr>
-              <a:t>Relationship </a:t>
-            </a:r>
-            <a:r>
-              <a:rPr lang="en-US" sz="1800" b="0" spc="-10" dirty="0">
-                <a:solidFill>
-                  <a:schemeClr val="tx1"/>
-                </a:solidFill>
-                <a:cs typeface="LM Sans 10"/>
-              </a:rPr>
-              <a:t>between </a:t>
-            </a:r>
-            <a:r>
-              <a:rPr lang="en-US" sz="1800" b="0" spc="-5" dirty="0">
-                <a:solidFill>
-                  <a:schemeClr val="tx1"/>
-                </a:solidFill>
-                <a:cs typeface="LM Sans 10"/>
-              </a:rPr>
-              <a:t>dependent </a:t>
-            </a:r>
-            <a:r>
-              <a:rPr lang="en-US" sz="1800" b="0" spc="-10" dirty="0">
-                <a:solidFill>
-                  <a:schemeClr val="tx1"/>
-                </a:solidFill>
-                <a:cs typeface="LM Sans 10"/>
-              </a:rPr>
-              <a:t>and </a:t>
-            </a:r>
-            <a:r>
-              <a:rPr lang="en-US" sz="1800" b="0" spc="-5" dirty="0">
-                <a:solidFill>
-                  <a:schemeClr val="tx1"/>
-                </a:solidFill>
-                <a:cs typeface="LM Sans 10"/>
-              </a:rPr>
-              <a:t>independent </a:t>
-            </a:r>
-            <a:r>
-              <a:rPr lang="en-US" sz="1800" b="0" spc="-10" dirty="0">
-                <a:solidFill>
-                  <a:schemeClr val="tx1"/>
-                </a:solidFill>
-                <a:cs typeface="LM Sans 10"/>
-              </a:rPr>
-              <a:t>variables</a:t>
-            </a:r>
-          </a:p>
-          <a:p>
-            <a:pPr marL="613410" marR="214629" indent="-285750">
-              <a:lnSpc>
-                <a:spcPct val="121300"/>
-              </a:lnSpc>
-              <a:spcBef>
-                <a:spcPts val="75"/>
-              </a:spcBef>
-              <a:buFont typeface="Arial" panose="020B0604020202020204" pitchFamily="34" charset="0"/>
-              <a:buChar char="•"/>
-            </a:pPr>
-            <a:r>
-              <a:rPr lang="en-US" sz="1800" b="0" spc="-10" dirty="0">
-                <a:solidFill>
-                  <a:schemeClr val="tx1"/>
-                </a:solidFill>
-                <a:cs typeface="LM Sans 10"/>
-              </a:rPr>
-              <a:t>The </a:t>
-            </a:r>
-            <a:r>
-              <a:rPr lang="en-US" sz="1800" b="0" spc="-5" dirty="0" err="1">
-                <a:solidFill>
-                  <a:schemeClr val="tx1"/>
-                </a:solidFill>
-                <a:cs typeface="LM Sans 10"/>
-              </a:rPr>
-              <a:t>behaviour</a:t>
-            </a:r>
-            <a:r>
-              <a:rPr lang="en-US" sz="1800" b="0" spc="-5" dirty="0">
-                <a:solidFill>
-                  <a:schemeClr val="tx1"/>
-                </a:solidFill>
-                <a:cs typeface="LM Sans 10"/>
-              </a:rPr>
-              <a:t> of </a:t>
-            </a:r>
-            <a:r>
-              <a:rPr lang="en-US" sz="1800" b="0" spc="-10" dirty="0">
-                <a:solidFill>
-                  <a:schemeClr val="tx1"/>
-                </a:solidFill>
-                <a:cs typeface="LM Sans 10"/>
-              </a:rPr>
-              <a:t>variables </a:t>
-            </a:r>
-            <a:r>
-              <a:rPr lang="en-US" sz="1800" b="0" spc="-5" dirty="0">
-                <a:solidFill>
-                  <a:schemeClr val="tx1"/>
-                </a:solidFill>
-                <a:cs typeface="LM Sans 10"/>
-              </a:rPr>
-              <a:t>is described with equations</a:t>
-            </a:r>
-          </a:p>
-          <a:p>
-            <a:pPr marL="613410" marR="214629" indent="-285750">
-              <a:lnSpc>
-                <a:spcPct val="121300"/>
-              </a:lnSpc>
-              <a:spcBef>
-                <a:spcPts val="75"/>
-              </a:spcBef>
-              <a:buFont typeface="Arial" panose="020B0604020202020204" pitchFamily="34" charset="0"/>
-              <a:buChar char="•"/>
-            </a:pPr>
-            <a:r>
-              <a:rPr lang="en-US" sz="1800" b="0" spc="-15" dirty="0">
-                <a:solidFill>
-                  <a:schemeClr val="tx1"/>
-                </a:solidFill>
-                <a:cs typeface="LM Sans 10"/>
-              </a:rPr>
-              <a:t>Parameters </a:t>
-            </a:r>
-            <a:r>
-              <a:rPr lang="en-US" sz="1800" b="0" spc="-10" dirty="0">
-                <a:solidFill>
-                  <a:schemeClr val="tx1"/>
-                </a:solidFill>
-                <a:cs typeface="LM Sans 10"/>
-              </a:rPr>
-              <a:t>(</a:t>
-            </a:r>
-            <a:r>
-              <a:rPr lang="en-US" sz="1800" b="0" i="1" spc="-10" dirty="0">
-                <a:solidFill>
-                  <a:schemeClr val="tx1"/>
-                </a:solidFill>
-                <a:cs typeface="Verdana"/>
-              </a:rPr>
-              <a:t>β</a:t>
-            </a:r>
-            <a:r>
-              <a:rPr lang="en-US" sz="1800" b="0" spc="-10" dirty="0">
-                <a:solidFill>
-                  <a:schemeClr val="tx1"/>
-                </a:solidFill>
-                <a:cs typeface="LM Sans 10"/>
-              </a:rPr>
-              <a:t>) </a:t>
-            </a:r>
-            <a:r>
-              <a:rPr lang="en-US" sz="1800" b="0" spc="-20" dirty="0">
-                <a:solidFill>
-                  <a:schemeClr val="tx1"/>
-                </a:solidFill>
-                <a:cs typeface="LM Sans 10"/>
-              </a:rPr>
-              <a:t>are </a:t>
-            </a:r>
-            <a:r>
-              <a:rPr lang="en-US" sz="1800" b="0" spc="-5" dirty="0">
-                <a:solidFill>
-                  <a:schemeClr val="tx1"/>
-                </a:solidFill>
-                <a:cs typeface="LM Sans 10"/>
-              </a:rPr>
-              <a:t>estimates of the </a:t>
-            </a:r>
-            <a:r>
-              <a:rPr lang="en-US" sz="1800" b="0" spc="-10" dirty="0">
-                <a:solidFill>
-                  <a:schemeClr val="tx1"/>
-                </a:solidFill>
-                <a:cs typeface="LM Sans 10"/>
-              </a:rPr>
-              <a:t>effect </a:t>
-            </a:r>
-            <a:r>
-              <a:rPr lang="en-US" sz="1800" b="0" spc="-5" dirty="0">
-                <a:solidFill>
-                  <a:schemeClr val="tx1"/>
-                </a:solidFill>
-                <a:cs typeface="LM Sans 10"/>
-              </a:rPr>
-              <a:t>size of </a:t>
-            </a:r>
-            <a:r>
-              <a:rPr lang="en-US" sz="1800" b="0" spc="-10" dirty="0">
-                <a:solidFill>
-                  <a:schemeClr val="tx1"/>
-                </a:solidFill>
-                <a:cs typeface="LM Sans 10"/>
-              </a:rPr>
-              <a:t>a variable</a:t>
-            </a:r>
-          </a:p>
-          <a:p>
-            <a:pPr marL="613410" marR="214629" indent="-285750">
-              <a:lnSpc>
-                <a:spcPct val="121300"/>
-              </a:lnSpc>
-              <a:spcBef>
-                <a:spcPts val="75"/>
-              </a:spcBef>
-              <a:buFont typeface="Arial" panose="020B0604020202020204" pitchFamily="34" charset="0"/>
-              <a:buChar char="•"/>
-            </a:pPr>
-            <a:r>
-              <a:rPr lang="en-US" sz="1800" b="0" spc="-15" dirty="0">
-                <a:solidFill>
-                  <a:schemeClr val="tx1"/>
-                </a:solidFill>
-                <a:cs typeface="LM Sans 10"/>
-              </a:rPr>
-              <a:t>Error </a:t>
-            </a:r>
-            <a:r>
-              <a:rPr lang="en-US" sz="1800" b="0" spc="-5" dirty="0">
-                <a:solidFill>
-                  <a:schemeClr val="tx1"/>
-                </a:solidFill>
-                <a:cs typeface="LM Sans 10"/>
-              </a:rPr>
-              <a:t>term </a:t>
-            </a:r>
-            <a:r>
-              <a:rPr lang="en-US" sz="1800" b="0" spc="10" dirty="0">
-                <a:solidFill>
-                  <a:schemeClr val="tx1"/>
-                </a:solidFill>
-                <a:cs typeface="LM Sans 10"/>
-              </a:rPr>
-              <a:t>(</a:t>
-            </a:r>
-            <a:r>
-              <a:rPr lang="en-US" sz="1800" b="0" i="1" spc="10" dirty="0">
-                <a:solidFill>
-                  <a:schemeClr val="tx1"/>
-                </a:solidFill>
-                <a:cs typeface="LM Sans 10"/>
-              </a:rPr>
-              <a:t>u</a:t>
-            </a:r>
-            <a:r>
-              <a:rPr lang="en-US" sz="1800" b="0" spc="10" dirty="0">
-                <a:solidFill>
-                  <a:schemeClr val="tx1"/>
-                </a:solidFill>
-                <a:cs typeface="LM Sans 10"/>
-              </a:rPr>
-              <a:t>) </a:t>
-            </a:r>
-            <a:r>
-              <a:rPr lang="en-US" sz="1800" b="0" spc="-5" dirty="0">
-                <a:solidFill>
-                  <a:schemeClr val="tx1"/>
-                </a:solidFill>
-                <a:cs typeface="LM Sans 10"/>
-              </a:rPr>
-              <a:t>contains all unobserved</a:t>
-            </a:r>
-            <a:r>
-              <a:rPr lang="en-US" sz="1800" b="0" spc="-30" dirty="0">
-                <a:solidFill>
-                  <a:schemeClr val="tx1"/>
-                </a:solidFill>
-                <a:cs typeface="LM Sans 10"/>
-              </a:rPr>
-              <a:t> </a:t>
-            </a:r>
-            <a:r>
-              <a:rPr lang="en-US" sz="1800" b="0" spc="-10" dirty="0">
-                <a:solidFill>
-                  <a:schemeClr val="tx1"/>
-                </a:solidFill>
-                <a:cs typeface="LM Sans 10"/>
-              </a:rPr>
-              <a:t>factors</a:t>
-            </a:r>
-            <a:endParaRPr lang="en-US" sz="1800" b="0" dirty="0">
-              <a:solidFill>
-                <a:schemeClr val="tx1"/>
-              </a:solidFill>
-              <a:cs typeface="LM Sans 10"/>
-            </a:endParaRPr>
-          </a:p>
-          <a:p>
-            <a:pPr marL="937410" marR="214629" lvl="2" indent="-285750">
-              <a:lnSpc>
-                <a:spcPct val="121300"/>
-              </a:lnSpc>
-              <a:spcBef>
-                <a:spcPts val="75"/>
-              </a:spcBef>
-              <a:buFont typeface="Arial" panose="020B0604020202020204" pitchFamily="34" charset="0"/>
-              <a:buChar char="•"/>
-            </a:pPr>
-            <a:r>
-              <a:rPr lang="en-US" sz="1800" b="0" spc="-5" dirty="0">
-                <a:solidFill>
-                  <a:schemeClr val="tx1"/>
-                </a:solidFill>
-                <a:cs typeface="LM Sans 10"/>
-              </a:rPr>
-              <a:t>Specification of </a:t>
-            </a:r>
-            <a:r>
-              <a:rPr lang="en-US" sz="1800" b="0" spc="-10" dirty="0">
-                <a:solidFill>
-                  <a:schemeClr val="tx1"/>
-                </a:solidFill>
-                <a:cs typeface="LM Sans 10"/>
-              </a:rPr>
-              <a:t>error </a:t>
-            </a:r>
-            <a:r>
-              <a:rPr lang="en-US" sz="1800" b="0" spc="-5" dirty="0">
-                <a:solidFill>
-                  <a:schemeClr val="tx1"/>
-                </a:solidFill>
-                <a:cs typeface="LM Sans 10"/>
-              </a:rPr>
-              <a:t>term </a:t>
-            </a:r>
-            <a:r>
-              <a:rPr lang="en-US" sz="1800" b="0" spc="-10" dirty="0">
-                <a:solidFill>
-                  <a:schemeClr val="tx1"/>
-                </a:solidFill>
-                <a:cs typeface="LM Sans 10"/>
-              </a:rPr>
-              <a:t>affects </a:t>
-            </a:r>
-            <a:r>
-              <a:rPr lang="en-US" sz="1800" b="0" dirty="0">
-                <a:solidFill>
-                  <a:schemeClr val="tx1"/>
-                </a:solidFill>
-                <a:cs typeface="LM Sans 10"/>
-              </a:rPr>
-              <a:t>models</a:t>
-            </a:r>
-            <a:r>
-              <a:rPr lang="en-US" sz="1800" b="0" spc="25" dirty="0">
-                <a:solidFill>
-                  <a:schemeClr val="tx1"/>
-                </a:solidFill>
-                <a:cs typeface="LM Sans 10"/>
-              </a:rPr>
-              <a:t> </a:t>
-            </a:r>
-            <a:r>
-              <a:rPr lang="en-US" sz="1800" b="0" spc="-5" dirty="0">
-                <a:solidFill>
-                  <a:schemeClr val="tx1"/>
-                </a:solidFill>
-                <a:cs typeface="LM Sans 10"/>
-              </a:rPr>
-              <a:t>massively!</a:t>
-            </a:r>
-            <a:endParaRPr lang="en-US" sz="1800" b="0" dirty="0">
-              <a:solidFill>
-                <a:schemeClr val="tx1"/>
-              </a:solidFill>
-              <a:cs typeface="LM Sans 10"/>
-            </a:endParaRPr>
-          </a:p>
-          <a:p>
-            <a:pPr marL="342900" indent="-342900">
-              <a:buFont typeface="+mj-lt"/>
-              <a:buAutoNum type="arabicPeriod"/>
-            </a:pPr>
-            <a:endParaRPr lang="de-DE" dirty="0"/>
-          </a:p>
-          <a:p>
-            <a:endParaRPr lang="de-DE" dirty="0"/>
-          </a:p>
-        </p:txBody>
-      </p:sp>
-      <p:sp>
-        <p:nvSpPr>
-          <p:cNvPr id="4" name="Datumsplatzhalter 3"/>
-          <p:cNvSpPr>
-            <a:spLocks noGrp="1"/>
-          </p:cNvSpPr>
-          <p:nvPr>
-            <p:ph type="dt" sz="half" idx="2"/>
-          </p:nvPr>
-        </p:nvSpPr>
-        <p:spPr/>
-        <p:txBody>
-          <a:bodyPr/>
-          <a:lstStyle/>
-          <a:p>
-            <a:r>
-              <a:rPr lang="de-DE" dirty="0"/>
-              <a:t>21.04.2021</a:t>
-            </a:r>
-          </a:p>
-        </p:txBody>
-      </p:sp>
-      <p:sp>
-        <p:nvSpPr>
-          <p:cNvPr id="5" name="Fußzeilenplatzhalter 4"/>
-          <p:cNvSpPr>
-            <a:spLocks noGrp="1"/>
-          </p:cNvSpPr>
-          <p:nvPr>
-            <p:ph type="ftr" sz="quarter" idx="3"/>
-          </p:nvPr>
-        </p:nvSpPr>
-        <p:spPr/>
-        <p:txBody>
-          <a:bodyPr/>
-          <a:lstStyle/>
-          <a:p>
-            <a:r>
-              <a:rPr lang="de-DE" dirty="0"/>
-              <a:t>Tutorial </a:t>
-            </a:r>
-            <a:r>
-              <a:rPr lang="de-DE" dirty="0" err="1"/>
-              <a:t>Statistics</a:t>
-            </a:r>
-            <a:endParaRPr lang="de-DE" dirty="0"/>
-          </a:p>
-        </p:txBody>
-      </p:sp>
-      <p:sp>
-        <p:nvSpPr>
-          <p:cNvPr id="6" name="Foliennummernplatzhalter 5"/>
-          <p:cNvSpPr>
-            <a:spLocks noGrp="1"/>
-          </p:cNvSpPr>
-          <p:nvPr>
-            <p:ph type="sldNum" sz="quarter" idx="4"/>
-          </p:nvPr>
-        </p:nvSpPr>
-        <p:spPr/>
-        <p:txBody>
-          <a:bodyPr/>
-          <a:lstStyle/>
-          <a:p>
-            <a:fld id="{C05EE493-AD2E-4872-B2F6-8F12A747F0A5}" type="slidenum">
-              <a:rPr lang="de-DE" smtClean="0"/>
-              <a:pPr/>
-              <a:t>4</a:t>
-            </a:fld>
-            <a:endParaRPr lang="de-DE" dirty="0"/>
-          </a:p>
-        </p:txBody>
-      </p:sp>
-    </p:spTree>
-    <p:extLst>
-      <p:ext uri="{BB962C8B-B14F-4D97-AF65-F5344CB8AC3E}">
-        <p14:creationId xmlns:p14="http://schemas.microsoft.com/office/powerpoint/2010/main" val="427112838"/>
-      </p:ext>
-    </p:extLst>
-  </p:cSld>
-  <p:clrMapOvr>
-    <a:masterClrMapping/>
-  </p:clrMapOvr>
-</p:sld>
-</file>
-
-<file path=ppt/slides/slide5.xml><?xml version="1.0" encoding="utf-8"?>
-<p:sld xmlns:a="http://schemas.openxmlformats.org/drawingml/2006/main" xmlns:r="http://schemas.openxmlformats.org/officeDocument/2006/relationships" xmlns:p="http://schemas.openxmlformats.org/presentationml/2006/main">
-  <p:cSld>
-    <p:spTree>
-      <p:nvGrpSpPr>
-        <p:cNvPr id="1" name=""/>
-        <p:cNvGrpSpPr/>
-        <p:nvPr/>
-      </p:nvGrpSpPr>
-      <p:grpSpPr>
-        <a:xfrm>
-          <a:off x="0" y="0"/>
-          <a:ext cx="0" cy="0"/>
-          <a:chOff x="0" y="0"/>
-          <a:chExt cx="0" cy="0"/>
-        </a:xfrm>
-      </p:grpSpPr>
-      <p:sp>
-        <p:nvSpPr>
-          <p:cNvPr id="2" name="Titel 1"/>
-          <p:cNvSpPr>
-            <a:spLocks noGrp="1"/>
-          </p:cNvSpPr>
-          <p:nvPr>
-            <p:ph type="title"/>
-          </p:nvPr>
-        </p:nvSpPr>
-        <p:spPr/>
-        <p:txBody>
-          <a:bodyPr/>
-          <a:lstStyle/>
-          <a:p>
-            <a:r>
-              <a:rPr lang="de-DE" dirty="0" err="1"/>
-              <a:t>Econometrics</a:t>
-            </a:r>
-            <a:r>
-              <a:rPr lang="de-DE" dirty="0"/>
-              <a:t> in General</a:t>
-            </a:r>
-          </a:p>
-        </p:txBody>
-      </p:sp>
-      <p:sp>
-        <p:nvSpPr>
-          <p:cNvPr id="3" name="Inhaltsplatzhalter 2"/>
-          <p:cNvSpPr>
-            <a:spLocks noGrp="1"/>
-          </p:cNvSpPr>
-          <p:nvPr>
-            <p:ph idx="1"/>
-          </p:nvPr>
-        </p:nvSpPr>
-        <p:spPr>
-          <a:xfrm>
-            <a:off x="323850" y="1916832"/>
-            <a:ext cx="7200478" cy="4241307"/>
-          </a:xfrm>
-        </p:spPr>
-        <p:txBody>
-          <a:bodyPr/>
-          <a:lstStyle/>
-          <a:p>
-            <a:r>
-              <a:rPr lang="de-DE" sz="1800" dirty="0" err="1"/>
-              <a:t>Important</a:t>
-            </a:r>
-            <a:r>
-              <a:rPr lang="de-DE" sz="1800" dirty="0"/>
-              <a:t> </a:t>
-            </a:r>
-            <a:r>
-              <a:rPr lang="de-DE" sz="1800" dirty="0" err="1"/>
-              <a:t>data</a:t>
-            </a:r>
-            <a:r>
-              <a:rPr lang="de-DE" sz="1800" dirty="0"/>
-              <a:t> </a:t>
-            </a:r>
-            <a:r>
-              <a:rPr lang="de-DE" sz="1800" dirty="0" err="1"/>
-              <a:t>structures</a:t>
-            </a:r>
-            <a:r>
-              <a:rPr lang="de-DE" sz="1800" dirty="0"/>
-              <a:t> and </a:t>
-            </a:r>
-            <a:r>
-              <a:rPr lang="de-DE" sz="1800" dirty="0" err="1"/>
-              <a:t>their</a:t>
-            </a:r>
-            <a:r>
-              <a:rPr lang="de-DE" sz="1800" dirty="0"/>
-              <a:t> </a:t>
-            </a:r>
-            <a:r>
-              <a:rPr lang="de-DE" sz="1800" dirty="0" err="1"/>
-              <a:t>characteristics</a:t>
-            </a:r>
-            <a:endParaRPr lang="de-DE" sz="1800" dirty="0"/>
-          </a:p>
-          <a:p>
-            <a:pPr marL="298450" indent="-285750">
-              <a:lnSpc>
-                <a:spcPct val="100000"/>
-              </a:lnSpc>
-              <a:spcBef>
-                <a:spcPts val="285"/>
-              </a:spcBef>
-              <a:buFont typeface="Arial" panose="020B0604020202020204" pitchFamily="34" charset="0"/>
-              <a:buChar char="•"/>
-            </a:pPr>
-            <a:r>
-              <a:rPr lang="en-US" sz="1800" spc="-10" dirty="0">
-                <a:solidFill>
-                  <a:schemeClr val="tx1"/>
-                </a:solidFill>
-                <a:cs typeface="LM Sans 10"/>
-              </a:rPr>
-              <a:t>Cross </a:t>
-            </a:r>
-            <a:r>
-              <a:rPr lang="en-US" sz="1800" spc="-5" dirty="0">
-                <a:solidFill>
-                  <a:schemeClr val="tx1"/>
-                </a:solidFill>
-                <a:cs typeface="LM Sans 10"/>
-              </a:rPr>
-              <a:t>sectional data</a:t>
-            </a:r>
-            <a:endParaRPr lang="en-US" sz="1800" dirty="0">
-              <a:solidFill>
-                <a:schemeClr val="tx1"/>
-              </a:solidFill>
-              <a:cs typeface="LM Sans 10"/>
-            </a:endParaRPr>
-          </a:p>
-          <a:p>
-            <a:pPr marL="622450" lvl="2" indent="-285750">
-              <a:lnSpc>
-                <a:spcPct val="100000"/>
-              </a:lnSpc>
-              <a:spcBef>
-                <a:spcPts val="285"/>
-              </a:spcBef>
-              <a:buFont typeface="Arial" panose="020B0604020202020204" pitchFamily="34" charset="0"/>
-              <a:buChar char="•"/>
-            </a:pPr>
-            <a:r>
-              <a:rPr lang="en-US" sz="1800" b="0" spc="-5" dirty="0">
-                <a:solidFill>
-                  <a:schemeClr val="tx1"/>
-                </a:solidFill>
-                <a:cs typeface="LM Sans 10"/>
-              </a:rPr>
-              <a:t>Sample of units at one </a:t>
-            </a:r>
-            <a:r>
-              <a:rPr lang="en-US" sz="1800" b="0" dirty="0">
-                <a:solidFill>
-                  <a:schemeClr val="tx1"/>
-                </a:solidFill>
-                <a:cs typeface="LM Sans 10"/>
-              </a:rPr>
-              <a:t>point </a:t>
-            </a:r>
-            <a:r>
-              <a:rPr lang="en-US" sz="1800" b="0" spc="-5" dirty="0">
-                <a:solidFill>
-                  <a:schemeClr val="tx1"/>
-                </a:solidFill>
-                <a:cs typeface="LM Sans 10"/>
-              </a:rPr>
-              <a:t>in time </a:t>
-            </a:r>
-            <a:r>
-              <a:rPr lang="en-US" sz="1800" b="0" spc="-10" dirty="0">
-                <a:solidFill>
-                  <a:schemeClr val="tx1"/>
-                </a:solidFill>
-                <a:cs typeface="LM Sans 10"/>
-              </a:rPr>
-              <a:t>(ignore </a:t>
-            </a:r>
-            <a:r>
-              <a:rPr lang="en-US" sz="1800" b="0" spc="-5" dirty="0">
-                <a:solidFill>
-                  <a:schemeClr val="tx1"/>
-                </a:solidFill>
-                <a:cs typeface="LM Sans 10"/>
-              </a:rPr>
-              <a:t>small time</a:t>
-            </a:r>
-            <a:r>
-              <a:rPr lang="en-US" sz="1800" b="0" spc="35" dirty="0">
-                <a:solidFill>
-                  <a:schemeClr val="tx1"/>
-                </a:solidFill>
-                <a:cs typeface="LM Sans 10"/>
-              </a:rPr>
-              <a:t> </a:t>
-            </a:r>
-            <a:r>
-              <a:rPr lang="en-US" sz="1800" b="0" spc="-10" dirty="0">
-                <a:solidFill>
-                  <a:schemeClr val="tx1"/>
-                </a:solidFill>
-                <a:cs typeface="LM Sans 10"/>
-              </a:rPr>
-              <a:t>diff.)</a:t>
-            </a:r>
-            <a:endParaRPr lang="en-US" sz="1800" b="0" dirty="0">
-              <a:solidFill>
-                <a:schemeClr val="tx1"/>
-              </a:solidFill>
-              <a:cs typeface="LM Sans 10"/>
-            </a:endParaRPr>
-          </a:p>
-          <a:p>
-            <a:pPr marL="298450" indent="-285750">
-              <a:lnSpc>
-                <a:spcPct val="100000"/>
-              </a:lnSpc>
-              <a:spcBef>
-                <a:spcPts val="195"/>
-              </a:spcBef>
-              <a:buFont typeface="Arial" panose="020B0604020202020204" pitchFamily="34" charset="0"/>
-              <a:buChar char="•"/>
-            </a:pPr>
-            <a:r>
-              <a:rPr lang="en-US" sz="1800" spc="-10" dirty="0">
-                <a:solidFill>
-                  <a:schemeClr val="tx1"/>
-                </a:solidFill>
-                <a:cs typeface="LM Sans 10"/>
-              </a:rPr>
-              <a:t>Time </a:t>
-            </a:r>
-            <a:r>
-              <a:rPr lang="en-US" sz="1800" spc="-5" dirty="0">
-                <a:solidFill>
-                  <a:schemeClr val="tx1"/>
-                </a:solidFill>
-                <a:cs typeface="LM Sans 10"/>
-              </a:rPr>
-              <a:t>Series </a:t>
-            </a:r>
-            <a:r>
-              <a:rPr lang="en-US" sz="1800" spc="-10" dirty="0">
-                <a:solidFill>
-                  <a:schemeClr val="tx1"/>
-                </a:solidFill>
-                <a:cs typeface="LM Sans 10"/>
-              </a:rPr>
-              <a:t>Data</a:t>
-            </a:r>
-            <a:endParaRPr lang="en-US" sz="1800" dirty="0">
-              <a:solidFill>
-                <a:schemeClr val="tx1"/>
-              </a:solidFill>
-              <a:cs typeface="LM Sans 10"/>
-            </a:endParaRPr>
-          </a:p>
-          <a:p>
-            <a:pPr marL="622450" lvl="2" indent="-285750">
-              <a:lnSpc>
-                <a:spcPct val="100000"/>
-              </a:lnSpc>
-              <a:spcBef>
-                <a:spcPts val="195"/>
-              </a:spcBef>
-              <a:buFont typeface="Arial" panose="020B0604020202020204" pitchFamily="34" charset="0"/>
-              <a:buChar char="•"/>
-            </a:pPr>
-            <a:r>
-              <a:rPr lang="en-US" sz="1800" b="0" spc="-5" dirty="0">
-                <a:solidFill>
-                  <a:schemeClr val="tx1"/>
-                </a:solidFill>
-                <a:cs typeface="LM Sans 10"/>
-              </a:rPr>
-              <a:t>Observations on a </a:t>
-            </a:r>
-            <a:r>
-              <a:rPr lang="en-US" sz="1800" b="0" spc="-10" dirty="0">
-                <a:solidFill>
-                  <a:schemeClr val="tx1"/>
-                </a:solidFill>
-                <a:cs typeface="LM Sans 10"/>
-              </a:rPr>
-              <a:t>variable </a:t>
-            </a:r>
-            <a:r>
-              <a:rPr lang="en-US" sz="1800" b="0" spc="-5" dirty="0">
-                <a:solidFill>
-                  <a:schemeClr val="tx1"/>
-                </a:solidFill>
-                <a:cs typeface="LM Sans 10"/>
-              </a:rPr>
-              <a:t>over time </a:t>
-            </a:r>
-            <a:r>
-              <a:rPr lang="en-US" sz="1800" b="0" spc="-15" dirty="0">
-                <a:solidFill>
-                  <a:schemeClr val="tx1"/>
-                </a:solidFill>
-                <a:cs typeface="LM Sans 10"/>
-              </a:rPr>
-              <a:t>(annually, </a:t>
-            </a:r>
-            <a:r>
-              <a:rPr lang="en-US" sz="1800" b="0" spc="-10" dirty="0">
-                <a:solidFill>
-                  <a:schemeClr val="tx1"/>
-                </a:solidFill>
-                <a:cs typeface="LM Sans 10"/>
-              </a:rPr>
-              <a:t>monthly,...) </a:t>
-            </a:r>
-          </a:p>
-          <a:p>
-            <a:pPr marL="622450" lvl="2" indent="-285750">
-              <a:lnSpc>
-                <a:spcPct val="100000"/>
-              </a:lnSpc>
-              <a:spcBef>
-                <a:spcPts val="195"/>
-              </a:spcBef>
-              <a:buFont typeface="Arial" panose="020B0604020202020204" pitchFamily="34" charset="0"/>
-              <a:buChar char="•"/>
-            </a:pPr>
-            <a:r>
-              <a:rPr lang="en-US" sz="1800" b="0" spc="-5" dirty="0">
-                <a:solidFill>
-                  <a:schemeClr val="tx1"/>
-                </a:solidFill>
-                <a:cs typeface="LM Sans 10"/>
-              </a:rPr>
-              <a:t>Often, </a:t>
-            </a:r>
-            <a:r>
-              <a:rPr lang="en-US" sz="1800" b="0" spc="-20" dirty="0">
-                <a:solidFill>
-                  <a:schemeClr val="tx1"/>
-                </a:solidFill>
-                <a:cs typeface="LM Sans 10"/>
-              </a:rPr>
-              <a:t>we </a:t>
-            </a:r>
-            <a:r>
-              <a:rPr lang="en-US" sz="1800" b="0" spc="-5" dirty="0">
-                <a:solidFill>
-                  <a:schemeClr val="tx1"/>
-                </a:solidFill>
-                <a:cs typeface="LM Sans 10"/>
-              </a:rPr>
-              <a:t>need to account </a:t>
-            </a:r>
-            <a:r>
-              <a:rPr lang="en-US" sz="1800" b="0" spc="-15" dirty="0">
-                <a:solidFill>
-                  <a:schemeClr val="tx1"/>
-                </a:solidFill>
-                <a:cs typeface="LM Sans 10"/>
-              </a:rPr>
-              <a:t>for </a:t>
-            </a:r>
-            <a:r>
-              <a:rPr lang="en-US" sz="1800" b="0" spc="-5" dirty="0">
-                <a:solidFill>
-                  <a:schemeClr val="tx1"/>
-                </a:solidFill>
-                <a:cs typeface="LM Sans 10"/>
-              </a:rPr>
-              <a:t>time </a:t>
-            </a:r>
-            <a:r>
-              <a:rPr lang="en-US" sz="1800" b="0" dirty="0">
-                <a:solidFill>
-                  <a:schemeClr val="tx1"/>
-                </a:solidFill>
-                <a:cs typeface="LM Sans 10"/>
-              </a:rPr>
-              <a:t>dependency </a:t>
-            </a:r>
-            <a:r>
-              <a:rPr lang="en-US" sz="1800" b="0" spc="-5" dirty="0">
-                <a:solidFill>
-                  <a:schemeClr val="tx1"/>
-                </a:solidFill>
-                <a:cs typeface="LM Sans 10"/>
-              </a:rPr>
-              <a:t>of</a:t>
-            </a:r>
-            <a:r>
-              <a:rPr lang="en-US" sz="1800" b="0" spc="10" dirty="0">
-                <a:solidFill>
-                  <a:schemeClr val="tx1"/>
-                </a:solidFill>
-                <a:cs typeface="LM Sans 10"/>
-              </a:rPr>
-              <a:t> </a:t>
-            </a:r>
-            <a:r>
-              <a:rPr lang="en-US" sz="1800" b="0" spc="-5" dirty="0">
-                <a:solidFill>
-                  <a:schemeClr val="tx1"/>
-                </a:solidFill>
-                <a:cs typeface="LM Sans 10"/>
-              </a:rPr>
-              <a:t>data</a:t>
-            </a:r>
-            <a:endParaRPr lang="en-US" sz="1800" dirty="0">
-              <a:cs typeface="LM Sans 10"/>
-            </a:endParaRPr>
-          </a:p>
-          <a:p>
-            <a:pPr marL="298450" lvl="1" indent="-285750">
-              <a:lnSpc>
-                <a:spcPct val="100000"/>
-              </a:lnSpc>
-              <a:spcBef>
-                <a:spcPts val="195"/>
-              </a:spcBef>
-              <a:buFont typeface="Arial" panose="020B0604020202020204" pitchFamily="34" charset="0"/>
-              <a:buChar char="•"/>
-            </a:pPr>
-            <a:r>
-              <a:rPr lang="en-US" sz="1800" b="1" spc="-5" dirty="0">
-                <a:solidFill>
-                  <a:schemeClr val="tx1"/>
-                </a:solidFill>
-                <a:cs typeface="LM Sans 10"/>
-              </a:rPr>
-              <a:t>Pooled </a:t>
-            </a:r>
-            <a:r>
-              <a:rPr lang="en-US" sz="1800" b="1" spc="-10" dirty="0">
-                <a:solidFill>
-                  <a:schemeClr val="tx1"/>
-                </a:solidFill>
-                <a:cs typeface="LM Sans 10"/>
-              </a:rPr>
-              <a:t>Cross </a:t>
-            </a:r>
-            <a:r>
-              <a:rPr lang="en-US" sz="1800" b="1" spc="-5" dirty="0">
-                <a:solidFill>
-                  <a:schemeClr val="tx1"/>
-                </a:solidFill>
-                <a:cs typeface="LM Sans 10"/>
-              </a:rPr>
-              <a:t>Sections</a:t>
-            </a:r>
-            <a:endParaRPr lang="en-US" sz="1800" b="1" dirty="0">
-              <a:cs typeface="LM Sans 10"/>
-            </a:endParaRPr>
-          </a:p>
-          <a:p>
-            <a:pPr marL="622450" lvl="2" indent="-285750">
-              <a:lnSpc>
-                <a:spcPct val="100000"/>
-              </a:lnSpc>
-              <a:spcBef>
-                <a:spcPts val="195"/>
-              </a:spcBef>
-              <a:buFont typeface="Arial" panose="020B0604020202020204" pitchFamily="34" charset="0"/>
-              <a:buChar char="•"/>
-            </a:pPr>
-            <a:r>
-              <a:rPr lang="en-US" sz="1800" b="0" spc="-10" dirty="0">
-                <a:solidFill>
-                  <a:schemeClr val="tx1"/>
-                </a:solidFill>
-                <a:cs typeface="LM Sans 10"/>
-              </a:rPr>
-              <a:t>Combination </a:t>
-            </a:r>
-            <a:r>
-              <a:rPr lang="en-US" sz="1800" b="0" spc="-5" dirty="0">
-                <a:solidFill>
-                  <a:schemeClr val="tx1"/>
-                </a:solidFill>
-                <a:cs typeface="LM Sans 10"/>
-              </a:rPr>
-              <a:t>of cross sections to increase sample size</a:t>
-            </a:r>
-          </a:p>
-          <a:p>
-            <a:pPr marL="622450" lvl="2" indent="-285750">
-              <a:lnSpc>
-                <a:spcPct val="100000"/>
-              </a:lnSpc>
-              <a:spcBef>
-                <a:spcPts val="195"/>
-              </a:spcBef>
-              <a:buFont typeface="Arial" panose="020B0604020202020204" pitchFamily="34" charset="0"/>
-              <a:buChar char="•"/>
-            </a:pPr>
-            <a:r>
-              <a:rPr lang="en-US" sz="1800" b="0" spc="-5" dirty="0">
-                <a:solidFill>
-                  <a:schemeClr val="tx1"/>
-                </a:solidFill>
-                <a:cs typeface="LM Sans 10"/>
-              </a:rPr>
-              <a:t>Random samples </a:t>
-            </a:r>
-            <a:r>
-              <a:rPr lang="en-US" sz="1800" b="0" i="1" spc="240" dirty="0">
-                <a:solidFill>
-                  <a:schemeClr val="tx1"/>
-                </a:solidFill>
-                <a:cs typeface="DejaVu Sans Condensed"/>
-              </a:rPr>
-              <a:t>→ </a:t>
-            </a:r>
-            <a:r>
-              <a:rPr lang="en-US" sz="1800" b="0" dirty="0">
-                <a:solidFill>
-                  <a:schemeClr val="tx1"/>
-                </a:solidFill>
-                <a:cs typeface="LM Sans 10"/>
-              </a:rPr>
-              <a:t>”same</a:t>
-            </a:r>
-            <a:r>
-              <a:rPr lang="en-US" sz="1800" b="0" spc="-204" dirty="0">
-                <a:solidFill>
-                  <a:schemeClr val="tx1"/>
-                </a:solidFill>
-                <a:cs typeface="LM Sans 10"/>
-              </a:rPr>
-              <a:t> </a:t>
-            </a:r>
-            <a:r>
-              <a:rPr lang="en-US" sz="1800" b="0" dirty="0">
-                <a:solidFill>
-                  <a:schemeClr val="tx1"/>
-                </a:solidFill>
-                <a:cs typeface="LM Sans 10"/>
-              </a:rPr>
-              <a:t>population”</a:t>
-            </a:r>
-          </a:p>
-          <a:p>
-            <a:pPr marL="298450" lvl="1" indent="-285750">
-              <a:lnSpc>
-                <a:spcPct val="100000"/>
-              </a:lnSpc>
-              <a:spcBef>
-                <a:spcPts val="195"/>
-              </a:spcBef>
-              <a:buFont typeface="Arial" panose="020B0604020202020204" pitchFamily="34" charset="0"/>
-              <a:buChar char="•"/>
-            </a:pPr>
-            <a:r>
-              <a:rPr lang="en-US" sz="1800" b="1" spc="-15" dirty="0">
-                <a:solidFill>
-                  <a:schemeClr val="tx1"/>
-                </a:solidFill>
-                <a:cs typeface="LM Sans 10"/>
-              </a:rPr>
-              <a:t>Panel </a:t>
-            </a:r>
-            <a:r>
-              <a:rPr lang="en-US" sz="1800" b="1" spc="-25" dirty="0">
-                <a:solidFill>
-                  <a:schemeClr val="tx1"/>
-                </a:solidFill>
-                <a:cs typeface="LM Sans 10"/>
-              </a:rPr>
-              <a:t>or </a:t>
-            </a:r>
-            <a:r>
-              <a:rPr lang="en-US" sz="1800" b="1" spc="-5" dirty="0">
-                <a:solidFill>
-                  <a:schemeClr val="tx1"/>
-                </a:solidFill>
-                <a:cs typeface="LM Sans 10"/>
-              </a:rPr>
-              <a:t>Longitudinal</a:t>
-            </a:r>
-            <a:r>
-              <a:rPr lang="en-US" sz="1800" b="1" spc="20" dirty="0">
-                <a:solidFill>
-                  <a:schemeClr val="tx1"/>
-                </a:solidFill>
-                <a:cs typeface="LM Sans 10"/>
-              </a:rPr>
-              <a:t> </a:t>
-            </a:r>
-            <a:r>
-              <a:rPr lang="en-US" sz="1800" b="1" spc="-10" dirty="0">
-                <a:solidFill>
-                  <a:schemeClr val="tx1"/>
-                </a:solidFill>
-                <a:cs typeface="LM Sans 10"/>
-              </a:rPr>
-              <a:t>Data</a:t>
-            </a:r>
-            <a:endParaRPr lang="en-US" sz="1800" b="1" dirty="0">
-              <a:cs typeface="LM Sans 10"/>
-            </a:endParaRPr>
-          </a:p>
-          <a:p>
-            <a:pPr marL="622450" lvl="2" indent="-285750">
-              <a:lnSpc>
-                <a:spcPct val="100000"/>
-              </a:lnSpc>
-              <a:spcBef>
-                <a:spcPts val="195"/>
-              </a:spcBef>
-              <a:buFont typeface="Arial" panose="020B0604020202020204" pitchFamily="34" charset="0"/>
-              <a:buChar char="•"/>
-            </a:pPr>
-            <a:r>
-              <a:rPr lang="en-US" sz="1800" b="0" spc="-5" dirty="0">
-                <a:solidFill>
-                  <a:schemeClr val="tx1"/>
-                </a:solidFill>
-                <a:cs typeface="LM Sans 10"/>
-              </a:rPr>
-              <a:t>Time series </a:t>
-            </a:r>
-            <a:r>
-              <a:rPr lang="en-US" sz="1800" b="0" spc="-15" dirty="0">
-                <a:solidFill>
-                  <a:schemeClr val="tx1"/>
-                </a:solidFill>
-                <a:cs typeface="LM Sans 10"/>
-              </a:rPr>
-              <a:t>for </a:t>
-            </a:r>
-            <a:r>
-              <a:rPr lang="en-US" sz="1800" b="0" spc="-5" dirty="0">
-                <a:solidFill>
-                  <a:schemeClr val="tx1"/>
-                </a:solidFill>
-                <a:cs typeface="LM Sans 10"/>
-              </a:rPr>
-              <a:t>each </a:t>
-            </a:r>
-            <a:r>
-              <a:rPr lang="en-US" sz="1800" b="0" dirty="0">
-                <a:solidFill>
-                  <a:schemeClr val="tx1"/>
-                </a:solidFill>
-                <a:cs typeface="LM Sans 10"/>
-              </a:rPr>
-              <a:t>member </a:t>
-            </a:r>
-            <a:r>
-              <a:rPr lang="en-US" sz="1800" b="0" spc="-5" dirty="0">
-                <a:solidFill>
-                  <a:schemeClr val="tx1"/>
-                </a:solidFill>
-                <a:cs typeface="LM Sans 10"/>
-              </a:rPr>
-              <a:t>in cross-sectional data set</a:t>
-            </a:r>
-          </a:p>
-          <a:p>
-            <a:pPr marL="622450" lvl="2" indent="-285750">
-              <a:lnSpc>
-                <a:spcPct val="100000"/>
-              </a:lnSpc>
-              <a:spcBef>
-                <a:spcPts val="195"/>
-              </a:spcBef>
-              <a:buFont typeface="Arial" panose="020B0604020202020204" pitchFamily="34" charset="0"/>
-              <a:buChar char="•"/>
-            </a:pPr>
-            <a:r>
-              <a:rPr lang="en-US" sz="1800" b="0" spc="-5" dirty="0">
-                <a:solidFill>
-                  <a:schemeClr val="tx1"/>
-                </a:solidFill>
-                <a:cs typeface="LM Sans 10"/>
-              </a:rPr>
-              <a:t>Data on the same units across time</a:t>
-            </a:r>
-            <a:endParaRPr lang="en-US" sz="1800" dirty="0">
-              <a:cs typeface="LM Sans 10"/>
-            </a:endParaRPr>
-          </a:p>
-          <a:p>
-            <a:pPr marL="622450" lvl="2" indent="-285750">
-              <a:lnSpc>
-                <a:spcPct val="100000"/>
-              </a:lnSpc>
-              <a:spcBef>
-                <a:spcPts val="195"/>
-              </a:spcBef>
-              <a:buFont typeface="Arial" panose="020B0604020202020204" pitchFamily="34" charset="0"/>
-              <a:buChar char="•"/>
-            </a:pPr>
-            <a:r>
-              <a:rPr lang="en-US" sz="1800" b="0" spc="-10" dirty="0">
-                <a:solidFill>
-                  <a:schemeClr val="tx1"/>
-                </a:solidFill>
-                <a:cs typeface="LM Sans 10"/>
-              </a:rPr>
-              <a:t>Allows </a:t>
-            </a:r>
-            <a:r>
-              <a:rPr lang="en-US" sz="1800" b="0" spc="-5" dirty="0">
-                <a:solidFill>
-                  <a:schemeClr val="tx1"/>
-                </a:solidFill>
-                <a:cs typeface="LM Sans 10"/>
-              </a:rPr>
-              <a:t>estimation of </a:t>
-            </a:r>
-            <a:r>
-              <a:rPr lang="en-US" sz="1800" b="0" spc="-10" dirty="0">
-                <a:solidFill>
-                  <a:schemeClr val="tx1"/>
-                </a:solidFill>
-                <a:cs typeface="LM Sans 10"/>
-              </a:rPr>
-              <a:t>effect </a:t>
-            </a:r>
-            <a:r>
-              <a:rPr lang="en-US" sz="1800" b="0" spc="-5" dirty="0">
-                <a:solidFill>
-                  <a:schemeClr val="tx1"/>
-                </a:solidFill>
-                <a:cs typeface="LM Sans 10"/>
-              </a:rPr>
-              <a:t>over time + new </a:t>
-            </a:r>
-            <a:r>
-              <a:rPr lang="en-US" sz="1800" b="0" dirty="0">
-                <a:solidFill>
-                  <a:schemeClr val="tx1"/>
-                </a:solidFill>
-                <a:cs typeface="LM Sans 10"/>
-              </a:rPr>
-              <a:t>methods </a:t>
-            </a:r>
-            <a:r>
-              <a:rPr lang="en-US" sz="1800" b="0" spc="-5" dirty="0">
-                <a:solidFill>
-                  <a:schemeClr val="tx1"/>
-                </a:solidFill>
-                <a:cs typeface="LM Sans 10"/>
-              </a:rPr>
-              <a:t>(e.g.</a:t>
-            </a:r>
-            <a:r>
-              <a:rPr lang="en-US" sz="1800" b="0" spc="160" dirty="0">
-                <a:solidFill>
-                  <a:schemeClr val="tx1"/>
-                </a:solidFill>
-                <a:cs typeface="LM Sans 10"/>
-              </a:rPr>
-              <a:t> </a:t>
-            </a:r>
-            <a:r>
-              <a:rPr lang="en-US" sz="1800" b="0" spc="-5" dirty="0">
-                <a:solidFill>
-                  <a:schemeClr val="tx1"/>
-                </a:solidFill>
-                <a:cs typeface="LM Sans 10"/>
-              </a:rPr>
-              <a:t>FE)</a:t>
-            </a:r>
-            <a:endParaRPr lang="en-US" sz="1800" b="0" dirty="0">
-              <a:solidFill>
-                <a:schemeClr val="tx1"/>
-              </a:solidFill>
-              <a:cs typeface="LM Sans 10"/>
-            </a:endParaRPr>
-          </a:p>
-          <a:p>
-            <a:endParaRPr lang="de-DE" dirty="0"/>
-          </a:p>
-        </p:txBody>
-      </p:sp>
-      <p:sp>
-        <p:nvSpPr>
-          <p:cNvPr id="4" name="Datumsplatzhalter 3"/>
-          <p:cNvSpPr>
-            <a:spLocks noGrp="1"/>
-          </p:cNvSpPr>
-          <p:nvPr>
-            <p:ph type="dt" sz="half" idx="2"/>
-          </p:nvPr>
-        </p:nvSpPr>
-        <p:spPr/>
-        <p:txBody>
-          <a:bodyPr/>
-          <a:lstStyle/>
-          <a:p>
-            <a:r>
-              <a:rPr lang="de-DE" dirty="0"/>
-              <a:t>21.04.2021</a:t>
-            </a:r>
-          </a:p>
-        </p:txBody>
-      </p:sp>
-      <p:sp>
-        <p:nvSpPr>
-          <p:cNvPr id="5" name="Fußzeilenplatzhalter 4"/>
-          <p:cNvSpPr>
-            <a:spLocks noGrp="1"/>
-          </p:cNvSpPr>
-          <p:nvPr>
-            <p:ph type="ftr" sz="quarter" idx="3"/>
-          </p:nvPr>
-        </p:nvSpPr>
-        <p:spPr/>
-        <p:txBody>
-          <a:bodyPr/>
-          <a:lstStyle/>
-          <a:p>
-            <a:r>
-              <a:rPr lang="de-DE" dirty="0"/>
-              <a:t>Tutorial </a:t>
-            </a:r>
-            <a:r>
-              <a:rPr lang="de-DE" dirty="0" err="1"/>
-              <a:t>Statistics</a:t>
-            </a:r>
-            <a:endParaRPr lang="de-DE" dirty="0"/>
-          </a:p>
-        </p:txBody>
-      </p:sp>
-      <p:sp>
-        <p:nvSpPr>
-          <p:cNvPr id="6" name="Foliennummernplatzhalter 5"/>
-          <p:cNvSpPr>
-            <a:spLocks noGrp="1"/>
-          </p:cNvSpPr>
-          <p:nvPr>
-            <p:ph type="sldNum" sz="quarter" idx="4"/>
-          </p:nvPr>
-        </p:nvSpPr>
-        <p:spPr/>
-        <p:txBody>
-          <a:bodyPr/>
-          <a:lstStyle/>
-          <a:p>
-            <a:fld id="{C05EE493-AD2E-4872-B2F6-8F12A747F0A5}" type="slidenum">
-              <a:rPr lang="de-DE" smtClean="0"/>
-              <a:pPr/>
-              <a:t>5</a:t>
-            </a:fld>
-            <a:endParaRPr lang="de-DE" dirty="0"/>
-          </a:p>
-        </p:txBody>
-      </p:sp>
-    </p:spTree>
-    <p:extLst>
-      <p:ext uri="{BB962C8B-B14F-4D97-AF65-F5344CB8AC3E}">
-        <p14:creationId xmlns:p14="http://schemas.microsoft.com/office/powerpoint/2010/main" val="2074392294"/>
-      </p:ext>
-    </p:extLst>
-  </p:cSld>
-  <p:clrMapOvr>
-    <a:masterClrMapping/>
-  </p:clrMapOvr>
-</p:sld>
-</file>
-
-<file path=ppt/slides/slide6.xml><?xml version="1.0" encoding="utf-8"?>
-<p:sld xmlns:a="http://schemas.openxmlformats.org/drawingml/2006/main" xmlns:r="http://schemas.openxmlformats.org/officeDocument/2006/relationships" xmlns:p="http://schemas.openxmlformats.org/presentationml/2006/main">
-  <p:cSld>
-    <p:spTree>
-      <p:nvGrpSpPr>
-        <p:cNvPr id="1" name=""/>
-        <p:cNvGrpSpPr/>
-        <p:nvPr/>
-      </p:nvGrpSpPr>
-      <p:grpSpPr>
-        <a:xfrm>
-          <a:off x="0" y="0"/>
-          <a:ext cx="0" cy="0"/>
-          <a:chOff x="0" y="0"/>
-          <a:chExt cx="0" cy="0"/>
-        </a:xfrm>
-      </p:grpSpPr>
-      <p:sp>
-        <p:nvSpPr>
-          <p:cNvPr id="2" name="Titel 1"/>
-          <p:cNvSpPr>
-            <a:spLocks noGrp="1"/>
-          </p:cNvSpPr>
-          <p:nvPr>
-            <p:ph type="title"/>
-          </p:nvPr>
-        </p:nvSpPr>
-        <p:spPr/>
-        <p:txBody>
-          <a:bodyPr/>
-          <a:lstStyle/>
-          <a:p>
-            <a:r>
-              <a:rPr lang="de-DE" dirty="0"/>
-              <a:t>2</a:t>
-            </a:r>
-          </a:p>
-        </p:txBody>
-      </p:sp>
-      <p:sp>
-        <p:nvSpPr>
-          <p:cNvPr id="3" name="Inhaltsplatzhalter 2"/>
-          <p:cNvSpPr>
-            <a:spLocks noGrp="1"/>
-          </p:cNvSpPr>
-          <p:nvPr>
-            <p:ph idx="1"/>
-          </p:nvPr>
-        </p:nvSpPr>
-        <p:spPr>
-          <a:xfrm>
-            <a:off x="323850" y="1988840"/>
-            <a:ext cx="7200478" cy="4103985"/>
-          </a:xfrm>
-        </p:spPr>
-        <p:txBody>
-          <a:bodyPr/>
-          <a:lstStyle/>
-          <a:p>
-            <a:pPr marL="342900" indent="-342900">
-              <a:buFont typeface="+mj-lt"/>
-              <a:buAutoNum type="arabicPeriod"/>
-            </a:pPr>
-            <a:endParaRPr lang="de-DE" dirty="0"/>
-          </a:p>
-          <a:p>
-            <a:endParaRPr lang="de-DE" dirty="0"/>
-          </a:p>
-        </p:txBody>
-      </p:sp>
-      <p:sp>
-        <p:nvSpPr>
-          <p:cNvPr id="4" name="Datumsplatzhalter 3"/>
-          <p:cNvSpPr>
-            <a:spLocks noGrp="1"/>
-          </p:cNvSpPr>
-          <p:nvPr>
-            <p:ph type="dt" sz="half" idx="2"/>
-          </p:nvPr>
-        </p:nvSpPr>
-        <p:spPr/>
-        <p:txBody>
-          <a:bodyPr/>
-          <a:lstStyle/>
-          <a:p>
-            <a:r>
-              <a:rPr lang="de-DE" dirty="0"/>
-              <a:t>21.04.2021</a:t>
-            </a:r>
-          </a:p>
-        </p:txBody>
-      </p:sp>
-      <p:sp>
-        <p:nvSpPr>
-          <p:cNvPr id="5" name="Fußzeilenplatzhalter 4"/>
-          <p:cNvSpPr>
-            <a:spLocks noGrp="1"/>
-          </p:cNvSpPr>
-          <p:nvPr>
-            <p:ph type="ftr" sz="quarter" idx="3"/>
-          </p:nvPr>
-        </p:nvSpPr>
-        <p:spPr/>
-        <p:txBody>
-          <a:bodyPr/>
-          <a:lstStyle/>
-          <a:p>
-            <a:r>
-              <a:rPr lang="de-DE" dirty="0"/>
-              <a:t>Tutorial </a:t>
-            </a:r>
-            <a:r>
-              <a:rPr lang="de-DE" dirty="0" err="1"/>
-              <a:t>Statistics</a:t>
-            </a:r>
-            <a:endParaRPr lang="de-DE" dirty="0"/>
-          </a:p>
-        </p:txBody>
-      </p:sp>
-      <p:sp>
-        <p:nvSpPr>
-          <p:cNvPr id="6" name="Foliennummernplatzhalter 5"/>
-          <p:cNvSpPr>
-            <a:spLocks noGrp="1"/>
-          </p:cNvSpPr>
-          <p:nvPr>
-            <p:ph type="sldNum" sz="quarter" idx="4"/>
-          </p:nvPr>
-        </p:nvSpPr>
-        <p:spPr/>
-        <p:txBody>
-          <a:bodyPr/>
-          <a:lstStyle/>
-          <a:p>
-            <a:fld id="{C05EE493-AD2E-4872-B2F6-8F12A747F0A5}" type="slidenum">
-              <a:rPr lang="de-DE" smtClean="0"/>
-              <a:pPr/>
-              <a:t>6</a:t>
-            </a:fld>
-            <a:endParaRPr lang="de-DE" dirty="0"/>
-          </a:p>
-        </p:txBody>
-      </p:sp>
-    </p:spTree>
-    <p:extLst>
-      <p:ext uri="{BB962C8B-B14F-4D97-AF65-F5344CB8AC3E}">
-        <p14:creationId xmlns:p14="http://schemas.microsoft.com/office/powerpoint/2010/main" val="3551557789"/>
-      </p:ext>
-    </p:extLst>
-  </p:cSld>
-  <p:clrMapOvr>
-    <a:masterClrMapping/>
-  </p:clrMapOvr>
-</p:sld>
-</file>
-
-<file path=ppt/slides/slide7.xml><?xml version="1.0" encoding="utf-8"?>
+<file path=ppt/slides/slide11.xml><?xml version="1.0" encoding="utf-8"?>
 <p:sld xmlns:a="http://schemas.openxmlformats.org/drawingml/2006/main" xmlns:r="http://schemas.openxmlformats.org/officeDocument/2006/relationships" xmlns:p="http://schemas.openxmlformats.org/presentationml/2006/main">
   <p:cSld>
     <p:spTree>
@@ -9014,6 +5790,5767 @@
     <p:extLst>
       <p:ext uri="{BB962C8B-B14F-4D97-AF65-F5344CB8AC3E}">
         <p14:creationId xmlns:p14="http://schemas.microsoft.com/office/powerpoint/2010/main" val="4121719656"/>
+      </p:ext>
+    </p:extLst>
+  </p:cSld>
+  <p:clrMapOvr>
+    <a:masterClrMapping/>
+  </p:clrMapOvr>
+</p:sld>
+</file>
+
+<file path=ppt/slides/slide2.xml><?xml version="1.0" encoding="utf-8"?>
+<p:sld xmlns:a="http://schemas.openxmlformats.org/drawingml/2006/main" xmlns:r="http://schemas.openxmlformats.org/officeDocument/2006/relationships" xmlns:p="http://schemas.openxmlformats.org/presentationml/2006/main">
+  <p:cSld>
+    <p:spTree>
+      <p:nvGrpSpPr>
+        <p:cNvPr id="1" name=""/>
+        <p:cNvGrpSpPr/>
+        <p:nvPr/>
+      </p:nvGrpSpPr>
+      <p:grpSpPr>
+        <a:xfrm>
+          <a:off x="0" y="0"/>
+          <a:ext cx="0" cy="0"/>
+          <a:chOff x="0" y="0"/>
+          <a:chExt cx="0" cy="0"/>
+        </a:xfrm>
+      </p:grpSpPr>
+      <p:sp>
+        <p:nvSpPr>
+          <p:cNvPr id="2" name="Titel 1"/>
+          <p:cNvSpPr>
+            <a:spLocks noGrp="1"/>
+          </p:cNvSpPr>
+          <p:nvPr>
+            <p:ph type="title"/>
+          </p:nvPr>
+        </p:nvSpPr>
+        <p:spPr>
+          <a:xfrm>
+            <a:off x="323850" y="339349"/>
+            <a:ext cx="6335713" cy="792088"/>
+          </a:xfrm>
+        </p:spPr>
+        <p:txBody>
+          <a:bodyPr/>
+          <a:lstStyle/>
+          <a:p>
+            <a:r>
+              <a:rPr lang="de-DE" dirty="0"/>
+              <a:t>Disclaimer!!</a:t>
+            </a:r>
+          </a:p>
+        </p:txBody>
+      </p:sp>
+      <p:sp>
+        <p:nvSpPr>
+          <p:cNvPr id="3" name="Inhaltsplatzhalter 2"/>
+          <p:cNvSpPr>
+            <a:spLocks noGrp="1"/>
+          </p:cNvSpPr>
+          <p:nvPr>
+            <p:ph idx="1"/>
+          </p:nvPr>
+        </p:nvSpPr>
+        <p:spPr>
+          <a:xfrm>
+            <a:off x="323850" y="1988840"/>
+            <a:ext cx="7488510" cy="4103985"/>
+          </a:xfrm>
+        </p:spPr>
+        <p:txBody>
+          <a:bodyPr/>
+          <a:lstStyle/>
+          <a:p>
+            <a:pPr marL="298450" marR="5080" indent="-285750">
+              <a:lnSpc>
+                <a:spcPct val="102600"/>
+              </a:lnSpc>
+              <a:spcBef>
+                <a:spcPts val="55"/>
+              </a:spcBef>
+              <a:buFont typeface="Arial" panose="020B0604020202020204" pitchFamily="34" charset="0"/>
+              <a:buChar char="•"/>
+            </a:pPr>
+            <a:r>
+              <a:rPr lang="en-US" sz="1800" b="0" spc="-10" dirty="0">
+                <a:solidFill>
+                  <a:schemeClr val="tx1"/>
+                </a:solidFill>
+                <a:cs typeface="LM Sans 10"/>
+              </a:rPr>
+              <a:t>The </a:t>
+            </a:r>
+            <a:r>
+              <a:rPr lang="en-US" sz="1800" b="0" spc="-5" dirty="0">
+                <a:solidFill>
+                  <a:schemeClr val="tx1"/>
+                </a:solidFill>
+                <a:cs typeface="LM Sans 10"/>
+              </a:rPr>
+              <a:t>content of the slides </a:t>
+            </a:r>
+            <a:r>
+              <a:rPr lang="en-US" sz="1800" b="0" spc="-10" dirty="0">
+                <a:solidFill>
+                  <a:schemeClr val="tx1"/>
+                </a:solidFill>
+                <a:cs typeface="LM Sans 10"/>
+              </a:rPr>
+              <a:t>partly </a:t>
+            </a:r>
+            <a:r>
+              <a:rPr lang="en-US" sz="1800" b="0" spc="-5" dirty="0">
+                <a:solidFill>
+                  <a:schemeClr val="tx1"/>
+                </a:solidFill>
+                <a:cs typeface="LM Sans 10"/>
+              </a:rPr>
+              <a:t>relies on material of Philipp  Prinz, Philipp Scherer and Jens </a:t>
+            </a:r>
+            <a:r>
+              <a:rPr lang="en-US" sz="1800" b="0" spc="-5" dirty="0" err="1">
+                <a:solidFill>
+                  <a:schemeClr val="tx1"/>
+                </a:solidFill>
+                <a:cs typeface="LM Sans 10"/>
+              </a:rPr>
+              <a:t>Wiederspohn</a:t>
+            </a:r>
+            <a:r>
+              <a:rPr lang="en-US" sz="1800" b="0" spc="-5" dirty="0">
+                <a:solidFill>
+                  <a:schemeClr val="tx1"/>
+                </a:solidFill>
+                <a:cs typeface="LM Sans 10"/>
+              </a:rPr>
+              <a:t>, </a:t>
+            </a:r>
+            <a:r>
+              <a:rPr lang="en-US" sz="1800" b="0" spc="-15" dirty="0">
+                <a:solidFill>
+                  <a:schemeClr val="tx1"/>
+                </a:solidFill>
+                <a:cs typeface="LM Sans 10"/>
+              </a:rPr>
+              <a:t>former </a:t>
+            </a:r>
+            <a:r>
+              <a:rPr lang="en-US" sz="1800" b="0" spc="-5" dirty="0">
+                <a:solidFill>
+                  <a:schemeClr val="tx1"/>
+                </a:solidFill>
+                <a:cs typeface="LM Sans 10"/>
+              </a:rPr>
+              <a:t>Statistics </a:t>
+            </a:r>
+            <a:r>
+              <a:rPr lang="en-US" sz="1800" b="0" spc="-10" dirty="0">
+                <a:solidFill>
+                  <a:schemeClr val="tx1"/>
+                </a:solidFill>
+                <a:cs typeface="LM Sans 10"/>
+              </a:rPr>
+              <a:t>tutors. </a:t>
+            </a:r>
+            <a:r>
+              <a:rPr lang="en-US" sz="1800" b="0" spc="-15" dirty="0">
+                <a:solidFill>
+                  <a:schemeClr val="tx1"/>
+                </a:solidFill>
+                <a:cs typeface="LM Sans 10"/>
+              </a:rPr>
+              <a:t>Like </a:t>
+            </a:r>
+            <a:r>
+              <a:rPr lang="en-US" sz="1800" b="0" spc="-5" dirty="0">
+                <a:solidFill>
+                  <a:schemeClr val="tx1"/>
+                </a:solidFill>
+                <a:cs typeface="LM Sans 10"/>
+              </a:rPr>
+              <a:t>us, they are students. </a:t>
+            </a:r>
+            <a:r>
+              <a:rPr lang="en-US" sz="1800" b="0" spc="-10" dirty="0">
+                <a:solidFill>
+                  <a:schemeClr val="tx1"/>
+                </a:solidFill>
+                <a:cs typeface="LM Sans 10"/>
+              </a:rPr>
+              <a:t>Therefore, </a:t>
+            </a:r>
+            <a:r>
+              <a:rPr lang="en-US" sz="1800" b="0" spc="-25" dirty="0">
+                <a:solidFill>
+                  <a:schemeClr val="tx1"/>
+                </a:solidFill>
+                <a:cs typeface="LM Sans 10"/>
+              </a:rPr>
+              <a:t>we </a:t>
+            </a:r>
+            <a:r>
+              <a:rPr lang="en-US" sz="1800" b="0" spc="-10" dirty="0">
+                <a:solidFill>
+                  <a:schemeClr val="tx1"/>
+                </a:solidFill>
+                <a:cs typeface="LM Sans 10"/>
+              </a:rPr>
+              <a:t>provide </a:t>
+            </a:r>
+            <a:r>
+              <a:rPr lang="en-US" sz="1800" b="0" spc="-5" dirty="0">
+                <a:solidFill>
+                  <a:schemeClr val="tx1"/>
+                </a:solidFill>
+                <a:cs typeface="LM Sans 10"/>
+              </a:rPr>
+              <a:t>no </a:t>
+            </a:r>
+            <a:r>
+              <a:rPr lang="en-US" sz="1800" b="0" spc="-10" dirty="0">
+                <a:solidFill>
+                  <a:schemeClr val="tx1"/>
+                </a:solidFill>
+                <a:cs typeface="LM Sans 10"/>
+              </a:rPr>
+              <a:t>guarantee </a:t>
+            </a:r>
+            <a:r>
+              <a:rPr lang="en-US" sz="1800" b="0" spc="-20" dirty="0">
+                <a:solidFill>
+                  <a:schemeClr val="tx1"/>
+                </a:solidFill>
+                <a:cs typeface="LM Sans 10"/>
+              </a:rPr>
+              <a:t>for </a:t>
+            </a:r>
+            <a:r>
+              <a:rPr lang="en-US" sz="1800" b="0" spc="-5" dirty="0">
+                <a:solidFill>
+                  <a:schemeClr val="tx1"/>
+                </a:solidFill>
+                <a:cs typeface="LM Sans 10"/>
+              </a:rPr>
+              <a:t>the content of the slides  </a:t>
+            </a:r>
+            <a:r>
+              <a:rPr lang="en-US" sz="1800" b="0" spc="-25" dirty="0">
+                <a:solidFill>
+                  <a:schemeClr val="tx1"/>
+                </a:solidFill>
+                <a:cs typeface="LM Sans 10"/>
+              </a:rPr>
+              <a:t>or </a:t>
+            </a:r>
+            <a:r>
+              <a:rPr lang="en-US" sz="1800" b="0" spc="-5" dirty="0">
+                <a:solidFill>
+                  <a:schemeClr val="tx1"/>
+                </a:solidFill>
+                <a:cs typeface="LM Sans 10"/>
+              </a:rPr>
+              <a:t>other </a:t>
+            </a:r>
+            <a:r>
+              <a:rPr lang="en-US" sz="1800" b="0" spc="-10" dirty="0">
+                <a:solidFill>
+                  <a:schemeClr val="tx1"/>
+                </a:solidFill>
+                <a:cs typeface="LM Sans 10"/>
+              </a:rPr>
+              <a:t>data/information </a:t>
+            </a:r>
+            <a:r>
+              <a:rPr lang="en-US" sz="1800" b="0" spc="-5" dirty="0">
+                <a:solidFill>
+                  <a:schemeClr val="tx1"/>
+                </a:solidFill>
+                <a:cs typeface="LM Sans 10"/>
+              </a:rPr>
+              <a:t>of the</a:t>
+            </a:r>
+            <a:r>
+              <a:rPr lang="en-US" sz="1800" b="0" spc="15" dirty="0">
+                <a:solidFill>
+                  <a:schemeClr val="tx1"/>
+                </a:solidFill>
+                <a:cs typeface="LM Sans 10"/>
+              </a:rPr>
+              <a:t> </a:t>
+            </a:r>
+            <a:r>
+              <a:rPr lang="en-US" sz="1800" b="0" spc="-10" dirty="0">
+                <a:solidFill>
+                  <a:schemeClr val="tx1"/>
+                </a:solidFill>
+                <a:cs typeface="LM Sans 10"/>
+              </a:rPr>
+              <a:t>tutorial.</a:t>
+            </a:r>
+            <a:endParaRPr lang="en-US" sz="1800" b="0" dirty="0">
+              <a:solidFill>
+                <a:schemeClr val="tx1"/>
+              </a:solidFill>
+              <a:cs typeface="LM Sans 10"/>
+            </a:endParaRPr>
+          </a:p>
+          <a:p>
+            <a:pPr marL="298450" marR="225425" indent="-285750">
+              <a:lnSpc>
+                <a:spcPct val="102600"/>
+              </a:lnSpc>
+              <a:spcBef>
+                <a:spcPts val="800"/>
+              </a:spcBef>
+              <a:buFont typeface="Arial" panose="020B0604020202020204" pitchFamily="34" charset="0"/>
+              <a:buChar char="•"/>
+            </a:pPr>
+            <a:r>
+              <a:rPr lang="en-US" sz="1800" b="0" spc="-5" dirty="0">
+                <a:solidFill>
+                  <a:schemeClr val="tx1"/>
+                </a:solidFill>
+                <a:cs typeface="LM Sans 10"/>
+              </a:rPr>
+              <a:t>Please note that the </a:t>
+            </a:r>
+            <a:r>
+              <a:rPr lang="en-US" sz="1800" b="0" spc="-10" dirty="0">
+                <a:solidFill>
+                  <a:schemeClr val="tx1"/>
+                </a:solidFill>
+                <a:cs typeface="LM Sans 10"/>
+              </a:rPr>
+              <a:t>slides </a:t>
+            </a:r>
+            <a:r>
+              <a:rPr lang="en-US" sz="1800" b="0" spc="-5" dirty="0">
+                <a:solidFill>
+                  <a:schemeClr val="tx1"/>
+                </a:solidFill>
+                <a:cs typeface="LM Sans 10"/>
+              </a:rPr>
+              <a:t>will not cover the entire lecture  content. </a:t>
+            </a:r>
+            <a:r>
+              <a:rPr lang="en-US" sz="1800" b="0" spc="-60" dirty="0">
+                <a:solidFill>
+                  <a:schemeClr val="tx1"/>
+                </a:solidFill>
+                <a:cs typeface="LM Sans 10"/>
+              </a:rPr>
+              <a:t>To </a:t>
+            </a:r>
+            <a:r>
+              <a:rPr lang="en-US" sz="1800" b="0" spc="-5" dirty="0">
+                <a:solidFill>
+                  <a:schemeClr val="tx1"/>
+                </a:solidFill>
+                <a:cs typeface="LM Sans 10"/>
+              </a:rPr>
+              <a:t>pass </a:t>
+            </a:r>
+            <a:r>
+              <a:rPr lang="en-US" sz="1800" b="0" spc="-10" dirty="0">
+                <a:solidFill>
+                  <a:schemeClr val="tx1"/>
+                </a:solidFill>
+                <a:cs typeface="LM Sans 10"/>
+              </a:rPr>
+              <a:t>the exam, </a:t>
+            </a:r>
+            <a:r>
+              <a:rPr lang="en-US" sz="1800" b="0" spc="-5" dirty="0">
+                <a:solidFill>
+                  <a:schemeClr val="tx1"/>
+                </a:solidFill>
+                <a:cs typeface="LM Sans 10"/>
+              </a:rPr>
+              <a:t>it is still absolutely </a:t>
+            </a:r>
+            <a:r>
+              <a:rPr lang="en-US" sz="1800" b="0" spc="-10" dirty="0">
+                <a:solidFill>
+                  <a:schemeClr val="tx1"/>
+                </a:solidFill>
+                <a:cs typeface="LM Sans 10"/>
+              </a:rPr>
+              <a:t>necessary </a:t>
+            </a:r>
+            <a:r>
+              <a:rPr lang="en-US" sz="1800" b="0" spc="-5" dirty="0">
+                <a:solidFill>
+                  <a:schemeClr val="tx1"/>
+                </a:solidFill>
+                <a:cs typeface="LM Sans 10"/>
+              </a:rPr>
+              <a:t>to  deal with the </a:t>
+            </a:r>
+            <a:r>
+              <a:rPr lang="en-US" sz="1800" b="0" spc="-10" dirty="0">
+                <a:solidFill>
+                  <a:schemeClr val="tx1"/>
+                </a:solidFill>
+                <a:cs typeface="LM Sans 10"/>
+              </a:rPr>
+              <a:t>Wooldridge </a:t>
+            </a:r>
+            <a:r>
+              <a:rPr lang="en-US" sz="1800" b="0" spc="-5" dirty="0">
+                <a:solidFill>
+                  <a:schemeClr val="tx1"/>
+                </a:solidFill>
+                <a:cs typeface="LM Sans 10"/>
+              </a:rPr>
+              <a:t>in</a:t>
+            </a:r>
+            <a:r>
+              <a:rPr lang="en-US" sz="1800" b="0" spc="-10" dirty="0">
+                <a:solidFill>
+                  <a:schemeClr val="tx1"/>
+                </a:solidFill>
+                <a:cs typeface="LM Sans 10"/>
+              </a:rPr>
+              <a:t> </a:t>
+            </a:r>
+            <a:r>
+              <a:rPr lang="en-US" sz="1800" b="0" spc="-5" dirty="0">
+                <a:solidFill>
+                  <a:schemeClr val="tx1"/>
+                </a:solidFill>
+                <a:cs typeface="LM Sans 10"/>
+              </a:rPr>
+              <a:t>detail!</a:t>
+            </a:r>
+            <a:endParaRPr lang="en-US" sz="1800" b="0" dirty="0">
+              <a:solidFill>
+                <a:schemeClr val="tx1"/>
+              </a:solidFill>
+              <a:cs typeface="LM Sans 10"/>
+            </a:endParaRPr>
+          </a:p>
+          <a:p>
+            <a:pPr marL="342900" indent="-342900">
+              <a:buFont typeface="+mj-lt"/>
+              <a:buAutoNum type="arabicPeriod"/>
+            </a:pPr>
+            <a:endParaRPr lang="de-DE" dirty="0"/>
+          </a:p>
+          <a:p>
+            <a:endParaRPr lang="de-DE" dirty="0"/>
+          </a:p>
+        </p:txBody>
+      </p:sp>
+      <p:sp>
+        <p:nvSpPr>
+          <p:cNvPr id="4" name="Datumsplatzhalter 3"/>
+          <p:cNvSpPr>
+            <a:spLocks noGrp="1"/>
+          </p:cNvSpPr>
+          <p:nvPr>
+            <p:ph type="dt" sz="half" idx="2"/>
+          </p:nvPr>
+        </p:nvSpPr>
+        <p:spPr/>
+        <p:txBody>
+          <a:bodyPr/>
+          <a:lstStyle/>
+          <a:p>
+            <a:r>
+              <a:rPr lang="de-DE" dirty="0"/>
+              <a:t>21.04.2021</a:t>
+            </a:r>
+          </a:p>
+        </p:txBody>
+      </p:sp>
+      <p:sp>
+        <p:nvSpPr>
+          <p:cNvPr id="5" name="Fußzeilenplatzhalter 4"/>
+          <p:cNvSpPr>
+            <a:spLocks noGrp="1"/>
+          </p:cNvSpPr>
+          <p:nvPr>
+            <p:ph type="ftr" sz="quarter" idx="3"/>
+          </p:nvPr>
+        </p:nvSpPr>
+        <p:spPr/>
+        <p:txBody>
+          <a:bodyPr/>
+          <a:lstStyle/>
+          <a:p>
+            <a:r>
+              <a:rPr lang="de-DE" dirty="0"/>
+              <a:t>Tutorial: </a:t>
+            </a:r>
+            <a:r>
+              <a:rPr lang="de-DE" dirty="0" err="1"/>
+              <a:t>Statistics</a:t>
+            </a:r>
+            <a:endParaRPr lang="de-DE" dirty="0"/>
+          </a:p>
+        </p:txBody>
+      </p:sp>
+      <p:sp>
+        <p:nvSpPr>
+          <p:cNvPr id="6" name="Foliennummernplatzhalter 5"/>
+          <p:cNvSpPr>
+            <a:spLocks noGrp="1"/>
+          </p:cNvSpPr>
+          <p:nvPr>
+            <p:ph type="sldNum" sz="quarter" idx="4"/>
+          </p:nvPr>
+        </p:nvSpPr>
+        <p:spPr/>
+        <p:txBody>
+          <a:bodyPr/>
+          <a:lstStyle/>
+          <a:p>
+            <a:fld id="{C05EE493-AD2E-4872-B2F6-8F12A747F0A5}" type="slidenum">
+              <a:rPr lang="de-DE" smtClean="0"/>
+              <a:pPr/>
+              <a:t>2</a:t>
+            </a:fld>
+            <a:endParaRPr lang="de-DE" dirty="0"/>
+          </a:p>
+        </p:txBody>
+      </p:sp>
+    </p:spTree>
+    <p:extLst>
+      <p:ext uri="{BB962C8B-B14F-4D97-AF65-F5344CB8AC3E}">
+        <p14:creationId xmlns:p14="http://schemas.microsoft.com/office/powerpoint/2010/main" val="3026823599"/>
+      </p:ext>
+    </p:extLst>
+  </p:cSld>
+  <p:clrMapOvr>
+    <a:masterClrMapping/>
+  </p:clrMapOvr>
+</p:sld>
+</file>
+
+<file path=ppt/slides/slide3.xml><?xml version="1.0" encoding="utf-8"?>
+<p:sld xmlns:a="http://schemas.openxmlformats.org/drawingml/2006/main" xmlns:r="http://schemas.openxmlformats.org/officeDocument/2006/relationships" xmlns:p="http://schemas.openxmlformats.org/presentationml/2006/main">
+  <p:cSld>
+    <p:spTree>
+      <p:nvGrpSpPr>
+        <p:cNvPr id="1" name=""/>
+        <p:cNvGrpSpPr/>
+        <p:nvPr/>
+      </p:nvGrpSpPr>
+      <p:grpSpPr>
+        <a:xfrm>
+          <a:off x="0" y="0"/>
+          <a:ext cx="0" cy="0"/>
+          <a:chOff x="0" y="0"/>
+          <a:chExt cx="0" cy="0"/>
+        </a:xfrm>
+      </p:grpSpPr>
+      <p:sp>
+        <p:nvSpPr>
+          <p:cNvPr id="2" name="Titel 1"/>
+          <p:cNvSpPr>
+            <a:spLocks noGrp="1"/>
+          </p:cNvSpPr>
+          <p:nvPr>
+            <p:ph type="title"/>
+          </p:nvPr>
+        </p:nvSpPr>
+        <p:spPr/>
+        <p:txBody>
+          <a:bodyPr/>
+          <a:lstStyle/>
+          <a:p>
+            <a:r>
+              <a:rPr lang="de-DE" dirty="0" err="1"/>
+              <a:t>Econometrics</a:t>
+            </a:r>
+            <a:r>
+              <a:rPr lang="de-DE" dirty="0"/>
+              <a:t> in General</a:t>
+            </a:r>
+          </a:p>
+        </p:txBody>
+      </p:sp>
+      <p:sp>
+        <p:nvSpPr>
+          <p:cNvPr id="3" name="Inhaltsplatzhalter 2"/>
+          <p:cNvSpPr>
+            <a:spLocks noGrp="1"/>
+          </p:cNvSpPr>
+          <p:nvPr>
+            <p:ph idx="1"/>
+          </p:nvPr>
+        </p:nvSpPr>
+        <p:spPr>
+          <a:xfrm>
+            <a:off x="323850" y="1988840"/>
+            <a:ext cx="7488510" cy="4103985"/>
+          </a:xfrm>
+        </p:spPr>
+        <p:txBody>
+          <a:bodyPr/>
+          <a:lstStyle/>
+          <a:p>
+            <a:pPr marL="12700">
+              <a:lnSpc>
+                <a:spcPct val="100000"/>
+              </a:lnSpc>
+              <a:spcBef>
+                <a:spcPts val="90"/>
+              </a:spcBef>
+            </a:pPr>
+            <a:r>
+              <a:rPr lang="en-US" sz="1800" spc="-10" dirty="0">
+                <a:cs typeface="LM Sans 10"/>
+              </a:rPr>
+              <a:t>What </a:t>
+            </a:r>
+            <a:r>
+              <a:rPr lang="en-US" sz="1800" spc="-5" dirty="0">
+                <a:cs typeface="LM Sans 10"/>
+              </a:rPr>
+              <a:t>is econometrics all</a:t>
+            </a:r>
+            <a:r>
+              <a:rPr lang="en-US" sz="1800" spc="-10" dirty="0">
+                <a:cs typeface="LM Sans 10"/>
+              </a:rPr>
+              <a:t> </a:t>
+            </a:r>
+            <a:r>
+              <a:rPr lang="en-US" sz="1800" dirty="0">
+                <a:cs typeface="LM Sans 10"/>
+              </a:rPr>
+              <a:t>about?</a:t>
+            </a:r>
+          </a:p>
+          <a:p>
+            <a:pPr marL="575310" marR="5080" indent="-285750">
+              <a:lnSpc>
+                <a:spcPct val="113199"/>
+              </a:lnSpc>
+              <a:spcBef>
+                <a:spcPts val="655"/>
+              </a:spcBef>
+              <a:buFont typeface="Arial" panose="020B0604020202020204" pitchFamily="34" charset="0"/>
+              <a:buChar char="•"/>
+            </a:pPr>
+            <a:r>
+              <a:rPr lang="en-US" sz="1800" b="0" spc="-5" dirty="0">
+                <a:solidFill>
+                  <a:schemeClr val="tx1"/>
+                </a:solidFill>
+                <a:cs typeface="LM Sans 10"/>
+              </a:rPr>
+              <a:t>Econometrics </a:t>
+            </a:r>
+            <a:r>
+              <a:rPr lang="en-US" sz="1800" b="0" spc="-10" dirty="0">
+                <a:solidFill>
+                  <a:schemeClr val="tx1"/>
+                </a:solidFill>
+                <a:cs typeface="LM Sans 10"/>
+              </a:rPr>
+              <a:t>= </a:t>
+            </a:r>
+            <a:r>
+              <a:rPr lang="en-US" sz="1800" b="0" spc="-5" dirty="0">
+                <a:solidFill>
+                  <a:schemeClr val="tx1"/>
+                </a:solidFill>
+                <a:cs typeface="LM Sans 10"/>
+              </a:rPr>
+              <a:t>statistics </a:t>
+            </a:r>
+            <a:r>
+              <a:rPr lang="en-US" sz="1800" b="0" spc="-15" dirty="0">
+                <a:solidFill>
+                  <a:schemeClr val="tx1"/>
+                </a:solidFill>
+                <a:cs typeface="LM Sans 10"/>
+              </a:rPr>
+              <a:t>for </a:t>
+            </a:r>
+            <a:r>
+              <a:rPr lang="en-US" sz="1800" b="0" spc="-5" dirty="0">
+                <a:solidFill>
+                  <a:schemeClr val="tx1"/>
+                </a:solidFill>
+                <a:cs typeface="LM Sans 10"/>
+              </a:rPr>
+              <a:t>economists </a:t>
+            </a:r>
+            <a:r>
+              <a:rPr lang="en-US" sz="1800" b="0" spc="-10" dirty="0">
+                <a:solidFill>
+                  <a:schemeClr val="tx1"/>
+                </a:solidFill>
+                <a:cs typeface="LM Sans 10"/>
+              </a:rPr>
+              <a:t>(and </a:t>
+            </a:r>
+            <a:r>
+              <a:rPr lang="en-US" sz="1800" b="0" spc="-5" dirty="0">
+                <a:solidFill>
+                  <a:schemeClr val="tx1"/>
+                </a:solidFill>
+                <a:cs typeface="LM Sans 10"/>
+              </a:rPr>
+              <a:t>politicians)</a:t>
+            </a:r>
+          </a:p>
+          <a:p>
+            <a:pPr marL="575310" marR="5080" indent="-285750">
+              <a:lnSpc>
+                <a:spcPct val="113199"/>
+              </a:lnSpc>
+              <a:spcBef>
+                <a:spcPts val="655"/>
+              </a:spcBef>
+              <a:buFont typeface="Arial" panose="020B0604020202020204" pitchFamily="34" charset="0"/>
+              <a:buChar char="•"/>
+            </a:pPr>
+            <a:r>
+              <a:rPr lang="en-US" sz="1800" b="0" spc="-5" dirty="0">
+                <a:solidFill>
+                  <a:schemeClr val="tx1"/>
+                </a:solidFill>
+                <a:cs typeface="LM Sans 10"/>
+              </a:rPr>
+              <a:t>Mathematical </a:t>
+            </a:r>
+            <a:r>
+              <a:rPr lang="en-US" sz="1800" b="0" dirty="0">
+                <a:solidFill>
+                  <a:schemeClr val="tx1"/>
+                </a:solidFill>
+                <a:cs typeface="LM Sans 10"/>
+              </a:rPr>
+              <a:t>tools </a:t>
+            </a:r>
+            <a:r>
+              <a:rPr lang="en-US" sz="1800" b="0" spc="-10" dirty="0">
+                <a:solidFill>
+                  <a:schemeClr val="tx1"/>
+                </a:solidFill>
+                <a:cs typeface="LM Sans 10"/>
+              </a:rPr>
+              <a:t>(e.g. </a:t>
+            </a:r>
+            <a:r>
+              <a:rPr lang="en-US" sz="1800" b="0" spc="-5" dirty="0">
+                <a:solidFill>
+                  <a:schemeClr val="tx1"/>
+                </a:solidFill>
+                <a:cs typeface="LM Sans 10"/>
+              </a:rPr>
+              <a:t>regression) </a:t>
+            </a:r>
+            <a:r>
+              <a:rPr lang="en-US" sz="1800" b="0" spc="-15" dirty="0">
+                <a:solidFill>
+                  <a:schemeClr val="tx1"/>
+                </a:solidFill>
+                <a:cs typeface="LM Sans 10"/>
+              </a:rPr>
+              <a:t>for </a:t>
+            </a:r>
+            <a:r>
+              <a:rPr lang="en-US" sz="1800" b="0" spc="-5" dirty="0">
+                <a:solidFill>
+                  <a:schemeClr val="tx1"/>
+                </a:solidFill>
+                <a:cs typeface="LM Sans 10"/>
+              </a:rPr>
+              <a:t>economic</a:t>
+            </a:r>
+            <a:r>
+              <a:rPr lang="en-US" sz="1800" b="0" spc="85" dirty="0">
+                <a:solidFill>
+                  <a:schemeClr val="tx1"/>
+                </a:solidFill>
+                <a:cs typeface="LM Sans 10"/>
+              </a:rPr>
+              <a:t> </a:t>
+            </a:r>
+            <a:r>
+              <a:rPr lang="en-US" sz="1800" b="0" spc="-10" dirty="0">
+                <a:solidFill>
+                  <a:schemeClr val="tx1"/>
+                </a:solidFill>
+                <a:cs typeface="LM Sans 10"/>
+              </a:rPr>
+              <a:t>problems</a:t>
+            </a:r>
+            <a:endParaRPr lang="en-US" sz="1800" b="0" dirty="0">
+              <a:solidFill>
+                <a:schemeClr val="tx1"/>
+              </a:solidFill>
+              <a:cs typeface="LM Sans 10"/>
+            </a:endParaRPr>
+          </a:p>
+          <a:p>
+            <a:pPr marL="899310" marR="5080" lvl="2" indent="-285750">
+              <a:lnSpc>
+                <a:spcPct val="113199"/>
+              </a:lnSpc>
+              <a:spcBef>
+                <a:spcPts val="655"/>
+              </a:spcBef>
+              <a:buFont typeface="Arial" panose="020B0604020202020204" pitchFamily="34" charset="0"/>
+              <a:buChar char="•"/>
+            </a:pPr>
+            <a:r>
+              <a:rPr lang="en-US" sz="1800" b="0" spc="-10" dirty="0">
+                <a:solidFill>
+                  <a:schemeClr val="tx1"/>
+                </a:solidFill>
+                <a:cs typeface="LM Sans 10"/>
+              </a:rPr>
+              <a:t>Different </a:t>
+            </a:r>
+            <a:r>
+              <a:rPr lang="en-US" sz="1800" b="0" dirty="0">
+                <a:solidFill>
+                  <a:schemeClr val="tx1"/>
+                </a:solidFill>
+                <a:cs typeface="LM Sans 10"/>
+              </a:rPr>
+              <a:t>focus </a:t>
+            </a:r>
+            <a:r>
+              <a:rPr lang="en-US" sz="1800" b="0" spc="-5" dirty="0">
+                <a:solidFill>
+                  <a:schemeClr val="tx1"/>
+                </a:solidFill>
+                <a:cs typeface="LM Sans 10"/>
+              </a:rPr>
+              <a:t>and</a:t>
+            </a:r>
+            <a:r>
+              <a:rPr lang="en-US" sz="1800" b="0" dirty="0">
+                <a:solidFill>
+                  <a:schemeClr val="tx1"/>
+                </a:solidFill>
+                <a:cs typeface="LM Sans 10"/>
+              </a:rPr>
+              <a:t> </a:t>
+            </a:r>
+            <a:r>
+              <a:rPr lang="en-US" sz="1800" b="0" spc="-5" dirty="0">
+                <a:solidFill>
+                  <a:schemeClr val="tx1"/>
+                </a:solidFill>
+                <a:cs typeface="LM Sans 10"/>
+              </a:rPr>
+              <a:t>interpretation</a:t>
+            </a:r>
+            <a:endParaRPr lang="en-US" sz="1800" b="0" dirty="0">
+              <a:solidFill>
+                <a:schemeClr val="tx1"/>
+              </a:solidFill>
+              <a:cs typeface="LM Sans 10"/>
+            </a:endParaRPr>
+          </a:p>
+          <a:p>
+            <a:pPr marL="575310" indent="-285750">
+              <a:lnSpc>
+                <a:spcPct val="100000"/>
+              </a:lnSpc>
+              <a:spcBef>
+                <a:spcPts val="195"/>
+              </a:spcBef>
+              <a:buFont typeface="Arial" panose="020B0604020202020204" pitchFamily="34" charset="0"/>
+              <a:buChar char="•"/>
+            </a:pPr>
+            <a:r>
+              <a:rPr lang="en-US" sz="1800" b="0" spc="-5" dirty="0">
+                <a:solidFill>
+                  <a:schemeClr val="tx1"/>
+                </a:solidFill>
+                <a:cs typeface="LM Sans 10"/>
+              </a:rPr>
+              <a:t>Use of statistical methods </a:t>
+            </a:r>
+            <a:r>
+              <a:rPr lang="en-US" sz="1800" b="0" spc="-10" dirty="0">
+                <a:solidFill>
+                  <a:schemeClr val="tx1"/>
+                </a:solidFill>
+                <a:cs typeface="LM Sans 10"/>
+              </a:rPr>
+              <a:t>and </a:t>
+            </a:r>
+            <a:r>
+              <a:rPr lang="en-US" sz="1800" b="0" spc="-5" dirty="0">
+                <a:solidFill>
+                  <a:schemeClr val="tx1"/>
+                </a:solidFill>
+                <a:cs typeface="LM Sans 10"/>
+              </a:rPr>
+              <a:t>empirical data</a:t>
+            </a:r>
+            <a:r>
+              <a:rPr lang="en-US" sz="1800" b="0" spc="-15" dirty="0">
+                <a:solidFill>
+                  <a:schemeClr val="tx1"/>
+                </a:solidFill>
+                <a:cs typeface="LM Sans 10"/>
+              </a:rPr>
+              <a:t> </a:t>
+            </a:r>
+            <a:r>
+              <a:rPr lang="en-US" sz="1800" b="0" spc="-5" dirty="0">
+                <a:solidFill>
+                  <a:schemeClr val="tx1"/>
+                </a:solidFill>
+                <a:cs typeface="LM Sans 10"/>
+              </a:rPr>
+              <a:t>to...</a:t>
+            </a:r>
+            <a:endParaRPr lang="en-US" sz="1800" b="0" dirty="0">
+              <a:solidFill>
+                <a:schemeClr val="tx1"/>
+              </a:solidFill>
+              <a:cs typeface="LM Sans 10"/>
+            </a:endParaRPr>
+          </a:p>
+          <a:p>
+            <a:pPr marL="899310" lvl="2" indent="-285750">
+              <a:lnSpc>
+                <a:spcPct val="100000"/>
+              </a:lnSpc>
+              <a:spcBef>
+                <a:spcPts val="195"/>
+              </a:spcBef>
+              <a:buFont typeface="Arial" panose="020B0604020202020204" pitchFamily="34" charset="0"/>
+              <a:buChar char="•"/>
+            </a:pPr>
+            <a:r>
+              <a:rPr lang="en-US" sz="1800" b="0" spc="-5" dirty="0">
+                <a:solidFill>
+                  <a:schemeClr val="tx1"/>
+                </a:solidFill>
+                <a:cs typeface="LM Sans 10"/>
+              </a:rPr>
+              <a:t>estimate (economic) relationships</a:t>
+            </a:r>
+          </a:p>
+          <a:p>
+            <a:pPr marL="899310" lvl="2" indent="-285750">
+              <a:lnSpc>
+                <a:spcPct val="100000"/>
+              </a:lnSpc>
+              <a:spcBef>
+                <a:spcPts val="195"/>
+              </a:spcBef>
+              <a:buFont typeface="Arial" panose="020B0604020202020204" pitchFamily="34" charset="0"/>
+              <a:buChar char="•"/>
+            </a:pPr>
+            <a:r>
+              <a:rPr lang="en-US" sz="1800" b="0" spc="-5" dirty="0">
+                <a:solidFill>
+                  <a:schemeClr val="tx1"/>
+                </a:solidFill>
+                <a:cs typeface="LM Sans 10"/>
+              </a:rPr>
+              <a:t>test</a:t>
+            </a:r>
+            <a:r>
+              <a:rPr lang="en-US" sz="1800" b="0" spc="-10" dirty="0">
+                <a:solidFill>
+                  <a:schemeClr val="tx1"/>
+                </a:solidFill>
+                <a:cs typeface="LM Sans 10"/>
+              </a:rPr>
+              <a:t> theories</a:t>
+            </a:r>
+            <a:endParaRPr lang="en-US" sz="1800" dirty="0">
+              <a:cs typeface="LM Sans 10"/>
+            </a:endParaRPr>
+          </a:p>
+          <a:p>
+            <a:pPr marL="899310" lvl="2" indent="-285750">
+              <a:lnSpc>
+                <a:spcPct val="100000"/>
+              </a:lnSpc>
+              <a:spcBef>
+                <a:spcPts val="195"/>
+              </a:spcBef>
+              <a:buFont typeface="Arial" panose="020B0604020202020204" pitchFamily="34" charset="0"/>
+              <a:buChar char="•"/>
+            </a:pPr>
+            <a:r>
+              <a:rPr lang="en-US" sz="1800" b="0" spc="-5" dirty="0">
+                <a:solidFill>
+                  <a:schemeClr val="tx1"/>
+                </a:solidFill>
+                <a:cs typeface="LM Sans 10"/>
+              </a:rPr>
+              <a:t>evaluate </a:t>
+            </a:r>
+            <a:r>
+              <a:rPr lang="en-US" sz="1800" b="0" dirty="0">
+                <a:solidFill>
+                  <a:schemeClr val="tx1"/>
+                </a:solidFill>
+                <a:cs typeface="LM Sans 10"/>
+              </a:rPr>
+              <a:t>policies</a:t>
+            </a:r>
+          </a:p>
+          <a:p>
+            <a:pPr marL="899310" lvl="2" indent="-285750">
+              <a:lnSpc>
+                <a:spcPct val="100000"/>
+              </a:lnSpc>
+              <a:spcBef>
+                <a:spcPts val="195"/>
+              </a:spcBef>
+              <a:buFont typeface="Arial" panose="020B0604020202020204" pitchFamily="34" charset="0"/>
+              <a:buChar char="•"/>
+            </a:pPr>
+            <a:r>
+              <a:rPr lang="en-US" sz="1800" b="0" spc="-10" dirty="0">
+                <a:solidFill>
+                  <a:schemeClr val="tx1"/>
+                </a:solidFill>
+                <a:cs typeface="LM Sans 10"/>
+              </a:rPr>
+              <a:t>forecast</a:t>
+            </a:r>
+            <a:r>
+              <a:rPr lang="en-US" sz="1800" b="0" spc="-25" dirty="0">
+                <a:solidFill>
+                  <a:schemeClr val="tx1"/>
+                </a:solidFill>
+                <a:cs typeface="LM Sans 10"/>
+              </a:rPr>
+              <a:t> </a:t>
+            </a:r>
+            <a:r>
+              <a:rPr lang="en-US" sz="1800" b="0" spc="-10" dirty="0">
+                <a:solidFill>
+                  <a:schemeClr val="tx1"/>
+                </a:solidFill>
+                <a:cs typeface="LM Sans 10"/>
+              </a:rPr>
+              <a:t>variables</a:t>
+            </a:r>
+            <a:endParaRPr lang="en-US" sz="1800" b="0" dirty="0">
+              <a:solidFill>
+                <a:schemeClr val="tx1"/>
+              </a:solidFill>
+              <a:cs typeface="LM Sans 10"/>
+            </a:endParaRPr>
+          </a:p>
+          <a:p>
+            <a:pPr marL="342900" indent="-342900">
+              <a:buFont typeface="+mj-lt"/>
+              <a:buAutoNum type="arabicPeriod"/>
+            </a:pPr>
+            <a:endParaRPr lang="de-DE" dirty="0"/>
+          </a:p>
+          <a:p>
+            <a:endParaRPr lang="de-DE" dirty="0"/>
+          </a:p>
+        </p:txBody>
+      </p:sp>
+      <p:sp>
+        <p:nvSpPr>
+          <p:cNvPr id="4" name="Datumsplatzhalter 3"/>
+          <p:cNvSpPr>
+            <a:spLocks noGrp="1"/>
+          </p:cNvSpPr>
+          <p:nvPr>
+            <p:ph type="dt" sz="half" idx="2"/>
+          </p:nvPr>
+        </p:nvSpPr>
+        <p:spPr/>
+        <p:txBody>
+          <a:bodyPr/>
+          <a:lstStyle/>
+          <a:p>
+            <a:r>
+              <a:rPr lang="de-DE" dirty="0"/>
+              <a:t>121.04.2021</a:t>
+            </a:r>
+          </a:p>
+        </p:txBody>
+      </p:sp>
+      <p:sp>
+        <p:nvSpPr>
+          <p:cNvPr id="5" name="Fußzeilenplatzhalter 4"/>
+          <p:cNvSpPr>
+            <a:spLocks noGrp="1"/>
+          </p:cNvSpPr>
+          <p:nvPr>
+            <p:ph type="ftr" sz="quarter" idx="3"/>
+          </p:nvPr>
+        </p:nvSpPr>
+        <p:spPr/>
+        <p:txBody>
+          <a:bodyPr/>
+          <a:lstStyle/>
+          <a:p>
+            <a:r>
+              <a:rPr lang="de-DE" dirty="0"/>
+              <a:t>Tutorial: </a:t>
+            </a:r>
+            <a:r>
+              <a:rPr lang="de-DE" dirty="0" err="1"/>
+              <a:t>Statistics</a:t>
+            </a:r>
+            <a:endParaRPr lang="de-DE" dirty="0"/>
+          </a:p>
+        </p:txBody>
+      </p:sp>
+      <p:sp>
+        <p:nvSpPr>
+          <p:cNvPr id="6" name="Foliennummernplatzhalter 5"/>
+          <p:cNvSpPr>
+            <a:spLocks noGrp="1"/>
+          </p:cNvSpPr>
+          <p:nvPr>
+            <p:ph type="sldNum" sz="quarter" idx="4"/>
+          </p:nvPr>
+        </p:nvSpPr>
+        <p:spPr/>
+        <p:txBody>
+          <a:bodyPr/>
+          <a:lstStyle/>
+          <a:p>
+            <a:fld id="{C05EE493-AD2E-4872-B2F6-8F12A747F0A5}" type="slidenum">
+              <a:rPr lang="de-DE" smtClean="0"/>
+              <a:pPr/>
+              <a:t>3</a:t>
+            </a:fld>
+            <a:endParaRPr lang="de-DE" dirty="0"/>
+          </a:p>
+        </p:txBody>
+      </p:sp>
+    </p:spTree>
+    <p:extLst>
+      <p:ext uri="{BB962C8B-B14F-4D97-AF65-F5344CB8AC3E}">
+        <p14:creationId xmlns:p14="http://schemas.microsoft.com/office/powerpoint/2010/main" val="2223094994"/>
+      </p:ext>
+    </p:extLst>
+  </p:cSld>
+  <p:clrMapOvr>
+    <a:masterClrMapping/>
+  </p:clrMapOvr>
+</p:sld>
+</file>
+
+<file path=ppt/slides/slide4.xml><?xml version="1.0" encoding="utf-8"?>
+<p:sld xmlns:a="http://schemas.openxmlformats.org/drawingml/2006/main" xmlns:r="http://schemas.openxmlformats.org/officeDocument/2006/relationships" xmlns:p="http://schemas.openxmlformats.org/presentationml/2006/main">
+  <p:cSld>
+    <p:spTree>
+      <p:nvGrpSpPr>
+        <p:cNvPr id="1" name=""/>
+        <p:cNvGrpSpPr/>
+        <p:nvPr/>
+      </p:nvGrpSpPr>
+      <p:grpSpPr>
+        <a:xfrm>
+          <a:off x="0" y="0"/>
+          <a:ext cx="0" cy="0"/>
+          <a:chOff x="0" y="0"/>
+          <a:chExt cx="0" cy="0"/>
+        </a:xfrm>
+      </p:grpSpPr>
+      <p:sp>
+        <p:nvSpPr>
+          <p:cNvPr id="2" name="Titel 1"/>
+          <p:cNvSpPr>
+            <a:spLocks noGrp="1"/>
+          </p:cNvSpPr>
+          <p:nvPr>
+            <p:ph type="title"/>
+          </p:nvPr>
+        </p:nvSpPr>
+        <p:spPr/>
+        <p:txBody>
+          <a:bodyPr/>
+          <a:lstStyle/>
+          <a:p>
+            <a:r>
+              <a:rPr lang="de-DE" dirty="0" err="1"/>
+              <a:t>Econometrics</a:t>
+            </a:r>
+            <a:r>
+              <a:rPr lang="de-DE" dirty="0"/>
+              <a:t> in General</a:t>
+            </a:r>
+          </a:p>
+        </p:txBody>
+      </p:sp>
+      <p:sp>
+        <p:nvSpPr>
+          <p:cNvPr id="3" name="Inhaltsplatzhalter 2"/>
+          <p:cNvSpPr>
+            <a:spLocks noGrp="1"/>
+          </p:cNvSpPr>
+          <p:nvPr>
+            <p:ph idx="1"/>
+          </p:nvPr>
+        </p:nvSpPr>
+        <p:spPr>
+          <a:xfrm>
+            <a:off x="323850" y="1988840"/>
+            <a:ext cx="7200478" cy="4103985"/>
+          </a:xfrm>
+        </p:spPr>
+        <p:txBody>
+          <a:bodyPr/>
+          <a:lstStyle/>
+          <a:p>
+            <a:pPr marL="50800">
+              <a:lnSpc>
+                <a:spcPct val="100000"/>
+              </a:lnSpc>
+              <a:spcBef>
+                <a:spcPts val="775"/>
+              </a:spcBef>
+            </a:pPr>
+            <a:r>
+              <a:rPr lang="en-US" sz="1800" spc="-10" dirty="0">
+                <a:cs typeface="LM Sans 10"/>
+              </a:rPr>
+              <a:t>What </a:t>
+            </a:r>
+            <a:r>
+              <a:rPr lang="en-US" sz="1800" spc="-5" dirty="0">
+                <a:cs typeface="LM Sans 10"/>
+              </a:rPr>
+              <a:t>is an econometric </a:t>
+            </a:r>
+            <a:r>
+              <a:rPr lang="en-US" sz="1800" dirty="0">
+                <a:cs typeface="LM Sans 10"/>
+              </a:rPr>
+              <a:t>model </a:t>
+            </a:r>
+            <a:r>
+              <a:rPr lang="en-US" sz="1800" spc="-5" dirty="0">
+                <a:cs typeface="LM Sans 10"/>
+              </a:rPr>
+              <a:t>in</a:t>
+            </a:r>
+            <a:r>
+              <a:rPr lang="en-US" sz="1800" spc="-20" dirty="0">
+                <a:cs typeface="LM Sans 10"/>
+              </a:rPr>
+              <a:t> </a:t>
+            </a:r>
+            <a:r>
+              <a:rPr lang="en-US" sz="1800" spc="-5" dirty="0">
+                <a:cs typeface="LM Sans 10"/>
+              </a:rPr>
+              <a:t>general?</a:t>
+            </a:r>
+            <a:endParaRPr lang="en-US" sz="1800" dirty="0">
+              <a:cs typeface="LM Sans 10"/>
+            </a:endParaRPr>
+          </a:p>
+          <a:p>
+            <a:pPr marL="612775" marR="561975" indent="-285750">
+              <a:lnSpc>
+                <a:spcPct val="106400"/>
+              </a:lnSpc>
+              <a:spcBef>
+                <a:spcPts val="585"/>
+              </a:spcBef>
+              <a:buFont typeface="Arial" panose="020B0604020202020204" pitchFamily="34" charset="0"/>
+              <a:buChar char="•"/>
+            </a:pPr>
+            <a:r>
+              <a:rPr lang="en-US" sz="1800" b="0" spc="-5" dirty="0">
+                <a:solidFill>
+                  <a:schemeClr val="tx1"/>
+                </a:solidFill>
+                <a:cs typeface="LM Sans 10"/>
+              </a:rPr>
+              <a:t>Econometric models </a:t>
+            </a:r>
+            <a:r>
+              <a:rPr lang="en-US" sz="1800" b="0" spc="-15" dirty="0">
+                <a:solidFill>
+                  <a:schemeClr val="tx1"/>
+                </a:solidFill>
+                <a:cs typeface="LM Sans 10"/>
+              </a:rPr>
+              <a:t>are </a:t>
+            </a:r>
+            <a:r>
+              <a:rPr lang="en-US" sz="1800" b="0" spc="-10" dirty="0">
+                <a:solidFill>
+                  <a:schemeClr val="tx1"/>
+                </a:solidFill>
+                <a:cs typeface="LM Sans 10"/>
+              </a:rPr>
+              <a:t>formalized </a:t>
+            </a:r>
+            <a:r>
+              <a:rPr lang="en-US" sz="1800" b="0" spc="-5" dirty="0">
+                <a:solidFill>
+                  <a:schemeClr val="tx1"/>
+                </a:solidFill>
+                <a:cs typeface="LM Sans 10"/>
+              </a:rPr>
+              <a:t>economic </a:t>
+            </a:r>
+            <a:r>
+              <a:rPr lang="en-US" sz="1800" b="0" dirty="0">
+                <a:solidFill>
+                  <a:schemeClr val="tx1"/>
+                </a:solidFill>
+                <a:cs typeface="LM Sans 10"/>
+              </a:rPr>
+              <a:t>models</a:t>
+            </a:r>
+          </a:p>
+          <a:p>
+            <a:pPr marL="936775" marR="561975" lvl="2" indent="-285750">
+              <a:lnSpc>
+                <a:spcPct val="106400"/>
+              </a:lnSpc>
+              <a:spcBef>
+                <a:spcPts val="585"/>
+              </a:spcBef>
+              <a:buFont typeface="Arial" panose="020B0604020202020204" pitchFamily="34" charset="0"/>
+              <a:buChar char="•"/>
+            </a:pPr>
+            <a:r>
+              <a:rPr lang="en-US" sz="1800" b="0" spc="-15" dirty="0">
+                <a:solidFill>
+                  <a:schemeClr val="tx1"/>
+                </a:solidFill>
+                <a:cs typeface="LM Sans 10"/>
+              </a:rPr>
+              <a:t>How </a:t>
+            </a:r>
+            <a:r>
+              <a:rPr lang="en-US" sz="1800" b="0" dirty="0">
+                <a:solidFill>
+                  <a:schemeClr val="tx1"/>
+                </a:solidFill>
+                <a:cs typeface="LM Sans 10"/>
+              </a:rPr>
+              <a:t>does </a:t>
+            </a:r>
+            <a:r>
+              <a:rPr lang="en-US" sz="1800" b="0" spc="-5" dirty="0">
+                <a:solidFill>
+                  <a:schemeClr val="tx1"/>
+                </a:solidFill>
+                <a:cs typeface="LM Sans 10"/>
+              </a:rPr>
+              <a:t>demand change if the </a:t>
+            </a:r>
+            <a:r>
+              <a:rPr lang="en-US" sz="1800" b="0" spc="-10" dirty="0">
+                <a:solidFill>
+                  <a:schemeClr val="tx1"/>
+                </a:solidFill>
+                <a:cs typeface="LM Sans 10"/>
+              </a:rPr>
+              <a:t>prices </a:t>
+            </a:r>
+            <a:r>
+              <a:rPr lang="en-US" sz="1800" b="0" spc="-15" dirty="0">
+                <a:solidFill>
+                  <a:schemeClr val="tx1"/>
+                </a:solidFill>
+                <a:cs typeface="LM Sans 10"/>
+              </a:rPr>
+              <a:t>are </a:t>
+            </a:r>
+            <a:r>
+              <a:rPr lang="en-US" sz="1800" b="0" spc="-5" dirty="0">
+                <a:solidFill>
+                  <a:schemeClr val="tx1"/>
+                </a:solidFill>
+                <a:cs typeface="LM Sans 10"/>
+              </a:rPr>
+              <a:t>increased?  </a:t>
+            </a:r>
+            <a:r>
+              <a:rPr lang="en-US" sz="1800" b="0" i="1" spc="-5" dirty="0" err="1">
+                <a:solidFill>
+                  <a:schemeClr val="tx1"/>
+                </a:solidFill>
+                <a:cs typeface="LM Sans 10"/>
+              </a:rPr>
+              <a:t>demand</a:t>
+            </a:r>
+            <a:r>
+              <a:rPr lang="en-US" sz="1800" b="0" i="1" spc="-7" baseline="-11904" dirty="0" err="1">
+                <a:solidFill>
+                  <a:schemeClr val="tx1"/>
+                </a:solidFill>
+                <a:cs typeface="LM Sans 8"/>
+              </a:rPr>
+              <a:t>i</a:t>
+            </a:r>
+            <a:r>
+              <a:rPr lang="en-US" sz="1800" b="0" i="1" spc="-7" baseline="-11904" dirty="0">
+                <a:solidFill>
+                  <a:schemeClr val="tx1"/>
+                </a:solidFill>
+                <a:cs typeface="LM Sans 8"/>
+              </a:rPr>
+              <a:t> </a:t>
+            </a:r>
+            <a:r>
+              <a:rPr lang="en-US" sz="1800" b="0" i="1" spc="-5" dirty="0">
+                <a:solidFill>
+                  <a:schemeClr val="tx1"/>
+                </a:solidFill>
+                <a:cs typeface="LM Sans 10"/>
+              </a:rPr>
+              <a:t>= </a:t>
+            </a:r>
+            <a:r>
+              <a:rPr lang="en-US" sz="1800" b="0" i="1" spc="-30" dirty="0">
+                <a:solidFill>
+                  <a:schemeClr val="tx1"/>
+                </a:solidFill>
+                <a:cs typeface="Verdana"/>
+              </a:rPr>
+              <a:t>β</a:t>
+            </a:r>
+            <a:r>
+              <a:rPr lang="en-US" sz="1800" b="0" i="1" spc="-44" baseline="-11904" dirty="0">
+                <a:solidFill>
+                  <a:schemeClr val="tx1"/>
+                </a:solidFill>
+                <a:cs typeface="LM Sans 8"/>
+              </a:rPr>
+              <a:t>0 </a:t>
+            </a:r>
+            <a:r>
+              <a:rPr lang="en-US" sz="1800" b="0" i="1" spc="-5" dirty="0">
+                <a:solidFill>
+                  <a:schemeClr val="tx1"/>
+                </a:solidFill>
+                <a:cs typeface="LM Sans 10"/>
+              </a:rPr>
+              <a:t>+ </a:t>
+            </a:r>
+            <a:r>
+              <a:rPr lang="en-US" sz="1800" b="0" i="1" spc="-30" dirty="0">
+                <a:solidFill>
+                  <a:schemeClr val="tx1"/>
+                </a:solidFill>
+                <a:cs typeface="Verdana"/>
+              </a:rPr>
+              <a:t>β</a:t>
+            </a:r>
+            <a:r>
+              <a:rPr lang="en-US" sz="1800" b="0" i="1" spc="-44" baseline="-11904" dirty="0">
+                <a:solidFill>
+                  <a:schemeClr val="tx1"/>
+                </a:solidFill>
+                <a:cs typeface="LM Sans 8"/>
+              </a:rPr>
+              <a:t>1 </a:t>
+            </a:r>
+            <a:r>
+              <a:rPr lang="en-US" sz="1800" b="0" i="1" spc="-260" dirty="0">
+                <a:solidFill>
+                  <a:schemeClr val="tx1"/>
+                </a:solidFill>
+                <a:cs typeface="DejaVu Sans Condensed"/>
+              </a:rPr>
+              <a:t>∗    </a:t>
+            </a:r>
+            <a:r>
+              <a:rPr lang="en-US" sz="1800" b="0" i="1" spc="-10" dirty="0" err="1">
+                <a:solidFill>
+                  <a:schemeClr val="tx1"/>
+                </a:solidFill>
+                <a:cs typeface="LM Sans 10"/>
+              </a:rPr>
+              <a:t>price</a:t>
+            </a:r>
+            <a:r>
+              <a:rPr lang="en-US" sz="1800" b="0" i="1" spc="-15" baseline="-11904" dirty="0" err="1">
+                <a:solidFill>
+                  <a:schemeClr val="tx1"/>
+                </a:solidFill>
+                <a:cs typeface="LM Sans 8"/>
+              </a:rPr>
+              <a:t>i</a:t>
+            </a:r>
+            <a:r>
+              <a:rPr lang="en-US" sz="1800" b="0" i="1" spc="-15" baseline="-11904" dirty="0">
+                <a:solidFill>
+                  <a:schemeClr val="tx1"/>
+                </a:solidFill>
+                <a:cs typeface="LM Sans 8"/>
+              </a:rPr>
+              <a:t> </a:t>
+            </a:r>
+            <a:r>
+              <a:rPr lang="en-US" sz="1800" b="0" i="1" spc="-5" dirty="0">
+                <a:solidFill>
+                  <a:schemeClr val="tx1"/>
+                </a:solidFill>
+                <a:cs typeface="LM Sans 10"/>
+              </a:rPr>
+              <a:t>+</a:t>
+            </a:r>
+            <a:r>
+              <a:rPr lang="en-US" sz="1800" b="0" i="1" spc="-195" dirty="0">
+                <a:solidFill>
+                  <a:schemeClr val="tx1"/>
+                </a:solidFill>
+                <a:cs typeface="LM Sans 10"/>
+              </a:rPr>
+              <a:t> </a:t>
+            </a:r>
+            <a:r>
+              <a:rPr lang="en-US" sz="1800" b="0" i="1" spc="-5" dirty="0" err="1">
+                <a:solidFill>
+                  <a:schemeClr val="tx1"/>
+                </a:solidFill>
+                <a:cs typeface="LM Sans 10"/>
+              </a:rPr>
+              <a:t>u</a:t>
+            </a:r>
+            <a:r>
+              <a:rPr lang="en-US" sz="1800" b="0" i="1" spc="-7" baseline="-11904" dirty="0" err="1">
+                <a:solidFill>
+                  <a:schemeClr val="tx1"/>
+                </a:solidFill>
+                <a:cs typeface="LM Sans 8"/>
+              </a:rPr>
+              <a:t>i</a:t>
+            </a:r>
+            <a:endParaRPr lang="en-US" sz="1800" i="1" baseline="-11904" dirty="0">
+              <a:cs typeface="LM Sans 8"/>
+            </a:endParaRPr>
+          </a:p>
+          <a:p>
+            <a:pPr marL="936775" marR="561975" lvl="2" indent="-285750">
+              <a:lnSpc>
+                <a:spcPct val="106400"/>
+              </a:lnSpc>
+              <a:spcBef>
+                <a:spcPts val="585"/>
+              </a:spcBef>
+              <a:buFont typeface="Arial" panose="020B0604020202020204" pitchFamily="34" charset="0"/>
+              <a:buChar char="•"/>
+            </a:pPr>
+            <a:r>
+              <a:rPr lang="en-US" sz="1800" b="0" spc="-5" dirty="0">
+                <a:solidFill>
+                  <a:schemeClr val="tx1"/>
+                </a:solidFill>
+                <a:cs typeface="LM Sans 10"/>
+              </a:rPr>
+              <a:t>What is the </a:t>
+            </a:r>
+            <a:r>
+              <a:rPr lang="en-US" sz="1800" b="0" spc="-10" dirty="0">
+                <a:solidFill>
+                  <a:schemeClr val="tx1"/>
+                </a:solidFill>
+                <a:cs typeface="LM Sans 10"/>
+              </a:rPr>
+              <a:t>effect </a:t>
+            </a:r>
+            <a:r>
+              <a:rPr lang="en-US" sz="1800" b="0" spc="-5" dirty="0">
+                <a:solidFill>
+                  <a:schemeClr val="tx1"/>
+                </a:solidFill>
+                <a:cs typeface="LM Sans 10"/>
+              </a:rPr>
+              <a:t>of election fraud on re-election</a:t>
+            </a:r>
+            <a:r>
+              <a:rPr lang="en-US" sz="1800" b="0" spc="55" dirty="0">
+                <a:solidFill>
+                  <a:schemeClr val="tx1"/>
+                </a:solidFill>
+                <a:cs typeface="LM Sans 10"/>
+              </a:rPr>
+              <a:t> </a:t>
+            </a:r>
+            <a:r>
+              <a:rPr lang="en-US" sz="1800" b="0" dirty="0">
+                <a:solidFill>
+                  <a:schemeClr val="tx1"/>
+                </a:solidFill>
+                <a:cs typeface="LM Sans 10"/>
+              </a:rPr>
+              <a:t>perspectives                                                              </a:t>
+            </a:r>
+            <a:r>
+              <a:rPr lang="en-US" sz="1800" b="0" i="1" spc="-5" dirty="0" err="1">
+                <a:solidFill>
+                  <a:schemeClr val="tx1"/>
+                </a:solidFill>
+                <a:cs typeface="LM Sans 10"/>
+              </a:rPr>
+              <a:t>votes</a:t>
+            </a:r>
+            <a:r>
+              <a:rPr lang="en-US" sz="1800" b="0" i="1" spc="-7" baseline="-11904" dirty="0" err="1">
+                <a:solidFill>
+                  <a:schemeClr val="tx1"/>
+                </a:solidFill>
+                <a:cs typeface="LM Sans 8"/>
+              </a:rPr>
+              <a:t>i</a:t>
+            </a:r>
+            <a:r>
+              <a:rPr lang="en-US" sz="1800" b="0" i="1" spc="-7" baseline="-11904" dirty="0">
+                <a:solidFill>
+                  <a:schemeClr val="tx1"/>
+                </a:solidFill>
+                <a:cs typeface="LM Sans 8"/>
+              </a:rPr>
+              <a:t> </a:t>
+            </a:r>
+            <a:r>
+              <a:rPr lang="en-US" sz="1800" b="0" spc="-5" dirty="0">
+                <a:solidFill>
+                  <a:schemeClr val="tx1"/>
+                </a:solidFill>
+                <a:cs typeface="LM Sans 10"/>
+              </a:rPr>
+              <a:t>= </a:t>
+            </a:r>
+            <a:r>
+              <a:rPr lang="en-US" sz="1800" b="0" i="1" spc="-30" dirty="0">
+                <a:solidFill>
+                  <a:schemeClr val="tx1"/>
+                </a:solidFill>
+                <a:cs typeface="Verdana"/>
+              </a:rPr>
+              <a:t>β</a:t>
+            </a:r>
+            <a:r>
+              <a:rPr lang="en-US" sz="1800" b="0" spc="-44" baseline="-11904" dirty="0">
+                <a:solidFill>
+                  <a:schemeClr val="tx1"/>
+                </a:solidFill>
+                <a:cs typeface="LM Sans 8"/>
+              </a:rPr>
+              <a:t>0 </a:t>
+            </a:r>
+            <a:r>
+              <a:rPr lang="en-US" sz="1800" b="0" spc="-5" dirty="0">
+                <a:solidFill>
+                  <a:schemeClr val="tx1"/>
+                </a:solidFill>
+                <a:cs typeface="LM Sans 10"/>
+              </a:rPr>
+              <a:t>+ </a:t>
+            </a:r>
+            <a:r>
+              <a:rPr lang="en-US" sz="1800" b="0" i="1" spc="-30" dirty="0">
+                <a:solidFill>
+                  <a:schemeClr val="tx1"/>
+                </a:solidFill>
+                <a:cs typeface="Verdana"/>
+              </a:rPr>
+              <a:t>β</a:t>
+            </a:r>
+            <a:r>
+              <a:rPr lang="en-US" sz="1800" b="0" spc="-44" baseline="-11904" dirty="0">
+                <a:solidFill>
+                  <a:schemeClr val="tx1"/>
+                </a:solidFill>
+                <a:cs typeface="LM Sans 8"/>
+              </a:rPr>
+              <a:t>1 </a:t>
+            </a:r>
+            <a:r>
+              <a:rPr lang="en-US" sz="1800" b="0" i="1" spc="-260" dirty="0">
+                <a:solidFill>
+                  <a:schemeClr val="tx1"/>
+                </a:solidFill>
+                <a:cs typeface="DejaVu Sans Condensed"/>
+              </a:rPr>
+              <a:t>∗    </a:t>
+            </a:r>
+            <a:r>
+              <a:rPr lang="en-US" sz="1800" b="0" i="1" spc="-10" dirty="0" err="1">
+                <a:solidFill>
+                  <a:schemeClr val="tx1"/>
+                </a:solidFill>
+                <a:cs typeface="LM Sans 10"/>
+              </a:rPr>
+              <a:t>ability</a:t>
+            </a:r>
+            <a:r>
+              <a:rPr lang="en-US" sz="1800" b="0" i="1" spc="-15" baseline="-11904" dirty="0" err="1">
+                <a:solidFill>
+                  <a:schemeClr val="tx1"/>
+                </a:solidFill>
+                <a:cs typeface="LM Sans 8"/>
+              </a:rPr>
+              <a:t>i</a:t>
+            </a:r>
+            <a:r>
+              <a:rPr lang="en-US" sz="1800" b="0" i="1" spc="-15" baseline="-11904" dirty="0">
+                <a:solidFill>
+                  <a:schemeClr val="tx1"/>
+                </a:solidFill>
+                <a:cs typeface="LM Sans 8"/>
+              </a:rPr>
+              <a:t> </a:t>
+            </a:r>
+            <a:r>
+              <a:rPr lang="en-US" sz="1800" b="0" spc="-5" dirty="0">
+                <a:solidFill>
+                  <a:schemeClr val="tx1"/>
+                </a:solidFill>
+                <a:cs typeface="LM Sans 10"/>
+              </a:rPr>
+              <a:t>+ </a:t>
+            </a:r>
+            <a:r>
+              <a:rPr lang="en-US" sz="1800" b="0" i="1" spc="-30" dirty="0">
+                <a:solidFill>
+                  <a:schemeClr val="tx1"/>
+                </a:solidFill>
+                <a:cs typeface="Verdana"/>
+              </a:rPr>
+              <a:t>β</a:t>
+            </a:r>
+            <a:r>
+              <a:rPr lang="en-US" sz="1800" b="0" spc="-44" baseline="-11904" dirty="0">
+                <a:solidFill>
+                  <a:schemeClr val="tx1"/>
+                </a:solidFill>
+                <a:cs typeface="LM Sans 8"/>
+              </a:rPr>
+              <a:t>2 </a:t>
+            </a:r>
+            <a:r>
+              <a:rPr lang="en-US" sz="1800" b="0" i="1" spc="-260" dirty="0">
+                <a:solidFill>
+                  <a:schemeClr val="tx1"/>
+                </a:solidFill>
+                <a:cs typeface="DejaVu Sans Condensed"/>
+              </a:rPr>
+              <a:t>∗    </a:t>
+            </a:r>
+            <a:r>
+              <a:rPr lang="en-US" sz="1800" b="0" i="1" spc="-10" dirty="0" err="1">
+                <a:solidFill>
+                  <a:schemeClr val="tx1"/>
+                </a:solidFill>
+                <a:cs typeface="LM Sans 10"/>
+              </a:rPr>
+              <a:t>integrity</a:t>
+            </a:r>
+            <a:r>
+              <a:rPr lang="en-US" sz="1800" b="0" i="1" spc="-15" baseline="-11904" dirty="0" err="1">
+                <a:solidFill>
+                  <a:schemeClr val="tx1"/>
+                </a:solidFill>
+                <a:cs typeface="LM Sans 8"/>
+              </a:rPr>
+              <a:t>i</a:t>
+            </a:r>
+            <a:r>
+              <a:rPr lang="en-US" sz="1800" b="0" i="1" spc="-15" baseline="-11904" dirty="0">
+                <a:solidFill>
+                  <a:schemeClr val="tx1"/>
+                </a:solidFill>
+                <a:cs typeface="LM Sans 8"/>
+              </a:rPr>
+              <a:t> </a:t>
+            </a:r>
+            <a:r>
+              <a:rPr lang="en-US" sz="1800" b="0" spc="-5" dirty="0">
+                <a:solidFill>
+                  <a:schemeClr val="tx1"/>
+                </a:solidFill>
+                <a:cs typeface="LM Sans 10"/>
+              </a:rPr>
+              <a:t>+ </a:t>
+            </a:r>
+            <a:r>
+              <a:rPr lang="en-US" sz="1800" b="0" i="1" spc="-30" dirty="0">
+                <a:solidFill>
+                  <a:schemeClr val="tx1"/>
+                </a:solidFill>
+                <a:cs typeface="Verdana"/>
+              </a:rPr>
+              <a:t>β</a:t>
+            </a:r>
+            <a:r>
+              <a:rPr lang="en-US" sz="1800" b="0" spc="-44" baseline="-11904" dirty="0">
+                <a:solidFill>
+                  <a:schemeClr val="tx1"/>
+                </a:solidFill>
+                <a:cs typeface="LM Sans 8"/>
+              </a:rPr>
+              <a:t>3 </a:t>
+            </a:r>
+            <a:r>
+              <a:rPr lang="en-US" sz="1800" b="0" i="1" spc="-260" dirty="0">
+                <a:solidFill>
+                  <a:schemeClr val="tx1"/>
+                </a:solidFill>
+                <a:cs typeface="DejaVu Sans Condensed"/>
+              </a:rPr>
+              <a:t>∗    </a:t>
+            </a:r>
+            <a:r>
+              <a:rPr lang="en-US" sz="1800" b="0" i="1" spc="-5" dirty="0" err="1">
+                <a:solidFill>
+                  <a:schemeClr val="tx1"/>
+                </a:solidFill>
+                <a:cs typeface="LM Sans 10"/>
+              </a:rPr>
+              <a:t>fraud</a:t>
+            </a:r>
+            <a:r>
+              <a:rPr lang="en-US" sz="1800" b="0" i="1" spc="-7" baseline="-11904" dirty="0" err="1">
+                <a:solidFill>
+                  <a:schemeClr val="tx1"/>
+                </a:solidFill>
+                <a:cs typeface="LM Sans 8"/>
+              </a:rPr>
+              <a:t>i</a:t>
+            </a:r>
+            <a:r>
+              <a:rPr lang="en-US" sz="1800" b="0" i="1" spc="-7" baseline="-11904" dirty="0">
+                <a:solidFill>
+                  <a:schemeClr val="tx1"/>
+                </a:solidFill>
+                <a:cs typeface="LM Sans 8"/>
+              </a:rPr>
+              <a:t> </a:t>
+            </a:r>
+            <a:r>
+              <a:rPr lang="en-US" sz="1800" b="0" spc="-5" dirty="0">
+                <a:solidFill>
+                  <a:schemeClr val="tx1"/>
+                </a:solidFill>
+                <a:cs typeface="LM Sans 10"/>
+              </a:rPr>
+              <a:t>+</a:t>
+            </a:r>
+            <a:r>
+              <a:rPr lang="en-US" sz="1800" b="0" spc="-90" dirty="0">
+                <a:solidFill>
+                  <a:schemeClr val="tx1"/>
+                </a:solidFill>
+                <a:cs typeface="LM Sans 10"/>
+              </a:rPr>
+              <a:t> </a:t>
+            </a:r>
+            <a:r>
+              <a:rPr lang="en-US" sz="1800" b="0" i="1" spc="-5" dirty="0" err="1">
+                <a:solidFill>
+                  <a:schemeClr val="tx1"/>
+                </a:solidFill>
+                <a:cs typeface="LM Sans 10"/>
+              </a:rPr>
+              <a:t>u</a:t>
+            </a:r>
+            <a:r>
+              <a:rPr lang="en-US" sz="1800" b="0" i="1" spc="-7" baseline="-11904" dirty="0" err="1">
+                <a:solidFill>
+                  <a:schemeClr val="tx1"/>
+                </a:solidFill>
+                <a:cs typeface="LM Sans 8"/>
+              </a:rPr>
+              <a:t>i</a:t>
+            </a:r>
+            <a:endParaRPr lang="en-US" sz="1800" b="0" baseline="-11904" dirty="0">
+              <a:solidFill>
+                <a:schemeClr val="tx1"/>
+              </a:solidFill>
+              <a:cs typeface="LM Sans 8"/>
+            </a:endParaRPr>
+          </a:p>
+          <a:p>
+            <a:pPr marL="613410" marR="214629" indent="-285750">
+              <a:lnSpc>
+                <a:spcPct val="121300"/>
+              </a:lnSpc>
+              <a:spcBef>
+                <a:spcPts val="75"/>
+              </a:spcBef>
+              <a:buFont typeface="Arial" panose="020B0604020202020204" pitchFamily="34" charset="0"/>
+              <a:buChar char="•"/>
+            </a:pPr>
+            <a:r>
+              <a:rPr lang="en-US" sz="1800" b="0" spc="-5" dirty="0">
+                <a:solidFill>
+                  <a:schemeClr val="tx1"/>
+                </a:solidFill>
+                <a:cs typeface="LM Sans 10"/>
+              </a:rPr>
+              <a:t>Relationship </a:t>
+            </a:r>
+            <a:r>
+              <a:rPr lang="en-US" sz="1800" b="0" spc="-10" dirty="0">
+                <a:solidFill>
+                  <a:schemeClr val="tx1"/>
+                </a:solidFill>
+                <a:cs typeface="LM Sans 10"/>
+              </a:rPr>
+              <a:t>between </a:t>
+            </a:r>
+            <a:r>
+              <a:rPr lang="en-US" sz="1800" b="0" spc="-5" dirty="0">
+                <a:solidFill>
+                  <a:schemeClr val="tx1"/>
+                </a:solidFill>
+                <a:cs typeface="LM Sans 10"/>
+              </a:rPr>
+              <a:t>dependent </a:t>
+            </a:r>
+            <a:r>
+              <a:rPr lang="en-US" sz="1800" b="0" spc="-10" dirty="0">
+                <a:solidFill>
+                  <a:schemeClr val="tx1"/>
+                </a:solidFill>
+                <a:cs typeface="LM Sans 10"/>
+              </a:rPr>
+              <a:t>and </a:t>
+            </a:r>
+            <a:r>
+              <a:rPr lang="en-US" sz="1800" b="0" spc="-5" dirty="0">
+                <a:solidFill>
+                  <a:schemeClr val="tx1"/>
+                </a:solidFill>
+                <a:cs typeface="LM Sans 10"/>
+              </a:rPr>
+              <a:t>independent </a:t>
+            </a:r>
+            <a:r>
+              <a:rPr lang="en-US" sz="1800" b="0" spc="-10" dirty="0">
+                <a:solidFill>
+                  <a:schemeClr val="tx1"/>
+                </a:solidFill>
+                <a:cs typeface="LM Sans 10"/>
+              </a:rPr>
+              <a:t>variables</a:t>
+            </a:r>
+          </a:p>
+          <a:p>
+            <a:pPr marL="613410" marR="214629" indent="-285750">
+              <a:lnSpc>
+                <a:spcPct val="121300"/>
+              </a:lnSpc>
+              <a:spcBef>
+                <a:spcPts val="75"/>
+              </a:spcBef>
+              <a:buFont typeface="Arial" panose="020B0604020202020204" pitchFamily="34" charset="0"/>
+              <a:buChar char="•"/>
+            </a:pPr>
+            <a:r>
+              <a:rPr lang="en-US" sz="1800" b="0" spc="-10" dirty="0">
+                <a:solidFill>
+                  <a:schemeClr val="tx1"/>
+                </a:solidFill>
+                <a:cs typeface="LM Sans 10"/>
+              </a:rPr>
+              <a:t>The </a:t>
+            </a:r>
+            <a:r>
+              <a:rPr lang="en-US" sz="1800" b="0" spc="-5" dirty="0" err="1">
+                <a:solidFill>
+                  <a:schemeClr val="tx1"/>
+                </a:solidFill>
+                <a:cs typeface="LM Sans 10"/>
+              </a:rPr>
+              <a:t>behaviour</a:t>
+            </a:r>
+            <a:r>
+              <a:rPr lang="en-US" sz="1800" b="0" spc="-5" dirty="0">
+                <a:solidFill>
+                  <a:schemeClr val="tx1"/>
+                </a:solidFill>
+                <a:cs typeface="LM Sans 10"/>
+              </a:rPr>
+              <a:t> of </a:t>
+            </a:r>
+            <a:r>
+              <a:rPr lang="en-US" sz="1800" b="0" spc="-10" dirty="0">
+                <a:solidFill>
+                  <a:schemeClr val="tx1"/>
+                </a:solidFill>
+                <a:cs typeface="LM Sans 10"/>
+              </a:rPr>
+              <a:t>variables </a:t>
+            </a:r>
+            <a:r>
+              <a:rPr lang="en-US" sz="1800" b="0" spc="-5" dirty="0">
+                <a:solidFill>
+                  <a:schemeClr val="tx1"/>
+                </a:solidFill>
+                <a:cs typeface="LM Sans 10"/>
+              </a:rPr>
+              <a:t>is described with equations</a:t>
+            </a:r>
+          </a:p>
+          <a:p>
+            <a:pPr marL="613410" marR="214629" indent="-285750">
+              <a:lnSpc>
+                <a:spcPct val="121300"/>
+              </a:lnSpc>
+              <a:spcBef>
+                <a:spcPts val="75"/>
+              </a:spcBef>
+              <a:buFont typeface="Arial" panose="020B0604020202020204" pitchFamily="34" charset="0"/>
+              <a:buChar char="•"/>
+            </a:pPr>
+            <a:r>
+              <a:rPr lang="en-US" sz="1800" b="0" spc="-15" dirty="0">
+                <a:solidFill>
+                  <a:schemeClr val="tx1"/>
+                </a:solidFill>
+                <a:cs typeface="LM Sans 10"/>
+              </a:rPr>
+              <a:t>Parameters </a:t>
+            </a:r>
+            <a:r>
+              <a:rPr lang="en-US" sz="1800" b="0" spc="-10" dirty="0">
+                <a:solidFill>
+                  <a:schemeClr val="tx1"/>
+                </a:solidFill>
+                <a:cs typeface="LM Sans 10"/>
+              </a:rPr>
+              <a:t>(</a:t>
+            </a:r>
+            <a:r>
+              <a:rPr lang="en-US" sz="1800" b="0" i="1" spc="-10" dirty="0">
+                <a:solidFill>
+                  <a:schemeClr val="tx1"/>
+                </a:solidFill>
+                <a:cs typeface="Verdana"/>
+              </a:rPr>
+              <a:t>β</a:t>
+            </a:r>
+            <a:r>
+              <a:rPr lang="en-US" sz="1800" b="0" spc="-10" dirty="0">
+                <a:solidFill>
+                  <a:schemeClr val="tx1"/>
+                </a:solidFill>
+                <a:cs typeface="LM Sans 10"/>
+              </a:rPr>
+              <a:t>) </a:t>
+            </a:r>
+            <a:r>
+              <a:rPr lang="en-US" sz="1800" b="0" spc="-20" dirty="0">
+                <a:solidFill>
+                  <a:schemeClr val="tx1"/>
+                </a:solidFill>
+                <a:cs typeface="LM Sans 10"/>
+              </a:rPr>
+              <a:t>are </a:t>
+            </a:r>
+            <a:r>
+              <a:rPr lang="en-US" sz="1800" b="0" spc="-5" dirty="0">
+                <a:solidFill>
+                  <a:schemeClr val="tx1"/>
+                </a:solidFill>
+                <a:cs typeface="LM Sans 10"/>
+              </a:rPr>
+              <a:t>estimates of the </a:t>
+            </a:r>
+            <a:r>
+              <a:rPr lang="en-US" sz="1800" b="0" spc="-10" dirty="0">
+                <a:solidFill>
+                  <a:schemeClr val="tx1"/>
+                </a:solidFill>
+                <a:cs typeface="LM Sans 10"/>
+              </a:rPr>
+              <a:t>effect </a:t>
+            </a:r>
+            <a:r>
+              <a:rPr lang="en-US" sz="1800" b="0" spc="-5" dirty="0">
+                <a:solidFill>
+                  <a:schemeClr val="tx1"/>
+                </a:solidFill>
+                <a:cs typeface="LM Sans 10"/>
+              </a:rPr>
+              <a:t>size of </a:t>
+            </a:r>
+            <a:r>
+              <a:rPr lang="en-US" sz="1800" b="0" spc="-10" dirty="0">
+                <a:solidFill>
+                  <a:schemeClr val="tx1"/>
+                </a:solidFill>
+                <a:cs typeface="LM Sans 10"/>
+              </a:rPr>
+              <a:t>a variable</a:t>
+            </a:r>
+          </a:p>
+          <a:p>
+            <a:pPr marL="613410" marR="214629" indent="-285750">
+              <a:lnSpc>
+                <a:spcPct val="121300"/>
+              </a:lnSpc>
+              <a:spcBef>
+                <a:spcPts val="75"/>
+              </a:spcBef>
+              <a:buFont typeface="Arial" panose="020B0604020202020204" pitchFamily="34" charset="0"/>
+              <a:buChar char="•"/>
+            </a:pPr>
+            <a:r>
+              <a:rPr lang="en-US" sz="1800" b="0" spc="-15" dirty="0">
+                <a:solidFill>
+                  <a:schemeClr val="tx1"/>
+                </a:solidFill>
+                <a:cs typeface="LM Sans 10"/>
+              </a:rPr>
+              <a:t>Error </a:t>
+            </a:r>
+            <a:r>
+              <a:rPr lang="en-US" sz="1800" b="0" spc="-5" dirty="0">
+                <a:solidFill>
+                  <a:schemeClr val="tx1"/>
+                </a:solidFill>
+                <a:cs typeface="LM Sans 10"/>
+              </a:rPr>
+              <a:t>term </a:t>
+            </a:r>
+            <a:r>
+              <a:rPr lang="en-US" sz="1800" b="0" spc="10" dirty="0">
+                <a:solidFill>
+                  <a:schemeClr val="tx1"/>
+                </a:solidFill>
+                <a:cs typeface="LM Sans 10"/>
+              </a:rPr>
+              <a:t>(</a:t>
+            </a:r>
+            <a:r>
+              <a:rPr lang="en-US" sz="1800" b="0" i="1" spc="10" dirty="0">
+                <a:solidFill>
+                  <a:schemeClr val="tx1"/>
+                </a:solidFill>
+                <a:cs typeface="LM Sans 10"/>
+              </a:rPr>
+              <a:t>u</a:t>
+            </a:r>
+            <a:r>
+              <a:rPr lang="en-US" sz="1800" b="0" spc="10" dirty="0">
+                <a:solidFill>
+                  <a:schemeClr val="tx1"/>
+                </a:solidFill>
+                <a:cs typeface="LM Sans 10"/>
+              </a:rPr>
+              <a:t>) </a:t>
+            </a:r>
+            <a:r>
+              <a:rPr lang="en-US" sz="1800" b="0" spc="-5" dirty="0">
+                <a:solidFill>
+                  <a:schemeClr val="tx1"/>
+                </a:solidFill>
+                <a:cs typeface="LM Sans 10"/>
+              </a:rPr>
+              <a:t>contains all unobserved</a:t>
+            </a:r>
+            <a:r>
+              <a:rPr lang="en-US" sz="1800" b="0" spc="-30" dirty="0">
+                <a:solidFill>
+                  <a:schemeClr val="tx1"/>
+                </a:solidFill>
+                <a:cs typeface="LM Sans 10"/>
+              </a:rPr>
+              <a:t> </a:t>
+            </a:r>
+            <a:r>
+              <a:rPr lang="en-US" sz="1800" b="0" spc="-10" dirty="0">
+                <a:solidFill>
+                  <a:schemeClr val="tx1"/>
+                </a:solidFill>
+                <a:cs typeface="LM Sans 10"/>
+              </a:rPr>
+              <a:t>factors</a:t>
+            </a:r>
+            <a:endParaRPr lang="en-US" sz="1800" b="0" dirty="0">
+              <a:solidFill>
+                <a:schemeClr val="tx1"/>
+              </a:solidFill>
+              <a:cs typeface="LM Sans 10"/>
+            </a:endParaRPr>
+          </a:p>
+          <a:p>
+            <a:pPr marL="937410" marR="214629" lvl="2" indent="-285750">
+              <a:lnSpc>
+                <a:spcPct val="121300"/>
+              </a:lnSpc>
+              <a:spcBef>
+                <a:spcPts val="75"/>
+              </a:spcBef>
+              <a:buFont typeface="Arial" panose="020B0604020202020204" pitchFamily="34" charset="0"/>
+              <a:buChar char="•"/>
+            </a:pPr>
+            <a:r>
+              <a:rPr lang="en-US" sz="1800" b="0" spc="-5" dirty="0">
+                <a:solidFill>
+                  <a:schemeClr val="tx1"/>
+                </a:solidFill>
+                <a:cs typeface="LM Sans 10"/>
+              </a:rPr>
+              <a:t>Specification of </a:t>
+            </a:r>
+            <a:r>
+              <a:rPr lang="en-US" sz="1800" b="0" spc="-10" dirty="0">
+                <a:solidFill>
+                  <a:schemeClr val="tx1"/>
+                </a:solidFill>
+                <a:cs typeface="LM Sans 10"/>
+              </a:rPr>
+              <a:t>error </a:t>
+            </a:r>
+            <a:r>
+              <a:rPr lang="en-US" sz="1800" b="0" spc="-5" dirty="0">
+                <a:solidFill>
+                  <a:schemeClr val="tx1"/>
+                </a:solidFill>
+                <a:cs typeface="LM Sans 10"/>
+              </a:rPr>
+              <a:t>term </a:t>
+            </a:r>
+            <a:r>
+              <a:rPr lang="en-US" sz="1800" b="0" spc="-10" dirty="0">
+                <a:solidFill>
+                  <a:schemeClr val="tx1"/>
+                </a:solidFill>
+                <a:cs typeface="LM Sans 10"/>
+              </a:rPr>
+              <a:t>affects </a:t>
+            </a:r>
+            <a:r>
+              <a:rPr lang="en-US" sz="1800" b="0" dirty="0">
+                <a:solidFill>
+                  <a:schemeClr val="tx1"/>
+                </a:solidFill>
+                <a:cs typeface="LM Sans 10"/>
+              </a:rPr>
+              <a:t>models</a:t>
+            </a:r>
+            <a:r>
+              <a:rPr lang="en-US" sz="1800" b="0" spc="25" dirty="0">
+                <a:solidFill>
+                  <a:schemeClr val="tx1"/>
+                </a:solidFill>
+                <a:cs typeface="LM Sans 10"/>
+              </a:rPr>
+              <a:t> </a:t>
+            </a:r>
+            <a:r>
+              <a:rPr lang="en-US" sz="1800" b="0" spc="-5" dirty="0">
+                <a:solidFill>
+                  <a:schemeClr val="tx1"/>
+                </a:solidFill>
+                <a:cs typeface="LM Sans 10"/>
+              </a:rPr>
+              <a:t>massively!</a:t>
+            </a:r>
+            <a:endParaRPr lang="en-US" sz="1800" b="0" dirty="0">
+              <a:solidFill>
+                <a:schemeClr val="tx1"/>
+              </a:solidFill>
+              <a:cs typeface="LM Sans 10"/>
+            </a:endParaRPr>
+          </a:p>
+          <a:p>
+            <a:pPr marL="342900" indent="-342900">
+              <a:buFont typeface="+mj-lt"/>
+              <a:buAutoNum type="arabicPeriod"/>
+            </a:pPr>
+            <a:endParaRPr lang="de-DE" dirty="0"/>
+          </a:p>
+          <a:p>
+            <a:endParaRPr lang="de-DE" dirty="0"/>
+          </a:p>
+        </p:txBody>
+      </p:sp>
+      <p:sp>
+        <p:nvSpPr>
+          <p:cNvPr id="4" name="Datumsplatzhalter 3"/>
+          <p:cNvSpPr>
+            <a:spLocks noGrp="1"/>
+          </p:cNvSpPr>
+          <p:nvPr>
+            <p:ph type="dt" sz="half" idx="2"/>
+          </p:nvPr>
+        </p:nvSpPr>
+        <p:spPr/>
+        <p:txBody>
+          <a:bodyPr/>
+          <a:lstStyle/>
+          <a:p>
+            <a:r>
+              <a:rPr lang="de-DE" dirty="0"/>
+              <a:t>21.04.2021</a:t>
+            </a:r>
+          </a:p>
+        </p:txBody>
+      </p:sp>
+      <p:sp>
+        <p:nvSpPr>
+          <p:cNvPr id="5" name="Fußzeilenplatzhalter 4"/>
+          <p:cNvSpPr>
+            <a:spLocks noGrp="1"/>
+          </p:cNvSpPr>
+          <p:nvPr>
+            <p:ph type="ftr" sz="quarter" idx="3"/>
+          </p:nvPr>
+        </p:nvSpPr>
+        <p:spPr/>
+        <p:txBody>
+          <a:bodyPr/>
+          <a:lstStyle/>
+          <a:p>
+            <a:r>
+              <a:rPr lang="de-DE" dirty="0"/>
+              <a:t>Tutorial </a:t>
+            </a:r>
+            <a:r>
+              <a:rPr lang="de-DE" dirty="0" err="1"/>
+              <a:t>Statistics</a:t>
+            </a:r>
+            <a:endParaRPr lang="de-DE" dirty="0"/>
+          </a:p>
+        </p:txBody>
+      </p:sp>
+      <p:sp>
+        <p:nvSpPr>
+          <p:cNvPr id="6" name="Foliennummernplatzhalter 5"/>
+          <p:cNvSpPr>
+            <a:spLocks noGrp="1"/>
+          </p:cNvSpPr>
+          <p:nvPr>
+            <p:ph type="sldNum" sz="quarter" idx="4"/>
+          </p:nvPr>
+        </p:nvSpPr>
+        <p:spPr/>
+        <p:txBody>
+          <a:bodyPr/>
+          <a:lstStyle/>
+          <a:p>
+            <a:fld id="{C05EE493-AD2E-4872-B2F6-8F12A747F0A5}" type="slidenum">
+              <a:rPr lang="de-DE" smtClean="0"/>
+              <a:pPr/>
+              <a:t>4</a:t>
+            </a:fld>
+            <a:endParaRPr lang="de-DE" dirty="0"/>
+          </a:p>
+        </p:txBody>
+      </p:sp>
+    </p:spTree>
+    <p:extLst>
+      <p:ext uri="{BB962C8B-B14F-4D97-AF65-F5344CB8AC3E}">
+        <p14:creationId xmlns:p14="http://schemas.microsoft.com/office/powerpoint/2010/main" val="427112838"/>
+      </p:ext>
+    </p:extLst>
+  </p:cSld>
+  <p:clrMapOvr>
+    <a:masterClrMapping/>
+  </p:clrMapOvr>
+</p:sld>
+</file>
+
+<file path=ppt/slides/slide5.xml><?xml version="1.0" encoding="utf-8"?>
+<p:sld xmlns:a="http://schemas.openxmlformats.org/drawingml/2006/main" xmlns:r="http://schemas.openxmlformats.org/officeDocument/2006/relationships" xmlns:p="http://schemas.openxmlformats.org/presentationml/2006/main">
+  <p:cSld>
+    <p:spTree>
+      <p:nvGrpSpPr>
+        <p:cNvPr id="1" name=""/>
+        <p:cNvGrpSpPr/>
+        <p:nvPr/>
+      </p:nvGrpSpPr>
+      <p:grpSpPr>
+        <a:xfrm>
+          <a:off x="0" y="0"/>
+          <a:ext cx="0" cy="0"/>
+          <a:chOff x="0" y="0"/>
+          <a:chExt cx="0" cy="0"/>
+        </a:xfrm>
+      </p:grpSpPr>
+      <p:sp>
+        <p:nvSpPr>
+          <p:cNvPr id="2" name="Titel 1"/>
+          <p:cNvSpPr>
+            <a:spLocks noGrp="1"/>
+          </p:cNvSpPr>
+          <p:nvPr>
+            <p:ph type="title"/>
+          </p:nvPr>
+        </p:nvSpPr>
+        <p:spPr/>
+        <p:txBody>
+          <a:bodyPr/>
+          <a:lstStyle/>
+          <a:p>
+            <a:r>
+              <a:rPr lang="de-DE" dirty="0" err="1"/>
+              <a:t>Econometrics</a:t>
+            </a:r>
+            <a:r>
+              <a:rPr lang="de-DE" dirty="0"/>
+              <a:t> in General</a:t>
+            </a:r>
+          </a:p>
+        </p:txBody>
+      </p:sp>
+      <p:sp>
+        <p:nvSpPr>
+          <p:cNvPr id="3" name="Inhaltsplatzhalter 2"/>
+          <p:cNvSpPr>
+            <a:spLocks noGrp="1"/>
+          </p:cNvSpPr>
+          <p:nvPr>
+            <p:ph idx="1"/>
+          </p:nvPr>
+        </p:nvSpPr>
+        <p:spPr>
+          <a:xfrm>
+            <a:off x="323850" y="1916832"/>
+            <a:ext cx="7200478" cy="4241307"/>
+          </a:xfrm>
+        </p:spPr>
+        <p:txBody>
+          <a:bodyPr/>
+          <a:lstStyle/>
+          <a:p>
+            <a:r>
+              <a:rPr lang="de-DE" sz="1800" dirty="0" err="1"/>
+              <a:t>Important</a:t>
+            </a:r>
+            <a:r>
+              <a:rPr lang="de-DE" sz="1800" dirty="0"/>
+              <a:t> </a:t>
+            </a:r>
+            <a:r>
+              <a:rPr lang="de-DE" sz="1800" dirty="0" err="1"/>
+              <a:t>data</a:t>
+            </a:r>
+            <a:r>
+              <a:rPr lang="de-DE" sz="1800" dirty="0"/>
+              <a:t> </a:t>
+            </a:r>
+            <a:r>
+              <a:rPr lang="de-DE" sz="1800" dirty="0" err="1"/>
+              <a:t>structures</a:t>
+            </a:r>
+            <a:r>
+              <a:rPr lang="de-DE" sz="1800" dirty="0"/>
+              <a:t> and </a:t>
+            </a:r>
+            <a:r>
+              <a:rPr lang="de-DE" sz="1800" dirty="0" err="1"/>
+              <a:t>their</a:t>
+            </a:r>
+            <a:r>
+              <a:rPr lang="de-DE" sz="1800" dirty="0"/>
+              <a:t> </a:t>
+            </a:r>
+            <a:r>
+              <a:rPr lang="de-DE" sz="1800" dirty="0" err="1"/>
+              <a:t>characteristics</a:t>
+            </a:r>
+            <a:endParaRPr lang="de-DE" sz="1800" dirty="0"/>
+          </a:p>
+          <a:p>
+            <a:pPr marL="298450" indent="-285750">
+              <a:lnSpc>
+                <a:spcPct val="100000"/>
+              </a:lnSpc>
+              <a:spcBef>
+                <a:spcPts val="285"/>
+              </a:spcBef>
+              <a:buFont typeface="Arial" panose="020B0604020202020204" pitchFamily="34" charset="0"/>
+              <a:buChar char="•"/>
+            </a:pPr>
+            <a:r>
+              <a:rPr lang="en-US" sz="1800" spc="-10" dirty="0">
+                <a:solidFill>
+                  <a:schemeClr val="tx1"/>
+                </a:solidFill>
+                <a:cs typeface="LM Sans 10"/>
+              </a:rPr>
+              <a:t>Cross </a:t>
+            </a:r>
+            <a:r>
+              <a:rPr lang="en-US" sz="1800" spc="-5" dirty="0">
+                <a:solidFill>
+                  <a:schemeClr val="tx1"/>
+                </a:solidFill>
+                <a:cs typeface="LM Sans 10"/>
+              </a:rPr>
+              <a:t>sectional data</a:t>
+            </a:r>
+            <a:endParaRPr lang="en-US" sz="1800" dirty="0">
+              <a:solidFill>
+                <a:schemeClr val="tx1"/>
+              </a:solidFill>
+              <a:cs typeface="LM Sans 10"/>
+            </a:endParaRPr>
+          </a:p>
+          <a:p>
+            <a:pPr marL="622450" lvl="2" indent="-285750">
+              <a:lnSpc>
+                <a:spcPct val="100000"/>
+              </a:lnSpc>
+              <a:spcBef>
+                <a:spcPts val="285"/>
+              </a:spcBef>
+              <a:buFont typeface="Arial" panose="020B0604020202020204" pitchFamily="34" charset="0"/>
+              <a:buChar char="•"/>
+            </a:pPr>
+            <a:r>
+              <a:rPr lang="en-US" sz="1800" b="0" spc="-5" dirty="0">
+                <a:solidFill>
+                  <a:schemeClr val="tx1"/>
+                </a:solidFill>
+                <a:cs typeface="LM Sans 10"/>
+              </a:rPr>
+              <a:t>Sample of units at one </a:t>
+            </a:r>
+            <a:r>
+              <a:rPr lang="en-US" sz="1800" b="0" dirty="0">
+                <a:solidFill>
+                  <a:schemeClr val="tx1"/>
+                </a:solidFill>
+                <a:cs typeface="LM Sans 10"/>
+              </a:rPr>
+              <a:t>point </a:t>
+            </a:r>
+            <a:r>
+              <a:rPr lang="en-US" sz="1800" b="0" spc="-5" dirty="0">
+                <a:solidFill>
+                  <a:schemeClr val="tx1"/>
+                </a:solidFill>
+                <a:cs typeface="LM Sans 10"/>
+              </a:rPr>
+              <a:t>in time </a:t>
+            </a:r>
+            <a:r>
+              <a:rPr lang="en-US" sz="1800" b="0" spc="-10" dirty="0">
+                <a:solidFill>
+                  <a:schemeClr val="tx1"/>
+                </a:solidFill>
+                <a:cs typeface="LM Sans 10"/>
+              </a:rPr>
+              <a:t>(ignore </a:t>
+            </a:r>
+            <a:r>
+              <a:rPr lang="en-US" sz="1800" b="0" spc="-5" dirty="0">
+                <a:solidFill>
+                  <a:schemeClr val="tx1"/>
+                </a:solidFill>
+                <a:cs typeface="LM Sans 10"/>
+              </a:rPr>
+              <a:t>small time</a:t>
+            </a:r>
+            <a:r>
+              <a:rPr lang="en-US" sz="1800" b="0" spc="35" dirty="0">
+                <a:solidFill>
+                  <a:schemeClr val="tx1"/>
+                </a:solidFill>
+                <a:cs typeface="LM Sans 10"/>
+              </a:rPr>
+              <a:t> </a:t>
+            </a:r>
+            <a:r>
+              <a:rPr lang="en-US" sz="1800" b="0" spc="-10" dirty="0">
+                <a:solidFill>
+                  <a:schemeClr val="tx1"/>
+                </a:solidFill>
+                <a:cs typeface="LM Sans 10"/>
+              </a:rPr>
+              <a:t>diff.)</a:t>
+            </a:r>
+            <a:endParaRPr lang="en-US" sz="1800" b="0" dirty="0">
+              <a:solidFill>
+                <a:schemeClr val="tx1"/>
+              </a:solidFill>
+              <a:cs typeface="LM Sans 10"/>
+            </a:endParaRPr>
+          </a:p>
+          <a:p>
+            <a:pPr marL="298450" indent="-285750">
+              <a:lnSpc>
+                <a:spcPct val="100000"/>
+              </a:lnSpc>
+              <a:spcBef>
+                <a:spcPts val="195"/>
+              </a:spcBef>
+              <a:buFont typeface="Arial" panose="020B0604020202020204" pitchFamily="34" charset="0"/>
+              <a:buChar char="•"/>
+            </a:pPr>
+            <a:r>
+              <a:rPr lang="en-US" sz="1800" spc="-10" dirty="0">
+                <a:solidFill>
+                  <a:schemeClr val="tx1"/>
+                </a:solidFill>
+                <a:cs typeface="LM Sans 10"/>
+              </a:rPr>
+              <a:t>Time </a:t>
+            </a:r>
+            <a:r>
+              <a:rPr lang="en-US" sz="1800" spc="-5" dirty="0">
+                <a:solidFill>
+                  <a:schemeClr val="tx1"/>
+                </a:solidFill>
+                <a:cs typeface="LM Sans 10"/>
+              </a:rPr>
+              <a:t>Series </a:t>
+            </a:r>
+            <a:r>
+              <a:rPr lang="en-US" sz="1800" spc="-10" dirty="0">
+                <a:solidFill>
+                  <a:schemeClr val="tx1"/>
+                </a:solidFill>
+                <a:cs typeface="LM Sans 10"/>
+              </a:rPr>
+              <a:t>Data</a:t>
+            </a:r>
+            <a:endParaRPr lang="en-US" sz="1800" dirty="0">
+              <a:solidFill>
+                <a:schemeClr val="tx1"/>
+              </a:solidFill>
+              <a:cs typeface="LM Sans 10"/>
+            </a:endParaRPr>
+          </a:p>
+          <a:p>
+            <a:pPr marL="622450" lvl="2" indent="-285750">
+              <a:lnSpc>
+                <a:spcPct val="100000"/>
+              </a:lnSpc>
+              <a:spcBef>
+                <a:spcPts val="195"/>
+              </a:spcBef>
+              <a:buFont typeface="Arial" panose="020B0604020202020204" pitchFamily="34" charset="0"/>
+              <a:buChar char="•"/>
+            </a:pPr>
+            <a:r>
+              <a:rPr lang="en-US" sz="1800" b="0" spc="-5" dirty="0">
+                <a:solidFill>
+                  <a:schemeClr val="tx1"/>
+                </a:solidFill>
+                <a:cs typeface="LM Sans 10"/>
+              </a:rPr>
+              <a:t>Observations on a </a:t>
+            </a:r>
+            <a:r>
+              <a:rPr lang="en-US" sz="1800" b="0" spc="-10" dirty="0">
+                <a:solidFill>
+                  <a:schemeClr val="tx1"/>
+                </a:solidFill>
+                <a:cs typeface="LM Sans 10"/>
+              </a:rPr>
+              <a:t>variable </a:t>
+            </a:r>
+            <a:r>
+              <a:rPr lang="en-US" sz="1800" b="0" spc="-5" dirty="0">
+                <a:solidFill>
+                  <a:schemeClr val="tx1"/>
+                </a:solidFill>
+                <a:cs typeface="LM Sans 10"/>
+              </a:rPr>
+              <a:t>over time </a:t>
+            </a:r>
+            <a:r>
+              <a:rPr lang="en-US" sz="1800" b="0" spc="-15" dirty="0">
+                <a:solidFill>
+                  <a:schemeClr val="tx1"/>
+                </a:solidFill>
+                <a:cs typeface="LM Sans 10"/>
+              </a:rPr>
+              <a:t>(annually, </a:t>
+            </a:r>
+            <a:r>
+              <a:rPr lang="en-US" sz="1800" b="0" spc="-10" dirty="0">
+                <a:solidFill>
+                  <a:schemeClr val="tx1"/>
+                </a:solidFill>
+                <a:cs typeface="LM Sans 10"/>
+              </a:rPr>
+              <a:t>monthly,...) </a:t>
+            </a:r>
+          </a:p>
+          <a:p>
+            <a:pPr marL="622450" lvl="2" indent="-285750">
+              <a:lnSpc>
+                <a:spcPct val="100000"/>
+              </a:lnSpc>
+              <a:spcBef>
+                <a:spcPts val="195"/>
+              </a:spcBef>
+              <a:buFont typeface="Arial" panose="020B0604020202020204" pitchFamily="34" charset="0"/>
+              <a:buChar char="•"/>
+            </a:pPr>
+            <a:r>
+              <a:rPr lang="en-US" sz="1800" b="0" spc="-5" dirty="0">
+                <a:solidFill>
+                  <a:schemeClr val="tx1"/>
+                </a:solidFill>
+                <a:cs typeface="LM Sans 10"/>
+              </a:rPr>
+              <a:t>Often, </a:t>
+            </a:r>
+            <a:r>
+              <a:rPr lang="en-US" sz="1800" b="0" spc="-20" dirty="0">
+                <a:solidFill>
+                  <a:schemeClr val="tx1"/>
+                </a:solidFill>
+                <a:cs typeface="LM Sans 10"/>
+              </a:rPr>
+              <a:t>we </a:t>
+            </a:r>
+            <a:r>
+              <a:rPr lang="en-US" sz="1800" b="0" spc="-5" dirty="0">
+                <a:solidFill>
+                  <a:schemeClr val="tx1"/>
+                </a:solidFill>
+                <a:cs typeface="LM Sans 10"/>
+              </a:rPr>
+              <a:t>need to account </a:t>
+            </a:r>
+            <a:r>
+              <a:rPr lang="en-US" sz="1800" b="0" spc="-15" dirty="0">
+                <a:solidFill>
+                  <a:schemeClr val="tx1"/>
+                </a:solidFill>
+                <a:cs typeface="LM Sans 10"/>
+              </a:rPr>
+              <a:t>for </a:t>
+            </a:r>
+            <a:r>
+              <a:rPr lang="en-US" sz="1800" b="0" spc="-5" dirty="0">
+                <a:solidFill>
+                  <a:schemeClr val="tx1"/>
+                </a:solidFill>
+                <a:cs typeface="LM Sans 10"/>
+              </a:rPr>
+              <a:t>time </a:t>
+            </a:r>
+            <a:r>
+              <a:rPr lang="en-US" sz="1800" b="0" dirty="0">
+                <a:solidFill>
+                  <a:schemeClr val="tx1"/>
+                </a:solidFill>
+                <a:cs typeface="LM Sans 10"/>
+              </a:rPr>
+              <a:t>dependency </a:t>
+            </a:r>
+            <a:r>
+              <a:rPr lang="en-US" sz="1800" b="0" spc="-5" dirty="0">
+                <a:solidFill>
+                  <a:schemeClr val="tx1"/>
+                </a:solidFill>
+                <a:cs typeface="LM Sans 10"/>
+              </a:rPr>
+              <a:t>of</a:t>
+            </a:r>
+            <a:r>
+              <a:rPr lang="en-US" sz="1800" b="0" spc="10" dirty="0">
+                <a:solidFill>
+                  <a:schemeClr val="tx1"/>
+                </a:solidFill>
+                <a:cs typeface="LM Sans 10"/>
+              </a:rPr>
+              <a:t> </a:t>
+            </a:r>
+            <a:r>
+              <a:rPr lang="en-US" sz="1800" b="0" spc="-5" dirty="0">
+                <a:solidFill>
+                  <a:schemeClr val="tx1"/>
+                </a:solidFill>
+                <a:cs typeface="LM Sans 10"/>
+              </a:rPr>
+              <a:t>data</a:t>
+            </a:r>
+            <a:endParaRPr lang="en-US" sz="1800" dirty="0">
+              <a:cs typeface="LM Sans 10"/>
+            </a:endParaRPr>
+          </a:p>
+          <a:p>
+            <a:pPr marL="298450" lvl="1" indent="-285750">
+              <a:lnSpc>
+                <a:spcPct val="100000"/>
+              </a:lnSpc>
+              <a:spcBef>
+                <a:spcPts val="195"/>
+              </a:spcBef>
+              <a:buFont typeface="Arial" panose="020B0604020202020204" pitchFamily="34" charset="0"/>
+              <a:buChar char="•"/>
+            </a:pPr>
+            <a:r>
+              <a:rPr lang="en-US" sz="1800" b="1" spc="-5" dirty="0">
+                <a:solidFill>
+                  <a:schemeClr val="tx1"/>
+                </a:solidFill>
+                <a:cs typeface="LM Sans 10"/>
+              </a:rPr>
+              <a:t>Pooled </a:t>
+            </a:r>
+            <a:r>
+              <a:rPr lang="en-US" sz="1800" b="1" spc="-10" dirty="0">
+                <a:solidFill>
+                  <a:schemeClr val="tx1"/>
+                </a:solidFill>
+                <a:cs typeface="LM Sans 10"/>
+              </a:rPr>
+              <a:t>Cross </a:t>
+            </a:r>
+            <a:r>
+              <a:rPr lang="en-US" sz="1800" b="1" spc="-5" dirty="0">
+                <a:solidFill>
+                  <a:schemeClr val="tx1"/>
+                </a:solidFill>
+                <a:cs typeface="LM Sans 10"/>
+              </a:rPr>
+              <a:t>Sections</a:t>
+            </a:r>
+            <a:endParaRPr lang="en-US" sz="1800" b="1" dirty="0">
+              <a:cs typeface="LM Sans 10"/>
+            </a:endParaRPr>
+          </a:p>
+          <a:p>
+            <a:pPr marL="622450" lvl="2" indent="-285750">
+              <a:lnSpc>
+                <a:spcPct val="100000"/>
+              </a:lnSpc>
+              <a:spcBef>
+                <a:spcPts val="195"/>
+              </a:spcBef>
+              <a:buFont typeface="Arial" panose="020B0604020202020204" pitchFamily="34" charset="0"/>
+              <a:buChar char="•"/>
+            </a:pPr>
+            <a:r>
+              <a:rPr lang="en-US" sz="1800" b="0" spc="-10" dirty="0">
+                <a:solidFill>
+                  <a:schemeClr val="tx1"/>
+                </a:solidFill>
+                <a:cs typeface="LM Sans 10"/>
+              </a:rPr>
+              <a:t>Combination </a:t>
+            </a:r>
+            <a:r>
+              <a:rPr lang="en-US" sz="1800" b="0" spc="-5" dirty="0">
+                <a:solidFill>
+                  <a:schemeClr val="tx1"/>
+                </a:solidFill>
+                <a:cs typeface="LM Sans 10"/>
+              </a:rPr>
+              <a:t>of cross sections to increase sample size</a:t>
+            </a:r>
+          </a:p>
+          <a:p>
+            <a:pPr marL="622450" lvl="2" indent="-285750">
+              <a:lnSpc>
+                <a:spcPct val="100000"/>
+              </a:lnSpc>
+              <a:spcBef>
+                <a:spcPts val="195"/>
+              </a:spcBef>
+              <a:buFont typeface="Arial" panose="020B0604020202020204" pitchFamily="34" charset="0"/>
+              <a:buChar char="•"/>
+            </a:pPr>
+            <a:r>
+              <a:rPr lang="en-US" sz="1800" b="0" spc="-5" dirty="0">
+                <a:solidFill>
+                  <a:schemeClr val="tx1"/>
+                </a:solidFill>
+                <a:cs typeface="LM Sans 10"/>
+              </a:rPr>
+              <a:t>Random samples </a:t>
+            </a:r>
+            <a:r>
+              <a:rPr lang="en-US" sz="1800" b="0" i="1" spc="240" dirty="0">
+                <a:solidFill>
+                  <a:schemeClr val="tx1"/>
+                </a:solidFill>
+                <a:cs typeface="DejaVu Sans Condensed"/>
+              </a:rPr>
+              <a:t>→ </a:t>
+            </a:r>
+            <a:r>
+              <a:rPr lang="en-US" sz="1800" b="0" dirty="0">
+                <a:solidFill>
+                  <a:schemeClr val="tx1"/>
+                </a:solidFill>
+                <a:cs typeface="LM Sans 10"/>
+              </a:rPr>
+              <a:t>”same</a:t>
+            </a:r>
+            <a:r>
+              <a:rPr lang="en-US" sz="1800" b="0" spc="-204" dirty="0">
+                <a:solidFill>
+                  <a:schemeClr val="tx1"/>
+                </a:solidFill>
+                <a:cs typeface="LM Sans 10"/>
+              </a:rPr>
+              <a:t> </a:t>
+            </a:r>
+            <a:r>
+              <a:rPr lang="en-US" sz="1800" b="0" dirty="0">
+                <a:solidFill>
+                  <a:schemeClr val="tx1"/>
+                </a:solidFill>
+                <a:cs typeface="LM Sans 10"/>
+              </a:rPr>
+              <a:t>population”</a:t>
+            </a:r>
+          </a:p>
+          <a:p>
+            <a:pPr marL="298450" lvl="1" indent="-285750">
+              <a:lnSpc>
+                <a:spcPct val="100000"/>
+              </a:lnSpc>
+              <a:spcBef>
+                <a:spcPts val="195"/>
+              </a:spcBef>
+              <a:buFont typeface="Arial" panose="020B0604020202020204" pitchFamily="34" charset="0"/>
+              <a:buChar char="•"/>
+            </a:pPr>
+            <a:r>
+              <a:rPr lang="en-US" sz="1800" b="1" spc="-15" dirty="0">
+                <a:solidFill>
+                  <a:schemeClr val="tx1"/>
+                </a:solidFill>
+                <a:cs typeface="LM Sans 10"/>
+              </a:rPr>
+              <a:t>Panel </a:t>
+            </a:r>
+            <a:r>
+              <a:rPr lang="en-US" sz="1800" b="1" spc="-25" dirty="0">
+                <a:solidFill>
+                  <a:schemeClr val="tx1"/>
+                </a:solidFill>
+                <a:cs typeface="LM Sans 10"/>
+              </a:rPr>
+              <a:t>or </a:t>
+            </a:r>
+            <a:r>
+              <a:rPr lang="en-US" sz="1800" b="1" spc="-5" dirty="0">
+                <a:solidFill>
+                  <a:schemeClr val="tx1"/>
+                </a:solidFill>
+                <a:cs typeface="LM Sans 10"/>
+              </a:rPr>
+              <a:t>Longitudinal</a:t>
+            </a:r>
+            <a:r>
+              <a:rPr lang="en-US" sz="1800" b="1" spc="20" dirty="0">
+                <a:solidFill>
+                  <a:schemeClr val="tx1"/>
+                </a:solidFill>
+                <a:cs typeface="LM Sans 10"/>
+              </a:rPr>
+              <a:t> </a:t>
+            </a:r>
+            <a:r>
+              <a:rPr lang="en-US" sz="1800" b="1" spc="-10" dirty="0">
+                <a:solidFill>
+                  <a:schemeClr val="tx1"/>
+                </a:solidFill>
+                <a:cs typeface="LM Sans 10"/>
+              </a:rPr>
+              <a:t>Data</a:t>
+            </a:r>
+            <a:endParaRPr lang="en-US" sz="1800" b="1" dirty="0">
+              <a:cs typeface="LM Sans 10"/>
+            </a:endParaRPr>
+          </a:p>
+          <a:p>
+            <a:pPr marL="622450" lvl="2" indent="-285750">
+              <a:lnSpc>
+                <a:spcPct val="100000"/>
+              </a:lnSpc>
+              <a:spcBef>
+                <a:spcPts val="195"/>
+              </a:spcBef>
+              <a:buFont typeface="Arial" panose="020B0604020202020204" pitchFamily="34" charset="0"/>
+              <a:buChar char="•"/>
+            </a:pPr>
+            <a:r>
+              <a:rPr lang="en-US" sz="1800" b="0" spc="-5" dirty="0">
+                <a:solidFill>
+                  <a:schemeClr val="tx1"/>
+                </a:solidFill>
+                <a:cs typeface="LM Sans 10"/>
+              </a:rPr>
+              <a:t>Time series </a:t>
+            </a:r>
+            <a:r>
+              <a:rPr lang="en-US" sz="1800" b="0" spc="-15" dirty="0">
+                <a:solidFill>
+                  <a:schemeClr val="tx1"/>
+                </a:solidFill>
+                <a:cs typeface="LM Sans 10"/>
+              </a:rPr>
+              <a:t>for </a:t>
+            </a:r>
+            <a:r>
+              <a:rPr lang="en-US" sz="1800" b="0" spc="-5" dirty="0">
+                <a:solidFill>
+                  <a:schemeClr val="tx1"/>
+                </a:solidFill>
+                <a:cs typeface="LM Sans 10"/>
+              </a:rPr>
+              <a:t>each </a:t>
+            </a:r>
+            <a:r>
+              <a:rPr lang="en-US" sz="1800" b="0" dirty="0">
+                <a:solidFill>
+                  <a:schemeClr val="tx1"/>
+                </a:solidFill>
+                <a:cs typeface="LM Sans 10"/>
+              </a:rPr>
+              <a:t>member </a:t>
+            </a:r>
+            <a:r>
+              <a:rPr lang="en-US" sz="1800" b="0" spc="-5" dirty="0">
+                <a:solidFill>
+                  <a:schemeClr val="tx1"/>
+                </a:solidFill>
+                <a:cs typeface="LM Sans 10"/>
+              </a:rPr>
+              <a:t>in cross-sectional data set</a:t>
+            </a:r>
+          </a:p>
+          <a:p>
+            <a:pPr marL="622450" lvl="2" indent="-285750">
+              <a:lnSpc>
+                <a:spcPct val="100000"/>
+              </a:lnSpc>
+              <a:spcBef>
+                <a:spcPts val="195"/>
+              </a:spcBef>
+              <a:buFont typeface="Arial" panose="020B0604020202020204" pitchFamily="34" charset="0"/>
+              <a:buChar char="•"/>
+            </a:pPr>
+            <a:r>
+              <a:rPr lang="en-US" sz="1800" b="0" spc="-5" dirty="0">
+                <a:solidFill>
+                  <a:schemeClr val="tx1"/>
+                </a:solidFill>
+                <a:cs typeface="LM Sans 10"/>
+              </a:rPr>
+              <a:t>Data on the same units across time</a:t>
+            </a:r>
+            <a:endParaRPr lang="en-US" sz="1800" dirty="0">
+              <a:cs typeface="LM Sans 10"/>
+            </a:endParaRPr>
+          </a:p>
+          <a:p>
+            <a:pPr marL="622450" lvl="2" indent="-285750">
+              <a:lnSpc>
+                <a:spcPct val="100000"/>
+              </a:lnSpc>
+              <a:spcBef>
+                <a:spcPts val="195"/>
+              </a:spcBef>
+              <a:buFont typeface="Arial" panose="020B0604020202020204" pitchFamily="34" charset="0"/>
+              <a:buChar char="•"/>
+            </a:pPr>
+            <a:r>
+              <a:rPr lang="en-US" sz="1800" b="0" spc="-10" dirty="0">
+                <a:solidFill>
+                  <a:schemeClr val="tx1"/>
+                </a:solidFill>
+                <a:cs typeface="LM Sans 10"/>
+              </a:rPr>
+              <a:t>Allows </a:t>
+            </a:r>
+            <a:r>
+              <a:rPr lang="en-US" sz="1800" b="0" spc="-5" dirty="0">
+                <a:solidFill>
+                  <a:schemeClr val="tx1"/>
+                </a:solidFill>
+                <a:cs typeface="LM Sans 10"/>
+              </a:rPr>
+              <a:t>estimation of </a:t>
+            </a:r>
+            <a:r>
+              <a:rPr lang="en-US" sz="1800" b="0" spc="-10" dirty="0">
+                <a:solidFill>
+                  <a:schemeClr val="tx1"/>
+                </a:solidFill>
+                <a:cs typeface="LM Sans 10"/>
+              </a:rPr>
+              <a:t>effect </a:t>
+            </a:r>
+            <a:r>
+              <a:rPr lang="en-US" sz="1800" b="0" spc="-5" dirty="0">
+                <a:solidFill>
+                  <a:schemeClr val="tx1"/>
+                </a:solidFill>
+                <a:cs typeface="LM Sans 10"/>
+              </a:rPr>
+              <a:t>over time + new </a:t>
+            </a:r>
+            <a:r>
+              <a:rPr lang="en-US" sz="1800" b="0" dirty="0">
+                <a:solidFill>
+                  <a:schemeClr val="tx1"/>
+                </a:solidFill>
+                <a:cs typeface="LM Sans 10"/>
+              </a:rPr>
+              <a:t>methods </a:t>
+            </a:r>
+            <a:r>
+              <a:rPr lang="en-US" sz="1800" b="0" spc="-5" dirty="0">
+                <a:solidFill>
+                  <a:schemeClr val="tx1"/>
+                </a:solidFill>
+                <a:cs typeface="LM Sans 10"/>
+              </a:rPr>
+              <a:t>(e.g.</a:t>
+            </a:r>
+            <a:r>
+              <a:rPr lang="en-US" sz="1800" b="0" spc="160" dirty="0">
+                <a:solidFill>
+                  <a:schemeClr val="tx1"/>
+                </a:solidFill>
+                <a:cs typeface="LM Sans 10"/>
+              </a:rPr>
+              <a:t> </a:t>
+            </a:r>
+            <a:r>
+              <a:rPr lang="en-US" sz="1800" b="0" spc="-5" dirty="0">
+                <a:solidFill>
+                  <a:schemeClr val="tx1"/>
+                </a:solidFill>
+                <a:cs typeface="LM Sans 10"/>
+              </a:rPr>
+              <a:t>FE)</a:t>
+            </a:r>
+            <a:endParaRPr lang="en-US" sz="1800" b="0" dirty="0">
+              <a:solidFill>
+                <a:schemeClr val="tx1"/>
+              </a:solidFill>
+              <a:cs typeface="LM Sans 10"/>
+            </a:endParaRPr>
+          </a:p>
+          <a:p>
+            <a:endParaRPr lang="de-DE" dirty="0"/>
+          </a:p>
+        </p:txBody>
+      </p:sp>
+      <p:sp>
+        <p:nvSpPr>
+          <p:cNvPr id="4" name="Datumsplatzhalter 3"/>
+          <p:cNvSpPr>
+            <a:spLocks noGrp="1"/>
+          </p:cNvSpPr>
+          <p:nvPr>
+            <p:ph type="dt" sz="half" idx="2"/>
+          </p:nvPr>
+        </p:nvSpPr>
+        <p:spPr/>
+        <p:txBody>
+          <a:bodyPr/>
+          <a:lstStyle/>
+          <a:p>
+            <a:r>
+              <a:rPr lang="de-DE" dirty="0"/>
+              <a:t>21.04.2021</a:t>
+            </a:r>
+          </a:p>
+        </p:txBody>
+      </p:sp>
+      <p:sp>
+        <p:nvSpPr>
+          <p:cNvPr id="5" name="Fußzeilenplatzhalter 4"/>
+          <p:cNvSpPr>
+            <a:spLocks noGrp="1"/>
+          </p:cNvSpPr>
+          <p:nvPr>
+            <p:ph type="ftr" sz="quarter" idx="3"/>
+          </p:nvPr>
+        </p:nvSpPr>
+        <p:spPr/>
+        <p:txBody>
+          <a:bodyPr/>
+          <a:lstStyle/>
+          <a:p>
+            <a:r>
+              <a:rPr lang="de-DE" dirty="0"/>
+              <a:t>Tutorial </a:t>
+            </a:r>
+            <a:r>
+              <a:rPr lang="de-DE" dirty="0" err="1"/>
+              <a:t>Statistics</a:t>
+            </a:r>
+            <a:endParaRPr lang="de-DE" dirty="0"/>
+          </a:p>
+        </p:txBody>
+      </p:sp>
+      <p:sp>
+        <p:nvSpPr>
+          <p:cNvPr id="6" name="Foliennummernplatzhalter 5"/>
+          <p:cNvSpPr>
+            <a:spLocks noGrp="1"/>
+          </p:cNvSpPr>
+          <p:nvPr>
+            <p:ph type="sldNum" sz="quarter" idx="4"/>
+          </p:nvPr>
+        </p:nvSpPr>
+        <p:spPr/>
+        <p:txBody>
+          <a:bodyPr/>
+          <a:lstStyle/>
+          <a:p>
+            <a:fld id="{C05EE493-AD2E-4872-B2F6-8F12A747F0A5}" type="slidenum">
+              <a:rPr lang="de-DE" smtClean="0"/>
+              <a:pPr/>
+              <a:t>5</a:t>
+            </a:fld>
+            <a:endParaRPr lang="de-DE" dirty="0"/>
+          </a:p>
+        </p:txBody>
+      </p:sp>
+    </p:spTree>
+    <p:extLst>
+      <p:ext uri="{BB962C8B-B14F-4D97-AF65-F5344CB8AC3E}">
+        <p14:creationId xmlns:p14="http://schemas.microsoft.com/office/powerpoint/2010/main" val="2074392294"/>
+      </p:ext>
+    </p:extLst>
+  </p:cSld>
+  <p:clrMapOvr>
+    <a:masterClrMapping/>
+  </p:clrMapOvr>
+</p:sld>
+</file>
+
+<file path=ppt/slides/slide6.xml><?xml version="1.0" encoding="utf-8"?>
+<p:sld xmlns:a="http://schemas.openxmlformats.org/drawingml/2006/main" xmlns:r="http://schemas.openxmlformats.org/officeDocument/2006/relationships" xmlns:p="http://schemas.openxmlformats.org/presentationml/2006/main">
+  <p:cSld>
+    <p:spTree>
+      <p:nvGrpSpPr>
+        <p:cNvPr id="1" name=""/>
+        <p:cNvGrpSpPr/>
+        <p:nvPr/>
+      </p:nvGrpSpPr>
+      <p:grpSpPr>
+        <a:xfrm>
+          <a:off x="0" y="0"/>
+          <a:ext cx="0" cy="0"/>
+          <a:chOff x="0" y="0"/>
+          <a:chExt cx="0" cy="0"/>
+        </a:xfrm>
+      </p:grpSpPr>
+      <p:sp>
+        <p:nvSpPr>
+          <p:cNvPr id="2" name="Titel 1"/>
+          <p:cNvSpPr>
+            <a:spLocks noGrp="1"/>
+          </p:cNvSpPr>
+          <p:nvPr>
+            <p:ph type="title"/>
+          </p:nvPr>
+        </p:nvSpPr>
+        <p:spPr/>
+        <p:txBody>
+          <a:bodyPr/>
+          <a:lstStyle/>
+          <a:p>
+            <a:r>
+              <a:rPr lang="de-DE" dirty="0"/>
+              <a:t>Random Variables</a:t>
+            </a:r>
+          </a:p>
+        </p:txBody>
+      </p:sp>
+      <mc:AlternateContent xmlns:mc="http://schemas.openxmlformats.org/markup-compatibility/2006" xmlns:a14="http://schemas.microsoft.com/office/drawing/2010/main">
+        <mc:Choice Requires="a14">
+          <p:sp>
+            <p:nvSpPr>
+              <p:cNvPr id="3" name="Inhaltsplatzhalter 2"/>
+              <p:cNvSpPr>
+                <a:spLocks noGrp="1"/>
+              </p:cNvSpPr>
+              <p:nvPr>
+                <p:ph idx="1"/>
+              </p:nvPr>
+            </p:nvSpPr>
+            <p:spPr>
+              <a:xfrm>
+                <a:off x="323850" y="1772816"/>
+                <a:ext cx="7200478" cy="4320009"/>
+              </a:xfrm>
+            </p:spPr>
+            <p:txBody>
+              <a:bodyPr/>
+              <a:lstStyle/>
+              <a:p>
+                <a:pPr marL="335915" indent="-285750">
+                  <a:lnSpc>
+                    <a:spcPts val="2200"/>
+                  </a:lnSpc>
+                  <a:spcBef>
+                    <a:spcPts val="275"/>
+                  </a:spcBef>
+                  <a:buFont typeface="Arial" panose="020B0604020202020204" pitchFamily="34" charset="0"/>
+                  <a:buChar char="•"/>
+                </a:pPr>
+                <a:r>
+                  <a:rPr lang="en-US" sz="1800" b="0" dirty="0">
+                    <a:solidFill>
+                      <a:schemeClr val="tx1"/>
+                    </a:solidFill>
+                    <a:cs typeface="LM Sans 10"/>
+                  </a:rPr>
+                  <a:t>Random variables are usually denoted “X”</a:t>
+                </a:r>
+              </a:p>
+              <a:p>
+                <a:pPr marL="335915" indent="-285750">
+                  <a:lnSpc>
+                    <a:spcPts val="2200"/>
+                  </a:lnSpc>
+                  <a:spcBef>
+                    <a:spcPts val="275"/>
+                  </a:spcBef>
+                  <a:buFont typeface="Arial" panose="020B0604020202020204" pitchFamily="34" charset="0"/>
+                  <a:buChar char="•"/>
+                </a:pPr>
+                <a:r>
+                  <a:rPr lang="en-US" sz="1800" b="0" dirty="0">
+                    <a:solidFill>
+                      <a:schemeClr val="tx1"/>
+                    </a:solidFill>
+                    <a:cs typeface="LM Sans 10"/>
+                  </a:rPr>
+                  <a:t>Values of X are numerical outcomes of random phenomena</a:t>
+                </a:r>
+              </a:p>
+              <a:p>
+                <a:pPr marL="659915" lvl="2" indent="-285750">
+                  <a:lnSpc>
+                    <a:spcPts val="2200"/>
+                  </a:lnSpc>
+                  <a:spcBef>
+                    <a:spcPts val="275"/>
+                  </a:spcBef>
+                  <a:buFont typeface="Arial" panose="020B0604020202020204" pitchFamily="34" charset="0"/>
+                  <a:buChar char="•"/>
+                </a:pPr>
+                <a:r>
+                  <a:rPr lang="en-US" sz="1800" dirty="0">
+                    <a:cs typeface="LM Sans 10"/>
+                  </a:rPr>
+                  <a:t>X = </a:t>
+                </a:r>
+                <a:r>
+                  <a:rPr lang="en-US" sz="1800" b="1" dirty="0">
+                    <a:cs typeface="LM Sans 10"/>
+                  </a:rPr>
+                  <a:t>set of possible values </a:t>
+                </a:r>
+                <a:r>
+                  <a:rPr lang="en-US" sz="1800" dirty="0">
+                    <a:cs typeface="LM Sans 10"/>
+                  </a:rPr>
+                  <a:t>from a random experiment</a:t>
+                </a:r>
+              </a:p>
+              <a:p>
+                <a:pPr marL="659915" lvl="2" indent="-285750">
+                  <a:lnSpc>
+                    <a:spcPts val="2200"/>
+                  </a:lnSpc>
+                  <a:spcBef>
+                    <a:spcPts val="275"/>
+                  </a:spcBef>
+                  <a:buFont typeface="Arial" panose="020B0604020202020204" pitchFamily="34" charset="0"/>
+                  <a:buChar char="•"/>
+                </a:pPr>
+                <a:r>
+                  <a:rPr lang="en-US" sz="1800" dirty="0">
+                    <a:cs typeface="LM Sans 10"/>
+                  </a:rPr>
+                  <a:t>x = </a:t>
+                </a:r>
+                <a:r>
+                  <a:rPr lang="en-US" sz="1800" b="1" dirty="0">
+                    <a:cs typeface="LM Sans 10"/>
+                  </a:rPr>
+                  <a:t>particular outcome </a:t>
+                </a:r>
+                <a:r>
+                  <a:rPr lang="en-US" sz="1800" dirty="0">
+                    <a:cs typeface="LM Sans 10"/>
+                  </a:rPr>
+                  <a:t>of a random experiment</a:t>
+                </a:r>
+              </a:p>
+              <a:p>
+                <a:pPr marL="1109915" lvl="3" indent="-285750">
+                  <a:lnSpc>
+                    <a:spcPts val="2200"/>
+                  </a:lnSpc>
+                  <a:spcBef>
+                    <a:spcPts val="275"/>
+                  </a:spcBef>
+                  <a:buFont typeface="Arial" panose="020B0604020202020204" pitchFamily="34" charset="0"/>
+                  <a:buChar char="•"/>
+                </a:pPr>
+                <a:r>
+                  <a:rPr lang="en-US" sz="1800" b="0" dirty="0">
+                    <a:solidFill>
+                      <a:schemeClr val="tx1"/>
+                    </a:solidFill>
+                    <a:cs typeface="LM Sans 10"/>
+                  </a:rPr>
+                  <a:t>If we roll a dice, we have X</a:t>
+                </a:r>
+                <a:r>
+                  <a:rPr lang="en-US" sz="1800" b="0" baseline="-25000" dirty="0">
+                    <a:solidFill>
+                      <a:schemeClr val="tx1"/>
+                    </a:solidFill>
+                    <a:cs typeface="LM Sans 10"/>
+                  </a:rPr>
+                  <a:t>i </a:t>
+                </a:r>
+                <a:r>
+                  <a:rPr lang="en-US" sz="1800" b="0" dirty="0">
+                    <a:solidFill>
+                      <a:schemeClr val="tx1"/>
+                    </a:solidFill>
+                    <a:cs typeface="LM Sans 10"/>
+                  </a:rPr>
+                  <a:t> = {1,2,3,4,5,6}</a:t>
+                </a:r>
+              </a:p>
+              <a:p>
+                <a:pPr marL="1109915" lvl="3" indent="-285750">
+                  <a:lnSpc>
+                    <a:spcPts val="2200"/>
+                  </a:lnSpc>
+                  <a:spcBef>
+                    <a:spcPts val="275"/>
+                  </a:spcBef>
+                  <a:buFont typeface="Arial" panose="020B0604020202020204" pitchFamily="34" charset="0"/>
+                  <a:buChar char="•"/>
+                </a:pPr>
+                <a:r>
+                  <a:rPr lang="en-US" sz="1800" dirty="0">
+                    <a:cs typeface="LM Sans 10"/>
+                  </a:rPr>
+                  <a:t>The </a:t>
+                </a:r>
+                <a:r>
+                  <a:rPr lang="en-US" sz="1800" u="sng" dirty="0">
+                    <a:cs typeface="LM Sans 10"/>
+                  </a:rPr>
+                  <a:t>realized</a:t>
+                </a:r>
+                <a:r>
+                  <a:rPr lang="en-US" sz="1800" dirty="0">
+                    <a:cs typeface="LM Sans 10"/>
+                  </a:rPr>
+                  <a:t> throws might be x</a:t>
+                </a:r>
+                <a:r>
+                  <a:rPr lang="en-US" sz="1800" baseline="-25000" dirty="0">
+                    <a:cs typeface="LM Sans 10"/>
+                  </a:rPr>
+                  <a:t>1</a:t>
+                </a:r>
+                <a:r>
+                  <a:rPr lang="en-US" sz="1800" dirty="0">
+                    <a:cs typeface="LM Sans 10"/>
+                  </a:rPr>
+                  <a:t> = 2, x</a:t>
+                </a:r>
+                <a:r>
+                  <a:rPr lang="en-US" sz="1800" baseline="-25000" dirty="0">
+                    <a:cs typeface="LM Sans 10"/>
+                  </a:rPr>
+                  <a:t>2</a:t>
+                </a:r>
+                <a:r>
+                  <a:rPr lang="en-US" sz="1800" dirty="0">
+                    <a:cs typeface="LM Sans 10"/>
+                  </a:rPr>
+                  <a:t> = 4, … , x</a:t>
+                </a:r>
+                <a:r>
+                  <a:rPr lang="en-US" sz="1800" baseline="-25000" dirty="0">
+                    <a:cs typeface="LM Sans 10"/>
+                  </a:rPr>
+                  <a:t>6</a:t>
+                </a:r>
+                <a:r>
+                  <a:rPr lang="en-US" sz="1800" dirty="0">
+                    <a:cs typeface="LM Sans 10"/>
+                  </a:rPr>
+                  <a:t> = 6</a:t>
+                </a:r>
+              </a:p>
+              <a:p>
+                <a:pPr marL="335915" lvl="1" indent="-285750">
+                  <a:lnSpc>
+                    <a:spcPts val="2200"/>
+                  </a:lnSpc>
+                  <a:spcBef>
+                    <a:spcPts val="275"/>
+                  </a:spcBef>
+                  <a:buFont typeface="Arial" panose="020B0604020202020204" pitchFamily="34" charset="0"/>
+                  <a:buChar char="•"/>
+                </a:pPr>
+                <a:r>
+                  <a:rPr lang="en-US" sz="1800" dirty="0">
+                    <a:cs typeface="LM Sans 10"/>
+                  </a:rPr>
+                  <a:t>Each element of X can have a different probability</a:t>
+                </a:r>
+              </a:p>
+              <a:p>
+                <a:pPr marL="659915" lvl="2" indent="-285750">
+                  <a:lnSpc>
+                    <a:spcPts val="2200"/>
+                  </a:lnSpc>
+                  <a:spcBef>
+                    <a:spcPts val="275"/>
+                  </a:spcBef>
+                  <a:buFont typeface="Arial" panose="020B0604020202020204" pitchFamily="34" charset="0"/>
+                  <a:buChar char="•"/>
+                </a:pPr>
+                <a:r>
+                  <a:rPr lang="en-US" sz="1800" b="0" dirty="0">
+                    <a:solidFill>
+                      <a:schemeClr val="tx1"/>
+                    </a:solidFill>
+                    <a:cs typeface="LM Sans 10"/>
+                  </a:rPr>
+                  <a:t>P(X = value) = probability of a certain value</a:t>
+                </a:r>
+              </a:p>
+              <a:p>
+                <a:pPr marL="1109915" lvl="3" indent="-285750">
+                  <a:lnSpc>
+                    <a:spcPts val="2200"/>
+                  </a:lnSpc>
+                  <a:spcBef>
+                    <a:spcPts val="275"/>
+                  </a:spcBef>
+                  <a:buFont typeface="Arial" panose="020B0604020202020204" pitchFamily="34" charset="0"/>
+                  <a:buChar char="•"/>
+                </a:pPr>
+                <a:r>
+                  <a:rPr lang="en-US" sz="1800" dirty="0">
+                    <a:cs typeface="LM Sans 10"/>
+                  </a:rPr>
+                  <a:t>Dice: P(X = xi) = </a:t>
+                </a:r>
+                <a14:m>
+                  <m:oMath xmlns:m="http://schemas.openxmlformats.org/officeDocument/2006/math">
+                    <m:f>
+                      <m:fPr>
+                        <m:ctrlPr>
+                          <a:rPr lang="en-US" sz="1800" i="1" smtClean="0">
+                            <a:latin typeface="Cambria Math" panose="02040503050406030204" pitchFamily="18" charset="0"/>
+                          </a:rPr>
+                        </m:ctrlPr>
+                      </m:fPr>
+                      <m:num>
+                        <m:r>
+                          <a:rPr lang="de-DE" sz="1800" b="0" i="1" smtClean="0">
+                            <a:latin typeface="Cambria Math" panose="02040503050406030204" pitchFamily="18" charset="0"/>
+                          </a:rPr>
+                          <m:t>1</m:t>
+                        </m:r>
+                      </m:num>
+                      <m:den>
+                        <m:r>
+                          <a:rPr lang="de-DE" sz="1800" b="0" i="1" smtClean="0">
+                            <a:latin typeface="Cambria Math" panose="02040503050406030204" pitchFamily="18" charset="0"/>
+                          </a:rPr>
+                          <m:t>6</m:t>
+                        </m:r>
+                      </m:den>
+                    </m:f>
+                    <m:r>
+                      <a:rPr lang="de-DE" sz="1800" b="0" i="0" smtClean="0">
+                        <a:latin typeface="Cambria Math" panose="02040503050406030204" pitchFamily="18" charset="0"/>
+                      </a:rPr>
+                      <m:t>  ,</m:t>
+                    </m:r>
+                  </m:oMath>
+                </a14:m>
+                <a:r>
+                  <a:rPr lang="en-US" sz="1800" b="0" dirty="0">
+                    <a:solidFill>
+                      <a:schemeClr val="tx1"/>
+                    </a:solidFill>
+                    <a:cs typeface="LM Sans 10"/>
+                  </a:rPr>
+                  <a:t>with x1 = 1,2,…6</a:t>
+                </a:r>
+              </a:p>
+              <a:p>
+                <a:pPr marL="659915" lvl="2" indent="-285750">
+                  <a:lnSpc>
+                    <a:spcPts val="2200"/>
+                  </a:lnSpc>
+                  <a:spcBef>
+                    <a:spcPts val="275"/>
+                  </a:spcBef>
+                  <a:buFont typeface="Arial" panose="020B0604020202020204" pitchFamily="34" charset="0"/>
+                  <a:buChar char="•"/>
+                </a:pPr>
+                <a:r>
+                  <a:rPr lang="en-US" sz="1800" dirty="0">
+                    <a:cs typeface="LM Sans 10"/>
+                  </a:rPr>
+                  <a:t>Probability that X takes on a range of values</a:t>
+                </a:r>
+              </a:p>
+              <a:p>
+                <a:pPr marL="1109915" lvl="3" indent="-285750">
+                  <a:lnSpc>
+                    <a:spcPts val="2200"/>
+                  </a:lnSpc>
+                  <a:spcBef>
+                    <a:spcPts val="275"/>
+                  </a:spcBef>
+                  <a:buFont typeface="Arial" panose="020B0604020202020204" pitchFamily="34" charset="0"/>
+                  <a:buChar char="•"/>
+                </a:pPr>
+                <a:r>
+                  <a:rPr lang="en-US" sz="1800" b="0" dirty="0">
+                    <a:solidFill>
+                      <a:schemeClr val="tx1"/>
+                    </a:solidFill>
+                    <a:cs typeface="LM Sans 10"/>
+                  </a:rPr>
+                  <a:t>X is lower than 3 → P(1 ≤ X &lt; 3)</a:t>
+                </a:r>
+              </a:p>
+              <a:p>
+                <a:pPr marL="1109915" lvl="3" indent="-285750">
+                  <a:lnSpc>
+                    <a:spcPts val="2200"/>
+                  </a:lnSpc>
+                  <a:spcBef>
+                    <a:spcPts val="275"/>
+                  </a:spcBef>
+                  <a:buFont typeface="Arial" panose="020B0604020202020204" pitchFamily="34" charset="0"/>
+                  <a:buChar char="•"/>
+                </a:pPr>
+                <a:r>
+                  <a:rPr lang="en-US" sz="1800" dirty="0">
+                    <a:cs typeface="LM Sans 10"/>
+                  </a:rPr>
+                  <a:t>P(1 ≤ X &lt; 3) = </a:t>
+                </a:r>
+                <a14:m>
+                  <m:oMath xmlns:m="http://schemas.openxmlformats.org/officeDocument/2006/math">
+                    <m:f>
+                      <m:fPr>
+                        <m:ctrlPr>
+                          <a:rPr lang="en-US" sz="1800" i="1" smtClean="0">
+                            <a:latin typeface="Cambria Math" panose="02040503050406030204" pitchFamily="18" charset="0"/>
+                          </a:rPr>
+                        </m:ctrlPr>
+                      </m:fPr>
+                      <m:num>
+                        <m:r>
+                          <a:rPr lang="de-DE" sz="1800" b="0" i="1" smtClean="0">
+                            <a:latin typeface="Cambria Math" panose="02040503050406030204" pitchFamily="18" charset="0"/>
+                          </a:rPr>
+                          <m:t>1</m:t>
+                        </m:r>
+                      </m:num>
+                      <m:den>
+                        <m:r>
+                          <a:rPr lang="de-DE" sz="1800" b="0" i="1" smtClean="0">
+                            <a:latin typeface="Cambria Math" panose="02040503050406030204" pitchFamily="18" charset="0"/>
+                          </a:rPr>
+                          <m:t>6</m:t>
+                        </m:r>
+                      </m:den>
+                    </m:f>
+                    <m:r>
+                      <a:rPr lang="de-DE" sz="1800" b="0" i="0" smtClean="0">
+                        <a:latin typeface="Cambria Math" panose="02040503050406030204" pitchFamily="18" charset="0"/>
+                      </a:rPr>
+                      <m:t> </m:t>
+                    </m:r>
+                  </m:oMath>
+                </a14:m>
+                <a:r>
+                  <a:rPr lang="en-US" sz="1800" b="0" dirty="0">
+                    <a:solidFill>
+                      <a:schemeClr val="tx1"/>
+                    </a:solidFill>
+                    <a:cs typeface="LM Sans 10"/>
+                  </a:rPr>
+                  <a:t> + </a:t>
+                </a:r>
+                <a14:m>
+                  <m:oMath xmlns:m="http://schemas.openxmlformats.org/officeDocument/2006/math">
+                    <m:f>
+                      <m:fPr>
+                        <m:ctrlPr>
+                          <a:rPr lang="en-US" sz="1800" i="1">
+                            <a:latin typeface="Cambria Math" panose="02040503050406030204" pitchFamily="18" charset="0"/>
+                          </a:rPr>
+                        </m:ctrlPr>
+                      </m:fPr>
+                      <m:num>
+                        <m:r>
+                          <a:rPr lang="de-DE" sz="1800" i="1">
+                            <a:latin typeface="Cambria Math" panose="02040503050406030204" pitchFamily="18" charset="0"/>
+                          </a:rPr>
+                          <m:t>1</m:t>
+                        </m:r>
+                      </m:num>
+                      <m:den>
+                        <m:r>
+                          <a:rPr lang="de-DE" sz="1800" i="1">
+                            <a:latin typeface="Cambria Math" panose="02040503050406030204" pitchFamily="18" charset="0"/>
+                          </a:rPr>
+                          <m:t>6</m:t>
+                        </m:r>
+                      </m:den>
+                    </m:f>
+                    <m:r>
+                      <a:rPr lang="de-DE" sz="1800">
+                        <a:latin typeface="Cambria Math" panose="02040503050406030204" pitchFamily="18" charset="0"/>
+                      </a:rPr>
+                      <m:t> </m:t>
+                    </m:r>
+                  </m:oMath>
+                </a14:m>
+                <a:r>
+                  <a:rPr lang="en-US" sz="1800" b="0" dirty="0">
+                    <a:solidFill>
+                      <a:schemeClr val="tx1"/>
+                    </a:solidFill>
+                    <a:cs typeface="LM Sans 10"/>
+                  </a:rPr>
+                  <a:t> = </a:t>
+                </a:r>
+                <a14:m>
+                  <m:oMath xmlns:m="http://schemas.openxmlformats.org/officeDocument/2006/math">
+                    <m:f>
+                      <m:fPr>
+                        <m:ctrlPr>
+                          <a:rPr lang="en-US" sz="1800" b="0" i="1" smtClean="0">
+                            <a:solidFill>
+                              <a:schemeClr val="tx1"/>
+                            </a:solidFill>
+                            <a:latin typeface="Cambria Math" panose="02040503050406030204" pitchFamily="18" charset="0"/>
+                          </a:rPr>
+                        </m:ctrlPr>
+                      </m:fPr>
+                      <m:num>
+                        <m:r>
+                          <a:rPr lang="de-DE" sz="1800" b="0" i="1" smtClean="0">
+                            <a:solidFill>
+                              <a:schemeClr val="tx1"/>
+                            </a:solidFill>
+                            <a:latin typeface="Cambria Math" panose="02040503050406030204" pitchFamily="18" charset="0"/>
+                          </a:rPr>
+                          <m:t>1</m:t>
+                        </m:r>
+                      </m:num>
+                      <m:den>
+                        <m:r>
+                          <a:rPr lang="de-DE" sz="1800" b="0" i="1" smtClean="0">
+                            <a:solidFill>
+                              <a:schemeClr val="tx1"/>
+                            </a:solidFill>
+                            <a:latin typeface="Cambria Math" panose="02040503050406030204" pitchFamily="18" charset="0"/>
+                          </a:rPr>
+                          <m:t>3</m:t>
+                        </m:r>
+                      </m:den>
+                    </m:f>
+                  </m:oMath>
+                </a14:m>
+                <a:endParaRPr lang="en-US" sz="1800" b="0" dirty="0">
+                  <a:solidFill>
+                    <a:schemeClr val="tx1"/>
+                  </a:solidFill>
+                  <a:cs typeface="LM Sans 10"/>
+                </a:endParaRPr>
+              </a:p>
+              <a:p>
+                <a:pPr marL="335915" lvl="1" indent="-285750">
+                  <a:lnSpc>
+                    <a:spcPts val="2200"/>
+                  </a:lnSpc>
+                  <a:spcBef>
+                    <a:spcPts val="275"/>
+                  </a:spcBef>
+                  <a:buFont typeface="Arial" panose="020B0604020202020204" pitchFamily="34" charset="0"/>
+                  <a:buChar char="•"/>
+                </a:pPr>
+                <a:r>
+                  <a:rPr lang="en-US" sz="1800" dirty="0">
+                    <a:cs typeface="LM Sans 10"/>
+                  </a:rPr>
+                  <a:t>“Events” = set of outcomes (e.g. all outcomes with X &gt; 2)</a:t>
+                </a:r>
+                <a:endParaRPr lang="en-US" sz="1800" b="0" dirty="0">
+                  <a:solidFill>
+                    <a:schemeClr val="tx1"/>
+                  </a:solidFill>
+                  <a:cs typeface="LM Sans 10"/>
+                </a:endParaRPr>
+              </a:p>
+              <a:p>
+                <a:pPr marL="342900" indent="-342900">
+                  <a:buFont typeface="+mj-lt"/>
+                  <a:buAutoNum type="arabicPeriod"/>
+                </a:pPr>
+                <a:endParaRPr lang="de-DE" dirty="0"/>
+              </a:p>
+              <a:p>
+                <a:endParaRPr lang="de-DE" dirty="0"/>
+              </a:p>
+            </p:txBody>
+          </p:sp>
+        </mc:Choice>
+        <mc:Fallback xmlns="">
+          <p:sp>
+            <p:nvSpPr>
+              <p:cNvPr id="3" name="Inhaltsplatzhalter 2"/>
+              <p:cNvSpPr>
+                <a:spLocks noGrp="1" noRot="1" noChangeAspect="1" noMove="1" noResize="1" noEditPoints="1" noAdjustHandles="1" noChangeArrowheads="1" noChangeShapeType="1" noTextEdit="1"/>
+              </p:cNvSpPr>
+              <p:nvPr>
+                <p:ph idx="1"/>
+              </p:nvPr>
+            </p:nvSpPr>
+            <p:spPr>
+              <a:xfrm>
+                <a:off x="323850" y="1772816"/>
+                <a:ext cx="7200478" cy="4320009"/>
+              </a:xfrm>
+              <a:blipFill>
+                <a:blip r:embed="rId2"/>
+                <a:stretch>
+                  <a:fillRect l="-1101" t="-2119"/>
+                </a:stretch>
+              </a:blipFill>
+            </p:spPr>
+            <p:txBody>
+              <a:bodyPr/>
+              <a:lstStyle/>
+              <a:p>
+                <a:r>
+                  <a:rPr lang="de-DE">
+                    <a:noFill/>
+                  </a:rPr>
+                  <a:t> </a:t>
+                </a:r>
+              </a:p>
+            </p:txBody>
+          </p:sp>
+        </mc:Fallback>
+      </mc:AlternateContent>
+      <p:sp>
+        <p:nvSpPr>
+          <p:cNvPr id="4" name="Datumsplatzhalter 3"/>
+          <p:cNvSpPr>
+            <a:spLocks noGrp="1"/>
+          </p:cNvSpPr>
+          <p:nvPr>
+            <p:ph type="dt" sz="half" idx="2"/>
+          </p:nvPr>
+        </p:nvSpPr>
+        <p:spPr/>
+        <p:txBody>
+          <a:bodyPr/>
+          <a:lstStyle/>
+          <a:p>
+            <a:r>
+              <a:rPr lang="de-DE" dirty="0"/>
+              <a:t>21.04.2021</a:t>
+            </a:r>
+          </a:p>
+        </p:txBody>
+      </p:sp>
+      <p:sp>
+        <p:nvSpPr>
+          <p:cNvPr id="5" name="Fußzeilenplatzhalter 4"/>
+          <p:cNvSpPr>
+            <a:spLocks noGrp="1"/>
+          </p:cNvSpPr>
+          <p:nvPr>
+            <p:ph type="ftr" sz="quarter" idx="3"/>
+          </p:nvPr>
+        </p:nvSpPr>
+        <p:spPr/>
+        <p:txBody>
+          <a:bodyPr/>
+          <a:lstStyle/>
+          <a:p>
+            <a:r>
+              <a:rPr lang="de-DE" dirty="0"/>
+              <a:t>Tutorial </a:t>
+            </a:r>
+            <a:r>
+              <a:rPr lang="de-DE" dirty="0" err="1"/>
+              <a:t>Statistics</a:t>
+            </a:r>
+            <a:endParaRPr lang="de-DE" dirty="0"/>
+          </a:p>
+        </p:txBody>
+      </p:sp>
+      <p:sp>
+        <p:nvSpPr>
+          <p:cNvPr id="6" name="Foliennummernplatzhalter 5"/>
+          <p:cNvSpPr>
+            <a:spLocks noGrp="1"/>
+          </p:cNvSpPr>
+          <p:nvPr>
+            <p:ph type="sldNum" sz="quarter" idx="4"/>
+          </p:nvPr>
+        </p:nvSpPr>
+        <p:spPr/>
+        <p:txBody>
+          <a:bodyPr/>
+          <a:lstStyle/>
+          <a:p>
+            <a:fld id="{C05EE493-AD2E-4872-B2F6-8F12A747F0A5}" type="slidenum">
+              <a:rPr lang="de-DE" smtClean="0"/>
+              <a:pPr/>
+              <a:t>6</a:t>
+            </a:fld>
+            <a:endParaRPr lang="de-DE" dirty="0"/>
+          </a:p>
+        </p:txBody>
+      </p:sp>
+    </p:spTree>
+    <p:extLst>
+      <p:ext uri="{BB962C8B-B14F-4D97-AF65-F5344CB8AC3E}">
+        <p14:creationId xmlns:p14="http://schemas.microsoft.com/office/powerpoint/2010/main" val="3551557789"/>
+      </p:ext>
+    </p:extLst>
+  </p:cSld>
+  <p:clrMapOvr>
+    <a:masterClrMapping/>
+  </p:clrMapOvr>
+</p:sld>
+</file>
+
+<file path=ppt/slides/slide7.xml><?xml version="1.0" encoding="utf-8"?>
+<p:sld xmlns:a="http://schemas.openxmlformats.org/drawingml/2006/main" xmlns:r="http://schemas.openxmlformats.org/officeDocument/2006/relationships" xmlns:p="http://schemas.openxmlformats.org/presentationml/2006/main">
+  <p:cSld>
+    <p:spTree>
+      <p:nvGrpSpPr>
+        <p:cNvPr id="1" name=""/>
+        <p:cNvGrpSpPr/>
+        <p:nvPr/>
+      </p:nvGrpSpPr>
+      <p:grpSpPr>
+        <a:xfrm>
+          <a:off x="0" y="0"/>
+          <a:ext cx="0" cy="0"/>
+          <a:chOff x="0" y="0"/>
+          <a:chExt cx="0" cy="0"/>
+        </a:xfrm>
+      </p:grpSpPr>
+      <p:sp>
+        <p:nvSpPr>
+          <p:cNvPr id="2" name="Titel 1"/>
+          <p:cNvSpPr>
+            <a:spLocks noGrp="1"/>
+          </p:cNvSpPr>
+          <p:nvPr>
+            <p:ph type="title"/>
+          </p:nvPr>
+        </p:nvSpPr>
+        <p:spPr/>
+        <p:txBody>
+          <a:bodyPr/>
+          <a:lstStyle/>
+          <a:p>
+            <a:r>
+              <a:rPr lang="de-DE" dirty="0" err="1"/>
+              <a:t>Discrete</a:t>
+            </a:r>
+            <a:r>
+              <a:rPr lang="de-DE" dirty="0"/>
+              <a:t> vs. </a:t>
+            </a:r>
+            <a:r>
+              <a:rPr lang="de-DE" dirty="0" err="1"/>
+              <a:t>continuous</a:t>
+            </a:r>
+            <a:endParaRPr lang="de-DE" dirty="0"/>
+          </a:p>
+        </p:txBody>
+      </p:sp>
+      <p:sp>
+        <p:nvSpPr>
+          <p:cNvPr id="3" name="Inhaltsplatzhalter 2"/>
+          <p:cNvSpPr>
+            <a:spLocks noGrp="1"/>
+          </p:cNvSpPr>
+          <p:nvPr>
+            <p:ph idx="1"/>
+          </p:nvPr>
+        </p:nvSpPr>
+        <p:spPr>
+          <a:xfrm>
+            <a:off x="323850" y="1772816"/>
+            <a:ext cx="8136582" cy="4320009"/>
+          </a:xfrm>
+        </p:spPr>
+        <p:txBody>
+          <a:bodyPr/>
+          <a:lstStyle/>
+          <a:p>
+            <a:pPr marL="342900" indent="-342900">
+              <a:lnSpc>
+                <a:spcPts val="2700"/>
+              </a:lnSpc>
+              <a:buFont typeface="Arial" panose="020B0604020202020204" pitchFamily="34" charset="0"/>
+              <a:buChar char="•"/>
+            </a:pPr>
+            <a:r>
+              <a:rPr lang="de-DE" sz="1800" dirty="0" err="1">
+                <a:solidFill>
+                  <a:schemeClr val="tx1"/>
+                </a:solidFill>
+              </a:rPr>
+              <a:t>Two</a:t>
+            </a:r>
+            <a:r>
+              <a:rPr lang="de-DE" sz="1800" dirty="0">
+                <a:solidFill>
+                  <a:schemeClr val="tx1"/>
+                </a:solidFill>
+              </a:rPr>
+              <a:t> </a:t>
+            </a:r>
+            <a:r>
+              <a:rPr lang="de-DE" sz="1800" dirty="0" err="1">
+                <a:solidFill>
+                  <a:schemeClr val="tx1"/>
+                </a:solidFill>
+              </a:rPr>
+              <a:t>types</a:t>
+            </a:r>
+            <a:r>
+              <a:rPr lang="de-DE" sz="1800" dirty="0">
+                <a:solidFill>
+                  <a:schemeClr val="tx1"/>
+                </a:solidFill>
+              </a:rPr>
+              <a:t> of </a:t>
+            </a:r>
+            <a:r>
+              <a:rPr lang="de-DE" sz="1800" dirty="0" err="1">
+                <a:solidFill>
+                  <a:schemeClr val="tx1"/>
+                </a:solidFill>
+              </a:rPr>
+              <a:t>random</a:t>
+            </a:r>
+            <a:r>
+              <a:rPr lang="de-DE" sz="1800" dirty="0">
+                <a:solidFill>
+                  <a:schemeClr val="tx1"/>
+                </a:solidFill>
+              </a:rPr>
+              <a:t> variables</a:t>
+            </a:r>
+          </a:p>
+          <a:p>
+            <a:pPr marL="666900" lvl="2" indent="-342900">
+              <a:lnSpc>
+                <a:spcPts val="2700"/>
+              </a:lnSpc>
+              <a:buFont typeface="Arial" panose="020B0604020202020204" pitchFamily="34" charset="0"/>
+              <a:buChar char="•"/>
+            </a:pPr>
+            <a:r>
+              <a:rPr lang="de-DE" sz="1800" b="1" dirty="0" err="1"/>
+              <a:t>Discrete</a:t>
+            </a:r>
+            <a:r>
+              <a:rPr lang="de-DE" sz="1800" b="1" dirty="0"/>
+              <a:t> </a:t>
+            </a:r>
+            <a:r>
+              <a:rPr lang="de-DE" sz="1800" b="1" dirty="0" err="1"/>
+              <a:t>random</a:t>
+            </a:r>
+            <a:r>
+              <a:rPr lang="de-DE" sz="1800" b="1" dirty="0"/>
+              <a:t> variables </a:t>
+            </a:r>
+            <a:r>
+              <a:rPr lang="de-DE" sz="1800" dirty="0"/>
+              <a:t>→ </a:t>
+            </a:r>
+            <a:r>
+              <a:rPr lang="de-DE" sz="1800" b="1" dirty="0" err="1"/>
+              <a:t>Probabilty</a:t>
+            </a:r>
+            <a:r>
+              <a:rPr lang="de-DE" sz="1800" b="1" dirty="0"/>
+              <a:t> </a:t>
+            </a:r>
+            <a:r>
+              <a:rPr lang="de-DE" sz="1800" b="1" dirty="0" err="1"/>
+              <a:t>mass</a:t>
+            </a:r>
+            <a:r>
+              <a:rPr lang="de-DE" sz="1800" b="1" dirty="0"/>
+              <a:t> </a:t>
+            </a:r>
+            <a:r>
+              <a:rPr lang="de-DE" sz="1800" b="1" dirty="0" err="1"/>
+              <a:t>function</a:t>
+            </a:r>
+            <a:endParaRPr lang="de-DE" sz="1800" b="1" dirty="0"/>
+          </a:p>
+          <a:p>
+            <a:pPr marL="1116900" lvl="3" indent="-342900">
+              <a:lnSpc>
+                <a:spcPts val="2700"/>
+              </a:lnSpc>
+              <a:buFont typeface="Arial" panose="020B0604020202020204" pitchFamily="34" charset="0"/>
+              <a:buChar char="•"/>
+            </a:pPr>
+            <a:r>
+              <a:rPr lang="de-DE" sz="1800" dirty="0">
+                <a:solidFill>
+                  <a:schemeClr val="tx1"/>
+                </a:solidFill>
+              </a:rPr>
+              <a:t>Takes a </a:t>
+            </a:r>
+            <a:r>
+              <a:rPr lang="de-DE" sz="1800" dirty="0" err="1">
+                <a:solidFill>
+                  <a:schemeClr val="tx1"/>
+                </a:solidFill>
+              </a:rPr>
+              <a:t>countable</a:t>
+            </a:r>
+            <a:r>
+              <a:rPr lang="de-DE" sz="1800" dirty="0">
+                <a:solidFill>
+                  <a:schemeClr val="tx1"/>
+                </a:solidFill>
+              </a:rPr>
+              <a:t> </a:t>
+            </a:r>
+            <a:r>
+              <a:rPr lang="de-DE" sz="1800" dirty="0" err="1">
+                <a:solidFill>
+                  <a:schemeClr val="tx1"/>
+                </a:solidFill>
+              </a:rPr>
+              <a:t>number</a:t>
+            </a:r>
+            <a:r>
+              <a:rPr lang="de-DE" sz="1800" dirty="0">
+                <a:solidFill>
+                  <a:schemeClr val="tx1"/>
+                </a:solidFill>
+              </a:rPr>
+              <a:t> of </a:t>
+            </a:r>
+            <a:r>
+              <a:rPr lang="de-DE" sz="1800" dirty="0" err="1">
+                <a:solidFill>
+                  <a:schemeClr val="tx1"/>
+                </a:solidFill>
+              </a:rPr>
+              <a:t>distinct</a:t>
+            </a:r>
+            <a:r>
+              <a:rPr lang="de-DE" sz="1800" dirty="0">
+                <a:solidFill>
+                  <a:schemeClr val="tx1"/>
+                </a:solidFill>
+              </a:rPr>
+              <a:t> </a:t>
+            </a:r>
+            <a:r>
+              <a:rPr lang="de-DE" sz="1800" dirty="0" err="1">
+                <a:solidFill>
+                  <a:schemeClr val="tx1"/>
+                </a:solidFill>
+              </a:rPr>
+              <a:t>values</a:t>
+            </a:r>
+            <a:r>
+              <a:rPr lang="de-DE" sz="1800" dirty="0">
+                <a:solidFill>
+                  <a:schemeClr val="tx1"/>
+                </a:solidFill>
+              </a:rPr>
+              <a:t> (0,1,2,3,…)</a:t>
+            </a:r>
+          </a:p>
+          <a:p>
+            <a:pPr marL="1116900" lvl="3" indent="-342900">
+              <a:lnSpc>
+                <a:spcPts val="2700"/>
+              </a:lnSpc>
+              <a:buFont typeface="Arial" panose="020B0604020202020204" pitchFamily="34" charset="0"/>
+              <a:buChar char="•"/>
+            </a:pPr>
+            <a:r>
+              <a:rPr lang="de-DE" sz="1800" dirty="0"/>
+              <a:t>Most </a:t>
+            </a:r>
+            <a:r>
+              <a:rPr lang="de-DE" sz="1800" dirty="0" err="1"/>
+              <a:t>often</a:t>
+            </a:r>
+            <a:r>
+              <a:rPr lang="de-DE" sz="1800" dirty="0"/>
+              <a:t>, </a:t>
+            </a:r>
+            <a:r>
+              <a:rPr lang="de-DE" sz="1800" dirty="0" err="1"/>
+              <a:t>discrete</a:t>
+            </a:r>
+            <a:r>
+              <a:rPr lang="de-DE" sz="1800" dirty="0"/>
+              <a:t> </a:t>
+            </a:r>
+            <a:r>
+              <a:rPr lang="de-DE" sz="1800" dirty="0" err="1"/>
+              <a:t>random</a:t>
+            </a:r>
+            <a:r>
+              <a:rPr lang="de-DE" sz="1800" dirty="0"/>
+              <a:t> variables </a:t>
+            </a:r>
+            <a:r>
+              <a:rPr lang="de-DE" sz="1800" dirty="0" err="1"/>
+              <a:t>are</a:t>
+            </a:r>
+            <a:r>
+              <a:rPr lang="de-DE" sz="1800" dirty="0"/>
+              <a:t> </a:t>
+            </a:r>
+            <a:r>
+              <a:rPr lang="de-DE" sz="1800" dirty="0" err="1"/>
+              <a:t>counts</a:t>
+            </a:r>
+            <a:endParaRPr lang="de-DE" sz="1800" dirty="0"/>
+          </a:p>
+          <a:p>
+            <a:pPr marL="1116900" lvl="3" indent="-342900">
+              <a:lnSpc>
+                <a:spcPts val="2700"/>
+              </a:lnSpc>
+              <a:buFont typeface="Arial" panose="020B0604020202020204" pitchFamily="34" charset="0"/>
+              <a:buChar char="•"/>
+            </a:pPr>
+            <a:r>
+              <a:rPr lang="de-DE" sz="1800" dirty="0" err="1">
+                <a:solidFill>
+                  <a:schemeClr val="tx1"/>
+                </a:solidFill>
+              </a:rPr>
+              <a:t>Number</a:t>
+            </a:r>
+            <a:r>
+              <a:rPr lang="de-DE" sz="1800" dirty="0">
+                <a:solidFill>
+                  <a:schemeClr val="tx1"/>
+                </a:solidFill>
+              </a:rPr>
+              <a:t> of </a:t>
+            </a:r>
+            <a:r>
+              <a:rPr lang="de-DE" sz="1800" dirty="0" err="1">
+                <a:solidFill>
+                  <a:schemeClr val="tx1"/>
+                </a:solidFill>
+              </a:rPr>
+              <a:t>attendants</a:t>
+            </a:r>
+            <a:r>
+              <a:rPr lang="de-DE" sz="1800" dirty="0">
+                <a:solidFill>
+                  <a:schemeClr val="tx1"/>
+                </a:solidFill>
+              </a:rPr>
+              <a:t> in a </a:t>
+            </a:r>
+            <a:r>
+              <a:rPr lang="de-DE" sz="1800" dirty="0" err="1">
+                <a:solidFill>
+                  <a:schemeClr val="tx1"/>
+                </a:solidFill>
+              </a:rPr>
+              <a:t>tutorial</a:t>
+            </a:r>
+            <a:r>
+              <a:rPr lang="de-DE" sz="1800" dirty="0">
+                <a:solidFill>
+                  <a:schemeClr val="tx1"/>
+                </a:solidFill>
+              </a:rPr>
+              <a:t>, </a:t>
+            </a:r>
+            <a:r>
+              <a:rPr lang="de-DE" sz="1800" dirty="0" err="1">
+                <a:solidFill>
+                  <a:schemeClr val="tx1"/>
+                </a:solidFill>
+              </a:rPr>
+              <a:t>inha</a:t>
+            </a:r>
+            <a:r>
+              <a:rPr lang="de-DE" sz="1800" dirty="0" err="1"/>
+              <a:t>bitants</a:t>
+            </a:r>
+            <a:r>
+              <a:rPr lang="de-DE" sz="1800" dirty="0"/>
+              <a:t>, …</a:t>
+            </a:r>
+          </a:p>
+          <a:p>
+            <a:pPr marL="666900" lvl="2" indent="-342900">
+              <a:lnSpc>
+                <a:spcPts val="2700"/>
+              </a:lnSpc>
+              <a:buFont typeface="Arial" panose="020B0604020202020204" pitchFamily="34" charset="0"/>
+              <a:buChar char="•"/>
+            </a:pPr>
+            <a:r>
+              <a:rPr lang="de-DE" sz="1800" b="1" dirty="0" err="1">
+                <a:solidFill>
+                  <a:schemeClr val="tx1"/>
+                </a:solidFill>
+              </a:rPr>
+              <a:t>C</a:t>
+            </a:r>
+            <a:r>
+              <a:rPr lang="de-DE" sz="1800" b="1" dirty="0" err="1"/>
+              <a:t>ontinuous</a:t>
+            </a:r>
+            <a:r>
+              <a:rPr lang="de-DE" sz="1800" b="1" dirty="0"/>
+              <a:t> </a:t>
+            </a:r>
+            <a:r>
+              <a:rPr lang="de-DE" sz="1800" b="1" dirty="0" err="1"/>
+              <a:t>random</a:t>
+            </a:r>
+            <a:r>
+              <a:rPr lang="de-DE" sz="1800" b="1" dirty="0"/>
+              <a:t> variables </a:t>
+            </a:r>
+            <a:r>
+              <a:rPr lang="de-DE" sz="1800" dirty="0"/>
+              <a:t>→ </a:t>
+            </a:r>
+            <a:r>
+              <a:rPr lang="de-DE" sz="1800" b="1" dirty="0" err="1"/>
+              <a:t>Probability</a:t>
+            </a:r>
+            <a:r>
+              <a:rPr lang="de-DE" sz="1800" b="1" dirty="0"/>
+              <a:t> </a:t>
+            </a:r>
+            <a:r>
+              <a:rPr lang="de-DE" sz="1800" b="1" dirty="0" err="1"/>
+              <a:t>density</a:t>
+            </a:r>
+            <a:r>
+              <a:rPr lang="de-DE" sz="1800" b="1" dirty="0"/>
+              <a:t> </a:t>
+            </a:r>
+            <a:r>
+              <a:rPr lang="de-DE" sz="1800" b="1" dirty="0" err="1"/>
+              <a:t>function</a:t>
+            </a:r>
+            <a:endParaRPr lang="de-DE" sz="1800" b="1" dirty="0"/>
+          </a:p>
+          <a:p>
+            <a:pPr marL="1116900" lvl="3" indent="-342900">
+              <a:lnSpc>
+                <a:spcPts val="2700"/>
+              </a:lnSpc>
+              <a:buFont typeface="Arial" panose="020B0604020202020204" pitchFamily="34" charset="0"/>
+              <a:buChar char="•"/>
+            </a:pPr>
+            <a:r>
+              <a:rPr lang="de-DE" sz="1800" dirty="0" err="1"/>
+              <a:t>takes</a:t>
+            </a:r>
+            <a:r>
+              <a:rPr lang="de-DE" sz="1800" dirty="0"/>
+              <a:t> an infinite </a:t>
+            </a:r>
+            <a:r>
+              <a:rPr lang="de-DE" sz="1800" dirty="0" err="1"/>
+              <a:t>number</a:t>
+            </a:r>
+            <a:r>
+              <a:rPr lang="de-DE" sz="1800" dirty="0"/>
+              <a:t> of possible </a:t>
+            </a:r>
+            <a:r>
+              <a:rPr lang="de-DE" sz="1800" dirty="0" err="1"/>
+              <a:t>values</a:t>
+            </a:r>
+            <a:endParaRPr lang="de-DE" sz="1800" dirty="0"/>
+          </a:p>
+          <a:p>
+            <a:pPr lvl="3" indent="0">
+              <a:lnSpc>
+                <a:spcPts val="2700"/>
+              </a:lnSpc>
+              <a:buNone/>
+            </a:pPr>
+            <a:r>
+              <a:rPr lang="de-DE" sz="1800" dirty="0">
+                <a:solidFill>
+                  <a:schemeClr val="tx1"/>
+                </a:solidFill>
+              </a:rPr>
+              <a:t>→ </a:t>
+            </a:r>
+            <a:r>
+              <a:rPr lang="de-DE" sz="1800" dirty="0" err="1">
+                <a:solidFill>
+                  <a:schemeClr val="tx1"/>
+                </a:solidFill>
+              </a:rPr>
+              <a:t>Probability</a:t>
+            </a:r>
+            <a:r>
+              <a:rPr lang="de-DE" sz="1800" dirty="0">
+                <a:solidFill>
+                  <a:schemeClr val="tx1"/>
+                </a:solidFill>
+              </a:rPr>
+              <a:t> of a </a:t>
+            </a:r>
+            <a:r>
+              <a:rPr lang="de-DE" sz="1800" dirty="0" err="1">
+                <a:solidFill>
+                  <a:schemeClr val="tx1"/>
+                </a:solidFill>
+              </a:rPr>
+              <a:t>single</a:t>
+            </a:r>
+            <a:r>
+              <a:rPr lang="de-DE" sz="1800" dirty="0">
+                <a:solidFill>
+                  <a:schemeClr val="tx1"/>
+                </a:solidFill>
+              </a:rPr>
+              <a:t> </a:t>
+            </a:r>
+            <a:r>
+              <a:rPr lang="de-DE" sz="1800" dirty="0" err="1">
+                <a:solidFill>
+                  <a:schemeClr val="tx1"/>
+                </a:solidFill>
+              </a:rPr>
+              <a:t>value</a:t>
+            </a:r>
+            <a:r>
+              <a:rPr lang="de-DE" sz="1800" dirty="0">
+                <a:solidFill>
+                  <a:schemeClr val="tx1"/>
+                </a:solidFill>
+              </a:rPr>
+              <a:t> </a:t>
+            </a:r>
+            <a:r>
+              <a:rPr lang="de-DE" sz="1800" dirty="0" err="1">
+                <a:solidFill>
+                  <a:schemeClr val="tx1"/>
+                </a:solidFill>
+              </a:rPr>
+              <a:t>is</a:t>
+            </a:r>
+            <a:r>
+              <a:rPr lang="de-DE" sz="1800" dirty="0">
+                <a:solidFill>
+                  <a:schemeClr val="tx1"/>
+                </a:solidFill>
+              </a:rPr>
+              <a:t> 0!</a:t>
+            </a:r>
+          </a:p>
+          <a:p>
+            <a:pPr lvl="3" indent="0">
+              <a:lnSpc>
+                <a:spcPts val="2700"/>
+              </a:lnSpc>
+              <a:buNone/>
+            </a:pPr>
+            <a:r>
+              <a:rPr lang="de-DE" sz="1800" dirty="0"/>
+              <a:t>→ not </a:t>
+            </a:r>
+            <a:r>
+              <a:rPr lang="de-DE" sz="1800" dirty="0" err="1"/>
+              <a:t>defined</a:t>
+            </a:r>
+            <a:r>
+              <a:rPr lang="de-DE" sz="1800" dirty="0"/>
+              <a:t> at </a:t>
+            </a:r>
+            <a:r>
+              <a:rPr lang="de-DE" sz="1800" dirty="0" err="1"/>
+              <a:t>specific</a:t>
+            </a:r>
+            <a:r>
+              <a:rPr lang="de-DE" sz="1800" dirty="0"/>
+              <a:t> </a:t>
+            </a:r>
+            <a:r>
+              <a:rPr lang="de-DE" sz="1800" dirty="0" err="1"/>
+              <a:t>values</a:t>
+            </a:r>
+            <a:r>
+              <a:rPr lang="de-DE" sz="1800" dirty="0"/>
+              <a:t> → </a:t>
+            </a:r>
+            <a:r>
+              <a:rPr lang="de-DE" sz="1800" dirty="0" err="1"/>
+              <a:t>interval</a:t>
+            </a:r>
+            <a:r>
+              <a:rPr lang="de-DE" sz="1800" dirty="0"/>
+              <a:t> of </a:t>
+            </a:r>
+            <a:r>
+              <a:rPr lang="de-DE" sz="1800" dirty="0" err="1"/>
+              <a:t>values</a:t>
+            </a:r>
+            <a:r>
+              <a:rPr lang="de-DE" sz="1800" dirty="0"/>
+              <a:t>!</a:t>
+            </a:r>
+          </a:p>
+          <a:p>
+            <a:pPr marL="1059750" lvl="3" indent="-285750">
+              <a:lnSpc>
+                <a:spcPts val="2700"/>
+              </a:lnSpc>
+              <a:buFont typeface="Arial" panose="020B0604020202020204" pitchFamily="34" charset="0"/>
+              <a:buChar char="•"/>
+            </a:pPr>
+            <a:r>
+              <a:rPr lang="de-DE" sz="1800" dirty="0" err="1"/>
+              <a:t>Represented</a:t>
+            </a:r>
+            <a:r>
+              <a:rPr lang="de-DE" sz="1800" dirty="0"/>
+              <a:t> </a:t>
+            </a:r>
+            <a:r>
+              <a:rPr lang="de-DE" sz="1800" dirty="0" err="1"/>
+              <a:t>by</a:t>
+            </a:r>
+            <a:r>
+              <a:rPr lang="de-DE" sz="1800" dirty="0"/>
+              <a:t> </a:t>
+            </a:r>
+            <a:r>
+              <a:rPr lang="de-DE" sz="1800" dirty="0" err="1"/>
+              <a:t>area</a:t>
+            </a:r>
+            <a:r>
+              <a:rPr lang="de-DE" sz="1800" dirty="0"/>
+              <a:t> </a:t>
+            </a:r>
+            <a:r>
+              <a:rPr lang="de-DE" sz="1800" dirty="0" err="1"/>
+              <a:t>under</a:t>
+            </a:r>
+            <a:r>
+              <a:rPr lang="de-DE" sz="1800" dirty="0"/>
+              <a:t> </a:t>
+            </a:r>
+            <a:r>
+              <a:rPr lang="de-DE" sz="1800" dirty="0" err="1"/>
+              <a:t>curve</a:t>
+            </a:r>
+            <a:r>
+              <a:rPr lang="de-DE" sz="1800" dirty="0"/>
+              <a:t> (integral)</a:t>
+            </a:r>
+          </a:p>
+          <a:p>
+            <a:pPr marL="1059750" lvl="3" indent="-285750">
+              <a:lnSpc>
+                <a:spcPts val="2700"/>
+              </a:lnSpc>
+              <a:buFont typeface="Arial" panose="020B0604020202020204" pitchFamily="34" charset="0"/>
+              <a:buChar char="•"/>
+            </a:pPr>
+            <a:r>
+              <a:rPr lang="de-DE" sz="1800" dirty="0"/>
+              <a:t>Height, </a:t>
+            </a:r>
+            <a:r>
+              <a:rPr lang="de-DE" sz="1800" dirty="0" err="1"/>
+              <a:t>weight</a:t>
+            </a:r>
+            <a:r>
+              <a:rPr lang="de-DE" sz="1800" dirty="0"/>
+              <a:t>, time, …</a:t>
+            </a:r>
+          </a:p>
+        </p:txBody>
+      </p:sp>
+      <p:sp>
+        <p:nvSpPr>
+          <p:cNvPr id="4" name="Datumsplatzhalter 3"/>
+          <p:cNvSpPr>
+            <a:spLocks noGrp="1"/>
+          </p:cNvSpPr>
+          <p:nvPr>
+            <p:ph type="dt" sz="half" idx="2"/>
+          </p:nvPr>
+        </p:nvSpPr>
+        <p:spPr/>
+        <p:txBody>
+          <a:bodyPr/>
+          <a:lstStyle/>
+          <a:p>
+            <a:r>
+              <a:rPr lang="de-DE" dirty="0"/>
+              <a:t>21.04.2021</a:t>
+            </a:r>
+          </a:p>
+        </p:txBody>
+      </p:sp>
+      <p:sp>
+        <p:nvSpPr>
+          <p:cNvPr id="5" name="Fußzeilenplatzhalter 4"/>
+          <p:cNvSpPr>
+            <a:spLocks noGrp="1"/>
+          </p:cNvSpPr>
+          <p:nvPr>
+            <p:ph type="ftr" sz="quarter" idx="3"/>
+          </p:nvPr>
+        </p:nvSpPr>
+        <p:spPr/>
+        <p:txBody>
+          <a:bodyPr/>
+          <a:lstStyle/>
+          <a:p>
+            <a:r>
+              <a:rPr lang="de-DE" dirty="0"/>
+              <a:t>Tutorial </a:t>
+            </a:r>
+            <a:r>
+              <a:rPr lang="de-DE" dirty="0" err="1"/>
+              <a:t>Statistics</a:t>
+            </a:r>
+            <a:endParaRPr lang="de-DE" dirty="0"/>
+          </a:p>
+        </p:txBody>
+      </p:sp>
+      <p:sp>
+        <p:nvSpPr>
+          <p:cNvPr id="6" name="Foliennummernplatzhalter 5"/>
+          <p:cNvSpPr>
+            <a:spLocks noGrp="1"/>
+          </p:cNvSpPr>
+          <p:nvPr>
+            <p:ph type="sldNum" sz="quarter" idx="4"/>
+          </p:nvPr>
+        </p:nvSpPr>
+        <p:spPr/>
+        <p:txBody>
+          <a:bodyPr/>
+          <a:lstStyle/>
+          <a:p>
+            <a:fld id="{C05EE493-AD2E-4872-B2F6-8F12A747F0A5}" type="slidenum">
+              <a:rPr lang="de-DE" smtClean="0"/>
+              <a:pPr/>
+              <a:t>7</a:t>
+            </a:fld>
+            <a:endParaRPr lang="de-DE" dirty="0"/>
+          </a:p>
+        </p:txBody>
+      </p:sp>
+    </p:spTree>
+    <p:extLst>
+      <p:ext uri="{BB962C8B-B14F-4D97-AF65-F5344CB8AC3E}">
+        <p14:creationId xmlns:p14="http://schemas.microsoft.com/office/powerpoint/2010/main" val="754982041"/>
+      </p:ext>
+    </p:extLst>
+  </p:cSld>
+  <p:clrMapOvr>
+    <a:masterClrMapping/>
+  </p:clrMapOvr>
+</p:sld>
+</file>
+
+<file path=ppt/slides/slide8.xml><?xml version="1.0" encoding="utf-8"?>
+<p:sld xmlns:a="http://schemas.openxmlformats.org/drawingml/2006/main" xmlns:r="http://schemas.openxmlformats.org/officeDocument/2006/relationships" xmlns:p="http://schemas.openxmlformats.org/presentationml/2006/main">
+  <p:cSld>
+    <p:spTree>
+      <p:nvGrpSpPr>
+        <p:cNvPr id="1" name=""/>
+        <p:cNvGrpSpPr/>
+        <p:nvPr/>
+      </p:nvGrpSpPr>
+      <p:grpSpPr>
+        <a:xfrm>
+          <a:off x="0" y="0"/>
+          <a:ext cx="0" cy="0"/>
+          <a:chOff x="0" y="0"/>
+          <a:chExt cx="0" cy="0"/>
+        </a:xfrm>
+      </p:grpSpPr>
+      <p:sp>
+        <p:nvSpPr>
+          <p:cNvPr id="2" name="Titel 1"/>
+          <p:cNvSpPr>
+            <a:spLocks noGrp="1"/>
+          </p:cNvSpPr>
+          <p:nvPr>
+            <p:ph type="title"/>
+          </p:nvPr>
+        </p:nvSpPr>
+        <p:spPr/>
+        <p:txBody>
+          <a:bodyPr/>
+          <a:lstStyle/>
+          <a:p>
+            <a:r>
+              <a:rPr lang="de-DE" dirty="0" err="1"/>
+              <a:t>Probability</a:t>
+            </a:r>
+            <a:r>
+              <a:rPr lang="de-DE" dirty="0"/>
+              <a:t> </a:t>
+            </a:r>
+            <a:r>
+              <a:rPr lang="de-DE" dirty="0" err="1"/>
+              <a:t>mass</a:t>
+            </a:r>
+            <a:r>
+              <a:rPr lang="de-DE" dirty="0"/>
+              <a:t> </a:t>
+            </a:r>
+            <a:r>
+              <a:rPr lang="de-DE" dirty="0" err="1"/>
+              <a:t>function</a:t>
+            </a:r>
+            <a:endParaRPr lang="de-DE" dirty="0"/>
+          </a:p>
+        </p:txBody>
+      </p:sp>
+      <mc:AlternateContent xmlns:mc="http://schemas.openxmlformats.org/markup-compatibility/2006">
+        <mc:Choice xmlns:a14="http://schemas.microsoft.com/office/drawing/2010/main" Requires="a14">
+          <p:sp>
+            <p:nvSpPr>
+              <p:cNvPr id="3" name="Inhaltsplatzhalter 2"/>
+              <p:cNvSpPr>
+                <a:spLocks noGrp="1"/>
+              </p:cNvSpPr>
+              <p:nvPr>
+                <p:ph idx="1"/>
+              </p:nvPr>
+            </p:nvSpPr>
+            <p:spPr>
+              <a:xfrm>
+                <a:off x="323850" y="1772816"/>
+                <a:ext cx="7200478" cy="4320009"/>
+              </a:xfrm>
+            </p:spPr>
+            <p:txBody>
+              <a:bodyPr/>
+              <a:lstStyle/>
+              <a:p>
+                <a:pPr marL="285750" indent="-285750">
+                  <a:buFont typeface="Arial" panose="020B0604020202020204" pitchFamily="34" charset="0"/>
+                  <a:buChar char="•"/>
+                </a:pPr>
+                <a:r>
+                  <a:rPr lang="de-DE" sz="1800" b="0" dirty="0">
+                    <a:solidFill>
+                      <a:schemeClr val="tx1"/>
+                    </a:solidFill>
+                  </a:rPr>
+                  <a:t>Probability </a:t>
+                </a:r>
+                <a:r>
+                  <a:rPr lang="de-DE" sz="1800" b="0" dirty="0" err="1">
+                    <a:solidFill>
+                      <a:schemeClr val="tx1"/>
+                    </a:solidFill>
+                  </a:rPr>
+                  <a:t>distribution</a:t>
+                </a:r>
+                <a:r>
+                  <a:rPr lang="de-DE" sz="1800" b="0" dirty="0">
+                    <a:solidFill>
+                      <a:schemeClr val="tx1"/>
+                    </a:solidFill>
+                  </a:rPr>
+                  <a:t> of a </a:t>
+                </a:r>
+                <a:r>
+                  <a:rPr lang="de-DE" sz="1800" b="0" dirty="0" err="1">
+                    <a:solidFill>
+                      <a:schemeClr val="tx1"/>
+                    </a:solidFill>
+                  </a:rPr>
+                  <a:t>discrete</a:t>
+                </a:r>
+                <a:r>
+                  <a:rPr lang="de-DE" sz="1800" b="0" dirty="0">
+                    <a:solidFill>
+                      <a:schemeClr val="tx1"/>
+                    </a:solidFill>
+                  </a:rPr>
+                  <a:t> variable</a:t>
+                </a:r>
+              </a:p>
+              <a:p>
+                <a:pPr marL="285750" indent="-285750">
+                  <a:buFont typeface="Arial" panose="020B0604020202020204" pitchFamily="34" charset="0"/>
+                  <a:buChar char="•"/>
+                </a:pPr>
+                <a:r>
+                  <a:rPr lang="de-DE" sz="1800" b="0" dirty="0">
+                    <a:solidFill>
+                      <a:schemeClr val="tx1"/>
+                    </a:solidFill>
+                  </a:rPr>
+                  <a:t>List of </a:t>
+                </a:r>
+                <a:r>
+                  <a:rPr lang="de-DE" sz="1800" b="0" dirty="0" err="1">
+                    <a:solidFill>
+                      <a:schemeClr val="tx1"/>
+                    </a:solidFill>
+                  </a:rPr>
+                  <a:t>probabilities</a:t>
+                </a:r>
+                <a:r>
+                  <a:rPr lang="de-DE" sz="1800" b="0" dirty="0">
+                    <a:solidFill>
+                      <a:schemeClr val="tx1"/>
+                    </a:solidFill>
+                  </a:rPr>
+                  <a:t> </a:t>
+                </a:r>
+                <a:r>
+                  <a:rPr lang="de-DE" sz="1800" b="0" dirty="0" err="1">
+                    <a:solidFill>
+                      <a:schemeClr val="tx1"/>
+                    </a:solidFill>
+                  </a:rPr>
+                  <a:t>associated</a:t>
+                </a:r>
+                <a:r>
+                  <a:rPr lang="de-DE" sz="1800" b="0" dirty="0">
+                    <a:solidFill>
+                      <a:schemeClr val="tx1"/>
+                    </a:solidFill>
+                  </a:rPr>
+                  <a:t> </a:t>
+                </a:r>
+                <a:r>
+                  <a:rPr lang="de-DE" sz="1800" b="0" dirty="0" err="1">
+                    <a:solidFill>
+                      <a:schemeClr val="tx1"/>
+                    </a:solidFill>
+                  </a:rPr>
+                  <a:t>with</a:t>
+                </a:r>
+                <a:r>
+                  <a:rPr lang="de-DE" sz="1800" b="0" dirty="0">
+                    <a:solidFill>
+                      <a:schemeClr val="tx1"/>
+                    </a:solidFill>
+                  </a:rPr>
+                  <a:t> </a:t>
+                </a:r>
+                <a:r>
+                  <a:rPr lang="de-DE" sz="1800" b="0" dirty="0" err="1">
+                    <a:solidFill>
+                      <a:schemeClr val="tx1"/>
+                    </a:solidFill>
+                  </a:rPr>
+                  <a:t>the</a:t>
+                </a:r>
+                <a:r>
+                  <a:rPr lang="de-DE" sz="1800" b="0" dirty="0">
+                    <a:solidFill>
+                      <a:schemeClr val="tx1"/>
+                    </a:solidFill>
+                  </a:rPr>
+                  <a:t> possible </a:t>
+                </a:r>
+                <a:r>
+                  <a:rPr lang="de-DE" sz="1800" b="0" dirty="0" err="1">
+                    <a:solidFill>
+                      <a:schemeClr val="tx1"/>
+                    </a:solidFill>
+                  </a:rPr>
+                  <a:t>values</a:t>
+                </a:r>
+                <a:r>
+                  <a:rPr lang="de-DE" sz="1800" b="0" dirty="0">
+                    <a:solidFill>
+                      <a:schemeClr val="tx1"/>
+                    </a:solidFill>
+                  </a:rPr>
+                  <a:t> of X</a:t>
+                </a:r>
+              </a:p>
+              <a:p>
+                <a:pPr marL="609750" lvl="2" indent="-285750">
+                  <a:buFont typeface="Arial" panose="020B0604020202020204" pitchFamily="34" charset="0"/>
+                  <a:buChar char="•"/>
+                </a:pPr>
+                <a:r>
+                  <a:rPr lang="de-DE" sz="1800" dirty="0"/>
+                  <a:t>E.g. P(X = x</a:t>
+                </a:r>
+                <a:r>
+                  <a:rPr lang="de-DE" sz="1800" baseline="-25000" dirty="0"/>
+                  <a:t>i</a:t>
+                </a:r>
+                <a:r>
+                  <a:rPr lang="de-DE" sz="1800" dirty="0"/>
+                  <a:t>) = </a:t>
+                </a:r>
+                <a14:m>
+                  <m:oMath xmlns:m="http://schemas.openxmlformats.org/officeDocument/2006/math">
+                    <m:f>
+                      <m:fPr>
+                        <m:ctrlPr>
+                          <a:rPr lang="de-DE" sz="1800" i="1" smtClean="0">
+                            <a:latin typeface="Cambria Math" panose="02040503050406030204" pitchFamily="18" charset="0"/>
+                          </a:rPr>
+                        </m:ctrlPr>
+                      </m:fPr>
+                      <m:num>
+                        <m:r>
+                          <a:rPr lang="de-DE" sz="1800" b="0" i="1" smtClean="0">
+                            <a:latin typeface="Cambria Math" panose="02040503050406030204" pitchFamily="18" charset="0"/>
+                          </a:rPr>
+                          <m:t>1</m:t>
+                        </m:r>
+                      </m:num>
+                      <m:den>
+                        <m:r>
+                          <a:rPr lang="de-DE" sz="1800" b="0" i="1" smtClean="0">
+                            <a:latin typeface="Cambria Math" panose="02040503050406030204" pitchFamily="18" charset="0"/>
+                          </a:rPr>
+                          <m:t>6</m:t>
+                        </m:r>
+                      </m:den>
+                    </m:f>
+                  </m:oMath>
+                </a14:m>
+                <a:r>
+                  <a:rPr lang="de-DE" sz="1800" b="0" dirty="0">
+                    <a:solidFill>
+                      <a:schemeClr val="tx1"/>
+                    </a:solidFill>
+                  </a:rPr>
+                  <a:t>, i = 1,2,…,6</a:t>
+                </a:r>
+              </a:p>
+              <a:p>
+                <a:pPr marL="609750" lvl="2" indent="-285750">
+                  <a:buFont typeface="Arial" panose="020B0604020202020204" pitchFamily="34" charset="0"/>
+                  <a:buChar char="•"/>
+                </a:pPr>
+                <a:r>
+                  <a:rPr lang="de-DE" sz="1800" dirty="0" err="1"/>
+                  <a:t>Or</a:t>
+                </a:r>
+                <a:r>
+                  <a:rPr lang="de-DE" sz="1800" dirty="0"/>
+                  <a:t>:</a:t>
+                </a:r>
+              </a:p>
+              <a:p>
+                <a:pPr marL="609750" lvl="2" indent="-285750">
+                  <a:buFont typeface="Arial" panose="020B0604020202020204" pitchFamily="34" charset="0"/>
+                  <a:buChar char="•"/>
+                </a:pPr>
+                <a:endParaRPr lang="de-DE" sz="1800" dirty="0"/>
+              </a:p>
+            </p:txBody>
+          </p:sp>
+        </mc:Choice>
+        <mc:Fallback>
+          <p:sp>
+            <p:nvSpPr>
+              <p:cNvPr id="3" name="Inhaltsplatzhalter 2"/>
+              <p:cNvSpPr>
+                <a:spLocks noGrp="1" noRot="1" noChangeAspect="1" noMove="1" noResize="1" noEditPoints="1" noAdjustHandles="1" noChangeArrowheads="1" noChangeShapeType="1" noTextEdit="1"/>
+              </p:cNvSpPr>
+              <p:nvPr>
+                <p:ph idx="1"/>
+              </p:nvPr>
+            </p:nvSpPr>
+            <p:spPr>
+              <a:xfrm>
+                <a:off x="323850" y="1772816"/>
+                <a:ext cx="7200478" cy="4320009"/>
+              </a:xfrm>
+              <a:blipFill>
+                <a:blip r:embed="rId2"/>
+                <a:stretch>
+                  <a:fillRect l="-1778" t="-1695"/>
+                </a:stretch>
+              </a:blipFill>
+            </p:spPr>
+            <p:txBody>
+              <a:bodyPr/>
+              <a:lstStyle/>
+              <a:p>
+                <a:r>
+                  <a:rPr lang="de-DE">
+                    <a:noFill/>
+                  </a:rPr>
+                  <a:t> </a:t>
+                </a:r>
+              </a:p>
+            </p:txBody>
+          </p:sp>
+        </mc:Fallback>
+      </mc:AlternateContent>
+      <p:sp>
+        <p:nvSpPr>
+          <p:cNvPr id="4" name="Datumsplatzhalter 3"/>
+          <p:cNvSpPr>
+            <a:spLocks noGrp="1"/>
+          </p:cNvSpPr>
+          <p:nvPr>
+            <p:ph type="dt" sz="half" idx="2"/>
+          </p:nvPr>
+        </p:nvSpPr>
+        <p:spPr/>
+        <p:txBody>
+          <a:bodyPr/>
+          <a:lstStyle/>
+          <a:p>
+            <a:r>
+              <a:rPr lang="de-DE" dirty="0"/>
+              <a:t>21.04.2021</a:t>
+            </a:r>
+          </a:p>
+        </p:txBody>
+      </p:sp>
+      <p:sp>
+        <p:nvSpPr>
+          <p:cNvPr id="5" name="Fußzeilenplatzhalter 4"/>
+          <p:cNvSpPr>
+            <a:spLocks noGrp="1"/>
+          </p:cNvSpPr>
+          <p:nvPr>
+            <p:ph type="ftr" sz="quarter" idx="3"/>
+          </p:nvPr>
+        </p:nvSpPr>
+        <p:spPr/>
+        <p:txBody>
+          <a:bodyPr/>
+          <a:lstStyle/>
+          <a:p>
+            <a:r>
+              <a:rPr lang="de-DE" dirty="0"/>
+              <a:t>Tutorial </a:t>
+            </a:r>
+            <a:r>
+              <a:rPr lang="de-DE" dirty="0" err="1"/>
+              <a:t>Statistics</a:t>
+            </a:r>
+            <a:endParaRPr lang="de-DE" dirty="0"/>
+          </a:p>
+        </p:txBody>
+      </p:sp>
+      <p:sp>
+        <p:nvSpPr>
+          <p:cNvPr id="6" name="Foliennummernplatzhalter 5"/>
+          <p:cNvSpPr>
+            <a:spLocks noGrp="1"/>
+          </p:cNvSpPr>
+          <p:nvPr>
+            <p:ph type="sldNum" sz="quarter" idx="4"/>
+          </p:nvPr>
+        </p:nvSpPr>
+        <p:spPr/>
+        <p:txBody>
+          <a:bodyPr/>
+          <a:lstStyle/>
+          <a:p>
+            <a:fld id="{C05EE493-AD2E-4872-B2F6-8F12A747F0A5}" type="slidenum">
+              <a:rPr lang="de-DE" smtClean="0"/>
+              <a:pPr/>
+              <a:t>8</a:t>
+            </a:fld>
+            <a:endParaRPr lang="de-DE" dirty="0"/>
+          </a:p>
+        </p:txBody>
+      </p:sp>
+      <p:pic>
+        <p:nvPicPr>
+          <p:cNvPr id="8" name="Grafik 7">
+            <a:extLst>
+              <a:ext uri="{FF2B5EF4-FFF2-40B4-BE49-F238E27FC236}">
+                <a16:creationId xmlns:a16="http://schemas.microsoft.com/office/drawing/2014/main" id="{5D3B40C2-0FAF-4A8E-8BB6-9E8EFFC5E50E}"/>
+              </a:ext>
+            </a:extLst>
+          </p:cNvPr>
+          <p:cNvPicPr>
+            <a:picLocks noChangeAspect="1"/>
+          </p:cNvPicPr>
+          <p:nvPr/>
+        </p:nvPicPr>
+        <p:blipFill>
+          <a:blip r:embed="rId3"/>
+          <a:stretch>
+            <a:fillRect/>
+          </a:stretch>
+        </p:blipFill>
+        <p:spPr>
+          <a:xfrm>
+            <a:off x="2484438" y="3140968"/>
+            <a:ext cx="3600400" cy="2821365"/>
+          </a:xfrm>
+          <a:prstGeom prst="rect">
+            <a:avLst/>
+          </a:prstGeom>
+        </p:spPr>
+      </p:pic>
+    </p:spTree>
+    <p:extLst>
+      <p:ext uri="{BB962C8B-B14F-4D97-AF65-F5344CB8AC3E}">
+        <p14:creationId xmlns:p14="http://schemas.microsoft.com/office/powerpoint/2010/main" val="2493832414"/>
+      </p:ext>
+    </p:extLst>
+  </p:cSld>
+  <p:clrMapOvr>
+    <a:masterClrMapping/>
+  </p:clrMapOvr>
+</p:sld>
+</file>
+
+<file path=ppt/slides/slide9.xml><?xml version="1.0" encoding="utf-8"?>
+<p:sld xmlns:a="http://schemas.openxmlformats.org/drawingml/2006/main" xmlns:r="http://schemas.openxmlformats.org/officeDocument/2006/relationships" xmlns:p="http://schemas.openxmlformats.org/presentationml/2006/main">
+  <p:cSld>
+    <p:spTree>
+      <p:nvGrpSpPr>
+        <p:cNvPr id="1" name=""/>
+        <p:cNvGrpSpPr/>
+        <p:nvPr/>
+      </p:nvGrpSpPr>
+      <p:grpSpPr>
+        <a:xfrm>
+          <a:off x="0" y="0"/>
+          <a:ext cx="0" cy="0"/>
+          <a:chOff x="0" y="0"/>
+          <a:chExt cx="0" cy="0"/>
+        </a:xfrm>
+      </p:grpSpPr>
+      <p:sp>
+        <p:nvSpPr>
+          <p:cNvPr id="2" name="Titel 1"/>
+          <p:cNvSpPr>
+            <a:spLocks noGrp="1"/>
+          </p:cNvSpPr>
+          <p:nvPr>
+            <p:ph type="title"/>
+          </p:nvPr>
+        </p:nvSpPr>
+        <p:spPr/>
+        <p:txBody>
+          <a:bodyPr/>
+          <a:lstStyle/>
+          <a:p>
+            <a:r>
+              <a:rPr lang="de-DE" dirty="0" err="1"/>
+              <a:t>Probability</a:t>
+            </a:r>
+            <a:r>
+              <a:rPr lang="de-DE" dirty="0"/>
+              <a:t> </a:t>
+            </a:r>
+            <a:r>
+              <a:rPr lang="de-DE" dirty="0" err="1"/>
+              <a:t>density</a:t>
+            </a:r>
+            <a:r>
+              <a:rPr lang="de-DE" dirty="0"/>
+              <a:t> </a:t>
+            </a:r>
+            <a:r>
+              <a:rPr lang="de-DE" dirty="0" err="1"/>
+              <a:t>function</a:t>
+            </a:r>
+            <a:endParaRPr lang="de-DE" dirty="0"/>
+          </a:p>
+        </p:txBody>
+      </p:sp>
+      <p:sp>
+        <p:nvSpPr>
+          <p:cNvPr id="3" name="Inhaltsplatzhalter 2"/>
+          <p:cNvSpPr>
+            <a:spLocks noGrp="1"/>
+          </p:cNvSpPr>
+          <p:nvPr>
+            <p:ph idx="1"/>
+          </p:nvPr>
+        </p:nvSpPr>
+        <p:spPr>
+          <a:xfrm>
+            <a:off x="323850" y="1772816"/>
+            <a:ext cx="7200478" cy="4320009"/>
+          </a:xfrm>
+        </p:spPr>
+        <p:txBody>
+          <a:bodyPr/>
+          <a:lstStyle/>
+          <a:p>
+            <a:pPr marL="285750" indent="-285750">
+              <a:buFont typeface="Arial" panose="020B0604020202020204" pitchFamily="34" charset="0"/>
+              <a:buChar char="•"/>
+            </a:pPr>
+            <a:r>
+              <a:rPr lang="de-DE" sz="1800" b="0" dirty="0" err="1">
+                <a:solidFill>
+                  <a:schemeClr val="tx1"/>
+                </a:solidFill>
+              </a:rPr>
+              <a:t>Probability</a:t>
+            </a:r>
+            <a:r>
+              <a:rPr lang="de-DE" sz="1800" b="0" dirty="0">
+                <a:solidFill>
+                  <a:schemeClr val="tx1"/>
+                </a:solidFill>
+              </a:rPr>
+              <a:t> </a:t>
+            </a:r>
+            <a:r>
+              <a:rPr lang="de-DE" sz="1800" b="0" dirty="0" err="1">
+                <a:solidFill>
+                  <a:schemeClr val="tx1"/>
+                </a:solidFill>
+              </a:rPr>
+              <a:t>distribution</a:t>
+            </a:r>
+            <a:r>
+              <a:rPr lang="de-DE" sz="1800" b="0" dirty="0">
+                <a:solidFill>
+                  <a:schemeClr val="tx1"/>
+                </a:solidFill>
+              </a:rPr>
+              <a:t> of a </a:t>
+            </a:r>
+            <a:r>
+              <a:rPr lang="de-DE" sz="1800" b="0" dirty="0" err="1">
+                <a:solidFill>
+                  <a:schemeClr val="tx1"/>
+                </a:solidFill>
+              </a:rPr>
+              <a:t>continuous</a:t>
+            </a:r>
+            <a:r>
+              <a:rPr lang="de-DE" sz="1800" b="0" dirty="0">
+                <a:solidFill>
+                  <a:schemeClr val="tx1"/>
+                </a:solidFill>
+              </a:rPr>
+              <a:t> </a:t>
+            </a:r>
+            <a:r>
+              <a:rPr lang="de-DE" sz="1800" b="0" dirty="0" err="1">
+                <a:solidFill>
+                  <a:schemeClr val="tx1"/>
+                </a:solidFill>
+              </a:rPr>
+              <a:t>random</a:t>
+            </a:r>
+            <a:r>
+              <a:rPr lang="de-DE" sz="1800" b="0" dirty="0">
+                <a:solidFill>
+                  <a:schemeClr val="tx1"/>
+                </a:solidFill>
+              </a:rPr>
+              <a:t> variable</a:t>
+            </a:r>
+          </a:p>
+          <a:p>
+            <a:pPr marL="285750" indent="-285750">
+              <a:buFont typeface="Arial" panose="020B0604020202020204" pitchFamily="34" charset="0"/>
+              <a:buChar char="•"/>
+            </a:pPr>
+            <a:r>
+              <a:rPr lang="de-DE" sz="1800" b="0" dirty="0">
+                <a:solidFill>
+                  <a:schemeClr val="tx1"/>
+                </a:solidFill>
+              </a:rPr>
+              <a:t>Density </a:t>
+            </a:r>
+            <a:r>
+              <a:rPr lang="de-DE" sz="1800" b="0" dirty="0" err="1">
+                <a:solidFill>
+                  <a:schemeClr val="tx1"/>
+                </a:solidFill>
+              </a:rPr>
+              <a:t>curve</a:t>
+            </a:r>
+            <a:r>
+              <a:rPr lang="de-DE" sz="1800" b="0" dirty="0">
+                <a:solidFill>
+                  <a:schemeClr val="tx1"/>
+                </a:solidFill>
+              </a:rPr>
+              <a:t> </a:t>
+            </a:r>
+            <a:r>
+              <a:rPr lang="de-DE" sz="1800" b="0" dirty="0" err="1">
+                <a:solidFill>
+                  <a:schemeClr val="tx1"/>
+                </a:solidFill>
+              </a:rPr>
+              <a:t>represents</a:t>
+            </a:r>
+            <a:r>
+              <a:rPr lang="de-DE" sz="1800" b="0" dirty="0">
+                <a:solidFill>
+                  <a:schemeClr val="tx1"/>
+                </a:solidFill>
+              </a:rPr>
+              <a:t> </a:t>
+            </a:r>
+            <a:r>
+              <a:rPr lang="de-DE" sz="1800" b="0" dirty="0" err="1">
+                <a:solidFill>
+                  <a:schemeClr val="tx1"/>
+                </a:solidFill>
+              </a:rPr>
+              <a:t>pdf</a:t>
+            </a:r>
+            <a:endParaRPr lang="de-DE" sz="1800" b="0" dirty="0">
+              <a:solidFill>
+                <a:schemeClr val="tx1"/>
+              </a:solidFill>
+            </a:endParaRPr>
+          </a:p>
+          <a:p>
+            <a:pPr marL="609750" lvl="2" indent="-285750">
+              <a:buFont typeface="Arial" panose="020B0604020202020204" pitchFamily="34" charset="0"/>
+              <a:buChar char="•"/>
+            </a:pPr>
+            <a:r>
+              <a:rPr lang="de-DE" sz="1800" dirty="0" err="1"/>
+              <a:t>Curve</a:t>
+            </a:r>
+            <a:r>
+              <a:rPr lang="de-DE" sz="1800" dirty="0"/>
+              <a:t> </a:t>
+            </a:r>
+            <a:r>
+              <a:rPr lang="de-DE" sz="1800" dirty="0" err="1"/>
+              <a:t>must</a:t>
+            </a:r>
+            <a:r>
+              <a:rPr lang="de-DE" sz="1800" dirty="0"/>
+              <a:t> not </a:t>
+            </a:r>
+            <a:r>
+              <a:rPr lang="de-DE" sz="1800" dirty="0" err="1"/>
+              <a:t>have</a:t>
+            </a:r>
+            <a:r>
+              <a:rPr lang="de-DE" sz="1800" dirty="0"/>
+              <a:t> negative </a:t>
+            </a:r>
+            <a:r>
+              <a:rPr lang="de-DE" sz="1800" dirty="0" err="1"/>
+              <a:t>values</a:t>
+            </a:r>
+            <a:endParaRPr lang="de-DE" sz="1800" dirty="0"/>
+          </a:p>
+          <a:p>
+            <a:pPr marL="609750" lvl="2" indent="-285750">
+              <a:buFont typeface="Arial" panose="020B0604020202020204" pitchFamily="34" charset="0"/>
+              <a:buChar char="•"/>
+            </a:pPr>
+            <a:r>
+              <a:rPr lang="de-DE" sz="1800" b="0" dirty="0">
+                <a:solidFill>
+                  <a:schemeClr val="tx1"/>
+                </a:solidFill>
+              </a:rPr>
+              <a:t>Total </a:t>
+            </a:r>
+            <a:r>
+              <a:rPr lang="de-DE" sz="1800" b="0" dirty="0" err="1">
+                <a:solidFill>
+                  <a:schemeClr val="tx1"/>
+                </a:solidFill>
+              </a:rPr>
+              <a:t>area</a:t>
+            </a:r>
+            <a:r>
+              <a:rPr lang="de-DE" sz="1800" b="0" dirty="0">
+                <a:solidFill>
+                  <a:schemeClr val="tx1"/>
+                </a:solidFill>
+              </a:rPr>
+              <a:t> </a:t>
+            </a:r>
+            <a:r>
+              <a:rPr lang="de-DE" sz="1800" b="0" dirty="0" err="1">
+                <a:solidFill>
+                  <a:schemeClr val="tx1"/>
+                </a:solidFill>
+              </a:rPr>
+              <a:t>under</a:t>
+            </a:r>
+            <a:r>
+              <a:rPr lang="de-DE" sz="1800" b="0" dirty="0">
+                <a:solidFill>
+                  <a:schemeClr val="tx1"/>
+                </a:solidFill>
+              </a:rPr>
+              <a:t> </a:t>
+            </a:r>
+            <a:r>
+              <a:rPr lang="de-DE" sz="1800" b="0" dirty="0" err="1">
+                <a:solidFill>
+                  <a:schemeClr val="tx1"/>
+                </a:solidFill>
+              </a:rPr>
+              <a:t>the</a:t>
+            </a:r>
+            <a:r>
+              <a:rPr lang="de-DE" sz="1800" b="0" dirty="0">
+                <a:solidFill>
+                  <a:schemeClr val="tx1"/>
+                </a:solidFill>
+              </a:rPr>
+              <a:t> </a:t>
+            </a:r>
+            <a:r>
+              <a:rPr lang="de-DE" sz="1800" b="0" dirty="0" err="1">
+                <a:solidFill>
+                  <a:schemeClr val="tx1"/>
+                </a:solidFill>
+              </a:rPr>
+              <a:t>curve</a:t>
+            </a:r>
+            <a:r>
+              <a:rPr lang="de-DE" sz="1800" b="0" dirty="0">
+                <a:solidFill>
+                  <a:schemeClr val="tx1"/>
+                </a:solidFill>
+              </a:rPr>
+              <a:t> (=</a:t>
+            </a:r>
+            <a:r>
+              <a:rPr lang="de-DE" sz="1800" b="0" dirty="0" err="1">
+                <a:solidFill>
+                  <a:schemeClr val="tx1"/>
+                </a:solidFill>
+              </a:rPr>
+              <a:t>probability</a:t>
+            </a:r>
+            <a:r>
+              <a:rPr lang="de-DE" sz="1800" b="0" dirty="0">
+                <a:solidFill>
+                  <a:schemeClr val="tx1"/>
+                </a:solidFill>
+              </a:rPr>
+              <a:t>) </a:t>
+            </a:r>
+            <a:r>
+              <a:rPr lang="de-DE" sz="1800" b="0" dirty="0" err="1">
+                <a:solidFill>
+                  <a:schemeClr val="tx1"/>
+                </a:solidFill>
+              </a:rPr>
+              <a:t>is</a:t>
+            </a:r>
+            <a:r>
+              <a:rPr lang="de-DE" sz="1800" b="0" dirty="0">
+                <a:solidFill>
+                  <a:schemeClr val="tx1"/>
+                </a:solidFill>
+              </a:rPr>
+              <a:t> </a:t>
+            </a:r>
+            <a:r>
+              <a:rPr lang="de-DE" sz="1800" b="0" dirty="0" err="1">
+                <a:solidFill>
+                  <a:schemeClr val="tx1"/>
+                </a:solidFill>
+              </a:rPr>
+              <a:t>equal</a:t>
+            </a:r>
+            <a:r>
+              <a:rPr lang="de-DE" sz="1800" b="0" dirty="0">
+                <a:solidFill>
+                  <a:schemeClr val="tx1"/>
+                </a:solidFill>
+              </a:rPr>
+              <a:t> </a:t>
+            </a:r>
+            <a:r>
+              <a:rPr lang="de-DE" sz="1800" b="0" dirty="0" err="1">
+                <a:solidFill>
+                  <a:schemeClr val="tx1"/>
+                </a:solidFill>
+              </a:rPr>
+              <a:t>to</a:t>
+            </a:r>
+            <a:r>
+              <a:rPr lang="de-DE" sz="1800" b="0" dirty="0">
+                <a:solidFill>
+                  <a:schemeClr val="tx1"/>
+                </a:solidFill>
+              </a:rPr>
+              <a:t> 1</a:t>
+            </a:r>
+          </a:p>
+          <a:p>
+            <a:pPr marL="285750" lvl="1" indent="-285750">
+              <a:buFont typeface="Arial" panose="020B0604020202020204" pitchFamily="34" charset="0"/>
+              <a:buChar char="•"/>
+            </a:pPr>
+            <a:r>
+              <a:rPr lang="de-DE" sz="1800" dirty="0"/>
+              <a:t>Most </a:t>
+            </a:r>
+            <a:r>
+              <a:rPr lang="de-DE" sz="1800" dirty="0" err="1"/>
+              <a:t>important</a:t>
+            </a:r>
+            <a:r>
+              <a:rPr lang="de-DE" sz="1800" dirty="0"/>
+              <a:t> </a:t>
+            </a:r>
+            <a:r>
+              <a:rPr lang="de-DE" sz="1800" dirty="0" err="1"/>
+              <a:t>continuous</a:t>
+            </a:r>
+            <a:r>
+              <a:rPr lang="de-DE" sz="1800" dirty="0"/>
+              <a:t> </a:t>
+            </a:r>
+            <a:r>
+              <a:rPr lang="de-DE" sz="1800" dirty="0" err="1"/>
+              <a:t>pdf</a:t>
+            </a:r>
+            <a:r>
+              <a:rPr lang="de-DE" sz="1800" dirty="0"/>
+              <a:t> </a:t>
+            </a:r>
+            <a:r>
+              <a:rPr lang="de-DE" sz="1800" dirty="0" err="1"/>
+              <a:t>is</a:t>
+            </a:r>
+            <a:r>
+              <a:rPr lang="de-DE" sz="1800" dirty="0"/>
+              <a:t> </a:t>
+            </a:r>
+            <a:r>
+              <a:rPr lang="de-DE" sz="1800" dirty="0" err="1"/>
+              <a:t>the</a:t>
+            </a:r>
+            <a:r>
+              <a:rPr lang="de-DE" sz="1800" dirty="0"/>
+              <a:t> normal </a:t>
+            </a:r>
+            <a:r>
+              <a:rPr lang="de-DE" sz="1800" dirty="0" err="1"/>
+              <a:t>distribution</a:t>
+            </a:r>
+            <a:endParaRPr lang="de-DE" sz="1800" dirty="0"/>
+          </a:p>
+          <a:p>
+            <a:pPr marL="609750" lvl="2" indent="-285750">
+              <a:buFont typeface="Arial" panose="020B0604020202020204" pitchFamily="34" charset="0"/>
+              <a:buChar char="•"/>
+            </a:pPr>
+            <a:r>
+              <a:rPr lang="de-DE" sz="1800" b="0" dirty="0">
+                <a:solidFill>
+                  <a:schemeClr val="tx1"/>
+                </a:solidFill>
+              </a:rPr>
+              <a:t>P(X = x) → P(Z = z)</a:t>
+            </a:r>
+          </a:p>
+          <a:p>
+            <a:pPr marL="609750" lvl="2" indent="-285750">
+              <a:buFont typeface="Arial" panose="020B0604020202020204" pitchFamily="34" charset="0"/>
+              <a:buChar char="•"/>
+            </a:pPr>
+            <a:r>
+              <a:rPr lang="de-DE" sz="1800" dirty="0"/>
+              <a:t>E.g. </a:t>
+            </a:r>
+            <a:r>
+              <a:rPr lang="de-DE" sz="1800" dirty="0" err="1"/>
+              <a:t>what</a:t>
+            </a:r>
+            <a:r>
+              <a:rPr lang="de-DE" sz="1800" dirty="0"/>
+              <a:t> </a:t>
+            </a:r>
+            <a:r>
+              <a:rPr lang="de-DE" sz="1800" dirty="0" err="1"/>
+              <a:t>is</a:t>
+            </a:r>
+            <a:r>
+              <a:rPr lang="de-DE" sz="1800" dirty="0"/>
+              <a:t> </a:t>
+            </a:r>
+            <a:r>
+              <a:rPr lang="de-DE" sz="1800" dirty="0" err="1"/>
+              <a:t>the</a:t>
+            </a:r>
+            <a:r>
+              <a:rPr lang="de-DE" sz="1800" dirty="0"/>
+              <a:t> </a:t>
+            </a:r>
+            <a:r>
+              <a:rPr lang="de-DE" sz="1800" dirty="0" err="1"/>
+              <a:t>probability</a:t>
+            </a:r>
+            <a:r>
+              <a:rPr lang="de-DE" sz="1800" dirty="0"/>
+              <a:t> </a:t>
+            </a:r>
+            <a:r>
+              <a:rPr lang="de-DE" sz="1800" dirty="0" err="1"/>
+              <a:t>that</a:t>
+            </a:r>
+            <a:r>
+              <a:rPr lang="de-DE" sz="1800" dirty="0"/>
+              <a:t> Z </a:t>
+            </a:r>
+            <a:r>
+              <a:rPr lang="de-DE" sz="1800" dirty="0" err="1"/>
+              <a:t>is</a:t>
+            </a:r>
+            <a:r>
+              <a:rPr lang="de-DE" sz="1800" dirty="0"/>
+              <a:t> larger </a:t>
+            </a:r>
+            <a:r>
+              <a:rPr lang="de-DE" sz="1800" dirty="0" err="1"/>
+              <a:t>than</a:t>
+            </a:r>
+            <a:r>
+              <a:rPr lang="de-DE" sz="1800" dirty="0"/>
+              <a:t> 1.96</a:t>
+            </a:r>
+            <a:endParaRPr lang="de-DE" sz="1800" b="0" dirty="0">
+              <a:solidFill>
+                <a:schemeClr val="tx1"/>
+              </a:solidFill>
+            </a:endParaRPr>
+          </a:p>
+        </p:txBody>
+      </p:sp>
+      <p:sp>
+        <p:nvSpPr>
+          <p:cNvPr id="4" name="Datumsplatzhalter 3"/>
+          <p:cNvSpPr>
+            <a:spLocks noGrp="1"/>
+          </p:cNvSpPr>
+          <p:nvPr>
+            <p:ph type="dt" sz="half" idx="2"/>
+          </p:nvPr>
+        </p:nvSpPr>
+        <p:spPr/>
+        <p:txBody>
+          <a:bodyPr/>
+          <a:lstStyle/>
+          <a:p>
+            <a:r>
+              <a:rPr lang="de-DE" dirty="0"/>
+              <a:t>21.04.2021</a:t>
+            </a:r>
+          </a:p>
+        </p:txBody>
+      </p:sp>
+      <p:sp>
+        <p:nvSpPr>
+          <p:cNvPr id="5" name="Fußzeilenplatzhalter 4"/>
+          <p:cNvSpPr>
+            <a:spLocks noGrp="1"/>
+          </p:cNvSpPr>
+          <p:nvPr>
+            <p:ph type="ftr" sz="quarter" idx="3"/>
+          </p:nvPr>
+        </p:nvSpPr>
+        <p:spPr/>
+        <p:txBody>
+          <a:bodyPr/>
+          <a:lstStyle/>
+          <a:p>
+            <a:r>
+              <a:rPr lang="de-DE" dirty="0"/>
+              <a:t>Tutorial </a:t>
+            </a:r>
+            <a:r>
+              <a:rPr lang="de-DE" dirty="0" err="1"/>
+              <a:t>Statistics</a:t>
+            </a:r>
+            <a:endParaRPr lang="de-DE" dirty="0"/>
+          </a:p>
+        </p:txBody>
+      </p:sp>
+      <p:sp>
+        <p:nvSpPr>
+          <p:cNvPr id="6" name="Foliennummernplatzhalter 5"/>
+          <p:cNvSpPr>
+            <a:spLocks noGrp="1"/>
+          </p:cNvSpPr>
+          <p:nvPr>
+            <p:ph type="sldNum" sz="quarter" idx="4"/>
+          </p:nvPr>
+        </p:nvSpPr>
+        <p:spPr/>
+        <p:txBody>
+          <a:bodyPr/>
+          <a:lstStyle/>
+          <a:p>
+            <a:fld id="{C05EE493-AD2E-4872-B2F6-8F12A747F0A5}" type="slidenum">
+              <a:rPr lang="de-DE" smtClean="0"/>
+              <a:pPr/>
+              <a:t>9</a:t>
+            </a:fld>
+            <a:endParaRPr lang="de-DE" dirty="0"/>
+          </a:p>
+        </p:txBody>
+      </p:sp>
+    </p:spTree>
+    <p:extLst>
+      <p:ext uri="{BB962C8B-B14F-4D97-AF65-F5344CB8AC3E}">
+        <p14:creationId xmlns:p14="http://schemas.microsoft.com/office/powerpoint/2010/main" val="3133928957"/>
       </p:ext>
     </p:extLst>
   </p:cSld>
